--- a/Project Submission/Presentation/Full Presentation.pptx
+++ b/Project Submission/Presentation/Full Presentation.pptx
@@ -8,10 +8,10 @@
   <p:sldIdLst>
     <p:sldId id="256" r:id="rId3"/>
     <p:sldId id="257" r:id="rId4"/>
-    <p:sldId id="258" r:id="rId5"/>
+    <p:sldId id="281" r:id="rId5"/>
     <p:sldId id="259" r:id="rId6"/>
     <p:sldId id="260" r:id="rId7"/>
-    <p:sldId id="261" r:id="rId8"/>
+    <p:sldId id="282" r:id="rId8"/>
     <p:sldId id="262" r:id="rId9"/>
     <p:sldId id="275" r:id="rId10"/>
     <p:sldId id="279" r:id="rId11"/>
@@ -22,15 +22,13 @@
     <p:sldId id="264" r:id="rId16"/>
     <p:sldId id="265" r:id="rId17"/>
     <p:sldId id="266" r:id="rId18"/>
-    <p:sldId id="267" r:id="rId19"/>
-    <p:sldId id="268" r:id="rId20"/>
-    <p:sldId id="269" r:id="rId21"/>
-    <p:sldId id="270" r:id="rId22"/>
-    <p:sldId id="271" r:id="rId23"/>
-    <p:sldId id="272" r:id="rId24"/>
-    <p:sldId id="273" r:id="rId25"/>
-    <p:sldId id="274" r:id="rId26"/>
-    <p:sldId id="277" r:id="rId27"/>
+    <p:sldId id="268" r:id="rId19"/>
+    <p:sldId id="270" r:id="rId20"/>
+    <p:sldId id="271" r:id="rId21"/>
+    <p:sldId id="273" r:id="rId22"/>
+    <p:sldId id="274" r:id="rId23"/>
+    <p:sldId id="277" r:id="rId24"/>
+    <p:sldId id="283" r:id="rId25"/>
   </p:sldIdLst>
   <p:sldSz cx="9144000" cy="6858000" type="screen4x3"/>
   <p:notesSz cx="6858000" cy="9144000"/>
@@ -7303,7 +7301,7 @@
           <a:p>
             <a:r>
               <a:rPr lang="en-US" dirty="0" smtClean="0"/>
-              <a:t>Smart-Switch</a:t>
+              <a:t>Smart Switch</a:t>
             </a:r>
             <a:endParaRPr lang="en-US" dirty="0"/>
           </a:p>
@@ -8883,7 +8881,7 @@
             <p:ph idx="4294967295"/>
           </p:nvPr>
         </p:nvPicPr>
-        <p:blipFill>
+        <p:blipFill rotWithShape="1">
           <a:blip r:embed="rId2" cstate="print">
             <a:extLst>
               <a:ext uri="{28A0092B-C50C-407E-A947-70E740481C1C}">
@@ -8891,14 +8889,13 @@
               </a:ext>
             </a:extLst>
           </a:blip>
-          <a:stretch>
-            <a:fillRect/>
-          </a:stretch>
+          <a:srcRect r="50009"/>
+          <a:stretch/>
         </p:blipFill>
         <p:spPr bwMode="auto">
           <a:xfrm>
-            <a:off x="1276350" y="1739220"/>
-            <a:ext cx="6553200" cy="3997325"/>
+            <a:off x="627743" y="1721077"/>
+            <a:ext cx="3276000" cy="3997325"/>
           </a:xfrm>
           <a:prstGeom prst="rect">
             <a:avLst/>
@@ -8953,6 +8950,280 @@
               <a:t>Add new device</a:t>
             </a:r>
             <a:endParaRPr lang="he-IL" dirty="0"/>
+          </a:p>
+        </p:txBody>
+      </p:sp>
+      <p:sp>
+        <p:nvSpPr>
+          <p:cNvPr id="5" name="Content Placeholder 3">
+            <a:extLst>
+              <a:ext uri="{FF2B5EF4-FFF2-40B4-BE49-F238E27FC236}">
+                <a16:creationId xmlns="" xmlns:a16="http://schemas.microsoft.com/office/drawing/2014/main" id="{1367783C-5032-4F97-BB0B-E92FF3AB3579}"/>
+              </a:ext>
+            </a:extLst>
+          </p:cNvPr>
+          <p:cNvSpPr txBox="1">
+            <a:spLocks/>
+          </p:cNvSpPr>
+          <p:nvPr/>
+        </p:nvSpPr>
+        <p:spPr>
+          <a:xfrm>
+            <a:off x="4191000" y="1371600"/>
+            <a:ext cx="4495800" cy="4351338"/>
+          </a:xfrm>
+          <a:prstGeom prst="rect">
+            <a:avLst/>
+          </a:prstGeom>
+        </p:spPr>
+        <p:txBody>
+          <a:bodyPr vert="horz" lIns="91440" tIns="45720" rIns="91440" bIns="45720" rtlCol="0">
+            <a:normAutofit/>
+          </a:bodyPr>
+          <a:lstStyle>
+            <a:lvl1pPr marL="228600" indent="-228600" algn="l" defTabSz="914400" rtl="0" eaLnBrk="1" latinLnBrk="0" hangingPunct="1">
+              <a:lnSpc>
+                <a:spcPct val="120000"/>
+              </a:lnSpc>
+              <a:spcBef>
+                <a:spcPts val="1000"/>
+              </a:spcBef>
+              <a:buClr>
+                <a:schemeClr val="accent1"/>
+              </a:buClr>
+              <a:buSzPct val="100000"/>
+              <a:buFont typeface="Arial" panose="020B0604020202020204" pitchFamily="34" charset="0"/>
+              <a:buChar char="•"/>
+              <a:defRPr sz="2000" kern="1200">
+                <a:solidFill>
+                  <a:schemeClr val="tx1"/>
+                </a:solidFill>
+                <a:effectLst/>
+                <a:latin typeface="+mn-lt"/>
+                <a:ea typeface="+mn-ea"/>
+                <a:cs typeface="+mn-cs"/>
+              </a:defRPr>
+            </a:lvl1pPr>
+            <a:lvl2pPr marL="685800" indent="-228600" algn="l" defTabSz="914400" rtl="0" eaLnBrk="1" latinLnBrk="0" hangingPunct="1">
+              <a:lnSpc>
+                <a:spcPct val="120000"/>
+              </a:lnSpc>
+              <a:spcBef>
+                <a:spcPts val="500"/>
+              </a:spcBef>
+              <a:buClr>
+                <a:schemeClr val="accent1"/>
+              </a:buClr>
+              <a:buSzPct val="100000"/>
+              <a:buFont typeface="Arial" panose="020B0604020202020204" pitchFamily="34" charset="0"/>
+              <a:buChar char="•"/>
+              <a:defRPr sz="1800" kern="1200" cap="none" baseline="0">
+                <a:solidFill>
+                  <a:schemeClr val="tx1"/>
+                </a:solidFill>
+                <a:effectLst/>
+                <a:latin typeface="+mn-lt"/>
+                <a:ea typeface="+mn-ea"/>
+                <a:cs typeface="+mn-cs"/>
+              </a:defRPr>
+            </a:lvl2pPr>
+            <a:lvl3pPr marL="1143000" indent="-228600" algn="l" defTabSz="914400" rtl="0" eaLnBrk="1" latinLnBrk="0" hangingPunct="1">
+              <a:lnSpc>
+                <a:spcPct val="120000"/>
+              </a:lnSpc>
+              <a:spcBef>
+                <a:spcPts val="500"/>
+              </a:spcBef>
+              <a:buClr>
+                <a:schemeClr val="accent1"/>
+              </a:buClr>
+              <a:buSzPct val="100000"/>
+              <a:buFont typeface="Arial" panose="020B0604020202020204" pitchFamily="34" charset="0"/>
+              <a:buChar char="•"/>
+              <a:defRPr sz="1600" kern="1200">
+                <a:solidFill>
+                  <a:schemeClr val="tx1"/>
+                </a:solidFill>
+                <a:effectLst/>
+                <a:latin typeface="+mn-lt"/>
+                <a:ea typeface="+mn-ea"/>
+                <a:cs typeface="+mn-cs"/>
+              </a:defRPr>
+            </a:lvl3pPr>
+            <a:lvl4pPr marL="1600200" indent="-228600" algn="l" defTabSz="914400" rtl="0" eaLnBrk="1" latinLnBrk="0" hangingPunct="1">
+              <a:lnSpc>
+                <a:spcPct val="120000"/>
+              </a:lnSpc>
+              <a:spcBef>
+                <a:spcPts val="500"/>
+              </a:spcBef>
+              <a:buClr>
+                <a:schemeClr val="accent1"/>
+              </a:buClr>
+              <a:buSzPct val="100000"/>
+              <a:buFont typeface="Arial" panose="020B0604020202020204" pitchFamily="34" charset="0"/>
+              <a:buChar char="•"/>
+              <a:defRPr sz="1400" kern="1200" cap="none" baseline="0">
+                <a:solidFill>
+                  <a:schemeClr val="tx1"/>
+                </a:solidFill>
+                <a:effectLst/>
+                <a:latin typeface="+mn-lt"/>
+                <a:ea typeface="+mn-ea"/>
+                <a:cs typeface="+mn-cs"/>
+              </a:defRPr>
+            </a:lvl4pPr>
+            <a:lvl5pPr marL="2057400" indent="-228600" algn="l" defTabSz="914400" rtl="0" eaLnBrk="1" latinLnBrk="0" hangingPunct="1">
+              <a:lnSpc>
+                <a:spcPct val="120000"/>
+              </a:lnSpc>
+              <a:spcBef>
+                <a:spcPts val="500"/>
+              </a:spcBef>
+              <a:buClr>
+                <a:schemeClr val="accent1"/>
+              </a:buClr>
+              <a:buSzPct val="100000"/>
+              <a:buFont typeface="Arial" panose="020B0604020202020204" pitchFamily="34" charset="0"/>
+              <a:buChar char="•"/>
+              <a:defRPr sz="1200" kern="1200">
+                <a:solidFill>
+                  <a:schemeClr val="tx1"/>
+                </a:solidFill>
+                <a:effectLst/>
+                <a:latin typeface="+mn-lt"/>
+                <a:ea typeface="+mn-ea"/>
+                <a:cs typeface="+mn-cs"/>
+              </a:defRPr>
+            </a:lvl5pPr>
+            <a:lvl6pPr marL="2514600" indent="-228600" algn="l" defTabSz="914400" rtl="0" eaLnBrk="1" latinLnBrk="0" hangingPunct="1">
+              <a:lnSpc>
+                <a:spcPct val="120000"/>
+              </a:lnSpc>
+              <a:spcBef>
+                <a:spcPts val="500"/>
+              </a:spcBef>
+              <a:buClr>
+                <a:schemeClr val="accent1"/>
+              </a:buClr>
+              <a:buSzPct val="100000"/>
+              <a:buFont typeface="Arial" panose="020B0604020202020204" pitchFamily="34" charset="0"/>
+              <a:buChar char="•"/>
+              <a:defRPr sz="1200" kern="1200">
+                <a:solidFill>
+                  <a:schemeClr val="tx1"/>
+                </a:solidFill>
+                <a:effectLst/>
+                <a:latin typeface="+mn-lt"/>
+                <a:ea typeface="+mn-ea"/>
+                <a:cs typeface="+mn-cs"/>
+              </a:defRPr>
+            </a:lvl6pPr>
+            <a:lvl7pPr marL="2971800" indent="-228600" algn="l" defTabSz="914400" rtl="0" eaLnBrk="1" latinLnBrk="0" hangingPunct="1">
+              <a:lnSpc>
+                <a:spcPct val="120000"/>
+              </a:lnSpc>
+              <a:spcBef>
+                <a:spcPts val="500"/>
+              </a:spcBef>
+              <a:buClr>
+                <a:schemeClr val="accent1"/>
+              </a:buClr>
+              <a:buSzPct val="100000"/>
+              <a:buFont typeface="Arial" panose="020B0604020202020204" pitchFamily="34" charset="0"/>
+              <a:buChar char="•"/>
+              <a:defRPr sz="1200" kern="1200">
+                <a:solidFill>
+                  <a:schemeClr val="tx1"/>
+                </a:solidFill>
+                <a:effectLst/>
+                <a:latin typeface="+mn-lt"/>
+                <a:ea typeface="+mn-ea"/>
+                <a:cs typeface="+mn-cs"/>
+              </a:defRPr>
+            </a:lvl7pPr>
+            <a:lvl8pPr marL="3429000" indent="-228600" algn="l" defTabSz="914400" rtl="0" eaLnBrk="1" latinLnBrk="0" hangingPunct="1">
+              <a:lnSpc>
+                <a:spcPct val="120000"/>
+              </a:lnSpc>
+              <a:spcBef>
+                <a:spcPts val="500"/>
+              </a:spcBef>
+              <a:buClr>
+                <a:schemeClr val="accent1"/>
+              </a:buClr>
+              <a:buSzPct val="100000"/>
+              <a:buFont typeface="Arial" panose="020B0604020202020204" pitchFamily="34" charset="0"/>
+              <a:buChar char="•"/>
+              <a:defRPr sz="1200" kern="1200" baseline="0">
+                <a:solidFill>
+                  <a:schemeClr val="tx1"/>
+                </a:solidFill>
+                <a:effectLst/>
+                <a:latin typeface="+mn-lt"/>
+                <a:ea typeface="+mn-ea"/>
+                <a:cs typeface="+mn-cs"/>
+              </a:defRPr>
+            </a:lvl8pPr>
+            <a:lvl9pPr marL="3886200" indent="-228600" algn="l" defTabSz="914400" rtl="0" eaLnBrk="1" latinLnBrk="0" hangingPunct="1">
+              <a:lnSpc>
+                <a:spcPct val="120000"/>
+              </a:lnSpc>
+              <a:spcBef>
+                <a:spcPts val="500"/>
+              </a:spcBef>
+              <a:buClr>
+                <a:schemeClr val="accent1"/>
+              </a:buClr>
+              <a:buSzPct val="100000"/>
+              <a:buFont typeface="Arial" panose="020B0604020202020204" pitchFamily="34" charset="0"/>
+              <a:buChar char="•"/>
+              <a:defRPr sz="1200" kern="1200" baseline="0">
+                <a:solidFill>
+                  <a:schemeClr val="tx1"/>
+                </a:solidFill>
+                <a:effectLst/>
+                <a:latin typeface="+mn-lt"/>
+                <a:ea typeface="+mn-ea"/>
+                <a:cs typeface="+mn-cs"/>
+              </a:defRPr>
+            </a:lvl9pPr>
+          </a:lstStyle>
+          <a:p>
+            <a:pPr marL="0" indent="0">
+              <a:buFont typeface="Arial" panose="020B0604020202020204" pitchFamily="34" charset="0"/>
+              <a:buNone/>
+            </a:pPr>
+            <a:endParaRPr lang="en-US" dirty="0" smtClean="0"/>
+          </a:p>
+          <a:p>
+            <a:pPr marL="0" indent="0">
+              <a:buFont typeface="Arial" panose="020B0604020202020204" pitchFamily="34" charset="0"/>
+              <a:buNone/>
+            </a:pPr>
+            <a:r>
+              <a:rPr lang="en-US" dirty="0" smtClean="0"/>
+              <a:t>Page elements and functionalities:</a:t>
+            </a:r>
+          </a:p>
+          <a:p>
+            <a:r>
+              <a:rPr lang="en-US" dirty="0" smtClean="0"/>
+              <a:t>Present all unapproved plugs for the client as viable options</a:t>
+            </a:r>
+          </a:p>
+          <a:p>
+            <a:r>
+              <a:rPr lang="en-US" dirty="0" smtClean="0"/>
+              <a:t>An “reject” button, which removes the unapproved plug as viable option for the client</a:t>
+            </a:r>
+          </a:p>
+          <a:p>
+            <a:r>
+              <a:rPr lang="en-US" dirty="0" smtClean="0"/>
+              <a:t>A “refresh” button, which loads the page on click</a:t>
+            </a:r>
+            <a:endParaRPr lang="en-US" dirty="0"/>
           </a:p>
         </p:txBody>
       </p:sp>
@@ -9009,7 +9280,7 @@
             <p:ph idx="4294967295"/>
           </p:nvPr>
         </p:nvPicPr>
-        <p:blipFill>
+        <p:blipFill rotWithShape="1">
           <a:blip r:embed="rId2" cstate="print">
             <a:extLst>
               <a:ext uri="{28A0092B-C50C-407E-A947-70E740481C1C}">
@@ -9017,14 +9288,13 @@
               </a:ext>
             </a:extLst>
           </a:blip>
-          <a:stretch>
-            <a:fillRect/>
-          </a:stretch>
+          <a:srcRect r="50009"/>
+          <a:stretch/>
         </p:blipFill>
         <p:spPr bwMode="auto">
           <a:xfrm>
-            <a:off x="1295400" y="1752601"/>
-            <a:ext cx="6553200" cy="3997325"/>
+            <a:off x="533400" y="1676400"/>
+            <a:ext cx="3276000" cy="3997325"/>
           </a:xfrm>
           <a:prstGeom prst="rect">
             <a:avLst/>
@@ -9075,10 +9345,289 @@
           </a:lstStyle>
           <a:p>
             <a:r>
-              <a:rPr lang="en-US" dirty="0"/>
-              <a:t>Device Settings</a:t>
+              <a:rPr lang="en-US" smtClean="0"/>
+              <a:t>Add new device</a:t>
             </a:r>
             <a:endParaRPr lang="he-IL" dirty="0"/>
+          </a:p>
+        </p:txBody>
+      </p:sp>
+      <p:sp>
+        <p:nvSpPr>
+          <p:cNvPr id="4" name="Content Placeholder 3">
+            <a:extLst>
+              <a:ext uri="{FF2B5EF4-FFF2-40B4-BE49-F238E27FC236}">
+                <a16:creationId xmlns="" xmlns:a16="http://schemas.microsoft.com/office/drawing/2014/main" id="{1367783C-5032-4F97-BB0B-E92FF3AB3579}"/>
+              </a:ext>
+            </a:extLst>
+          </p:cNvPr>
+          <p:cNvSpPr txBox="1">
+            <a:spLocks/>
+          </p:cNvSpPr>
+          <p:nvPr/>
+        </p:nvSpPr>
+        <p:spPr>
+          <a:xfrm>
+            <a:off x="4038600" y="1371600"/>
+            <a:ext cx="4838700" cy="4351338"/>
+          </a:xfrm>
+          <a:prstGeom prst="rect">
+            <a:avLst/>
+          </a:prstGeom>
+        </p:spPr>
+        <p:txBody>
+          <a:bodyPr vert="horz" lIns="91440" tIns="45720" rIns="91440" bIns="45720" rtlCol="0">
+            <a:normAutofit fontScale="77500" lnSpcReduction="20000"/>
+          </a:bodyPr>
+          <a:lstStyle>
+            <a:lvl1pPr marL="228600" indent="-228600" algn="l" defTabSz="914400" rtl="0" eaLnBrk="1" latinLnBrk="0" hangingPunct="1">
+              <a:lnSpc>
+                <a:spcPct val="120000"/>
+              </a:lnSpc>
+              <a:spcBef>
+                <a:spcPts val="1000"/>
+              </a:spcBef>
+              <a:buClr>
+                <a:schemeClr val="accent1"/>
+              </a:buClr>
+              <a:buSzPct val="100000"/>
+              <a:buFont typeface="Arial" panose="020B0604020202020204" pitchFamily="34" charset="0"/>
+              <a:buChar char="•"/>
+              <a:defRPr sz="2000" kern="1200">
+                <a:solidFill>
+                  <a:schemeClr val="tx1"/>
+                </a:solidFill>
+                <a:effectLst/>
+                <a:latin typeface="+mn-lt"/>
+                <a:ea typeface="+mn-ea"/>
+                <a:cs typeface="+mn-cs"/>
+              </a:defRPr>
+            </a:lvl1pPr>
+            <a:lvl2pPr marL="685800" indent="-228600" algn="l" defTabSz="914400" rtl="0" eaLnBrk="1" latinLnBrk="0" hangingPunct="1">
+              <a:lnSpc>
+                <a:spcPct val="120000"/>
+              </a:lnSpc>
+              <a:spcBef>
+                <a:spcPts val="500"/>
+              </a:spcBef>
+              <a:buClr>
+                <a:schemeClr val="accent1"/>
+              </a:buClr>
+              <a:buSzPct val="100000"/>
+              <a:buFont typeface="Arial" panose="020B0604020202020204" pitchFamily="34" charset="0"/>
+              <a:buChar char="•"/>
+              <a:defRPr sz="1800" kern="1200" cap="none" baseline="0">
+                <a:solidFill>
+                  <a:schemeClr val="tx1"/>
+                </a:solidFill>
+                <a:effectLst/>
+                <a:latin typeface="+mn-lt"/>
+                <a:ea typeface="+mn-ea"/>
+                <a:cs typeface="+mn-cs"/>
+              </a:defRPr>
+            </a:lvl2pPr>
+            <a:lvl3pPr marL="1143000" indent="-228600" algn="l" defTabSz="914400" rtl="0" eaLnBrk="1" latinLnBrk="0" hangingPunct="1">
+              <a:lnSpc>
+                <a:spcPct val="120000"/>
+              </a:lnSpc>
+              <a:spcBef>
+                <a:spcPts val="500"/>
+              </a:spcBef>
+              <a:buClr>
+                <a:schemeClr val="accent1"/>
+              </a:buClr>
+              <a:buSzPct val="100000"/>
+              <a:buFont typeface="Arial" panose="020B0604020202020204" pitchFamily="34" charset="0"/>
+              <a:buChar char="•"/>
+              <a:defRPr sz="1600" kern="1200">
+                <a:solidFill>
+                  <a:schemeClr val="tx1"/>
+                </a:solidFill>
+                <a:effectLst/>
+                <a:latin typeface="+mn-lt"/>
+                <a:ea typeface="+mn-ea"/>
+                <a:cs typeface="+mn-cs"/>
+              </a:defRPr>
+            </a:lvl3pPr>
+            <a:lvl4pPr marL="1600200" indent="-228600" algn="l" defTabSz="914400" rtl="0" eaLnBrk="1" latinLnBrk="0" hangingPunct="1">
+              <a:lnSpc>
+                <a:spcPct val="120000"/>
+              </a:lnSpc>
+              <a:spcBef>
+                <a:spcPts val="500"/>
+              </a:spcBef>
+              <a:buClr>
+                <a:schemeClr val="accent1"/>
+              </a:buClr>
+              <a:buSzPct val="100000"/>
+              <a:buFont typeface="Arial" panose="020B0604020202020204" pitchFamily="34" charset="0"/>
+              <a:buChar char="•"/>
+              <a:defRPr sz="1400" kern="1200" cap="none" baseline="0">
+                <a:solidFill>
+                  <a:schemeClr val="tx1"/>
+                </a:solidFill>
+                <a:effectLst/>
+                <a:latin typeface="+mn-lt"/>
+                <a:ea typeface="+mn-ea"/>
+                <a:cs typeface="+mn-cs"/>
+              </a:defRPr>
+            </a:lvl4pPr>
+            <a:lvl5pPr marL="2057400" indent="-228600" algn="l" defTabSz="914400" rtl="0" eaLnBrk="1" latinLnBrk="0" hangingPunct="1">
+              <a:lnSpc>
+                <a:spcPct val="120000"/>
+              </a:lnSpc>
+              <a:spcBef>
+                <a:spcPts val="500"/>
+              </a:spcBef>
+              <a:buClr>
+                <a:schemeClr val="accent1"/>
+              </a:buClr>
+              <a:buSzPct val="100000"/>
+              <a:buFont typeface="Arial" panose="020B0604020202020204" pitchFamily="34" charset="0"/>
+              <a:buChar char="•"/>
+              <a:defRPr sz="1200" kern="1200">
+                <a:solidFill>
+                  <a:schemeClr val="tx1"/>
+                </a:solidFill>
+                <a:effectLst/>
+                <a:latin typeface="+mn-lt"/>
+                <a:ea typeface="+mn-ea"/>
+                <a:cs typeface="+mn-cs"/>
+              </a:defRPr>
+            </a:lvl5pPr>
+            <a:lvl6pPr marL="2514600" indent="-228600" algn="l" defTabSz="914400" rtl="0" eaLnBrk="1" latinLnBrk="0" hangingPunct="1">
+              <a:lnSpc>
+                <a:spcPct val="120000"/>
+              </a:lnSpc>
+              <a:spcBef>
+                <a:spcPts val="500"/>
+              </a:spcBef>
+              <a:buClr>
+                <a:schemeClr val="accent1"/>
+              </a:buClr>
+              <a:buSzPct val="100000"/>
+              <a:buFont typeface="Arial" panose="020B0604020202020204" pitchFamily="34" charset="0"/>
+              <a:buChar char="•"/>
+              <a:defRPr sz="1200" kern="1200">
+                <a:solidFill>
+                  <a:schemeClr val="tx1"/>
+                </a:solidFill>
+                <a:effectLst/>
+                <a:latin typeface="+mn-lt"/>
+                <a:ea typeface="+mn-ea"/>
+                <a:cs typeface="+mn-cs"/>
+              </a:defRPr>
+            </a:lvl6pPr>
+            <a:lvl7pPr marL="2971800" indent="-228600" algn="l" defTabSz="914400" rtl="0" eaLnBrk="1" latinLnBrk="0" hangingPunct="1">
+              <a:lnSpc>
+                <a:spcPct val="120000"/>
+              </a:lnSpc>
+              <a:spcBef>
+                <a:spcPts val="500"/>
+              </a:spcBef>
+              <a:buClr>
+                <a:schemeClr val="accent1"/>
+              </a:buClr>
+              <a:buSzPct val="100000"/>
+              <a:buFont typeface="Arial" panose="020B0604020202020204" pitchFamily="34" charset="0"/>
+              <a:buChar char="•"/>
+              <a:defRPr sz="1200" kern="1200">
+                <a:solidFill>
+                  <a:schemeClr val="tx1"/>
+                </a:solidFill>
+                <a:effectLst/>
+                <a:latin typeface="+mn-lt"/>
+                <a:ea typeface="+mn-ea"/>
+                <a:cs typeface="+mn-cs"/>
+              </a:defRPr>
+            </a:lvl7pPr>
+            <a:lvl8pPr marL="3429000" indent="-228600" algn="l" defTabSz="914400" rtl="0" eaLnBrk="1" latinLnBrk="0" hangingPunct="1">
+              <a:lnSpc>
+                <a:spcPct val="120000"/>
+              </a:lnSpc>
+              <a:spcBef>
+                <a:spcPts val="500"/>
+              </a:spcBef>
+              <a:buClr>
+                <a:schemeClr val="accent1"/>
+              </a:buClr>
+              <a:buSzPct val="100000"/>
+              <a:buFont typeface="Arial" panose="020B0604020202020204" pitchFamily="34" charset="0"/>
+              <a:buChar char="•"/>
+              <a:defRPr sz="1200" kern="1200" baseline="0">
+                <a:solidFill>
+                  <a:schemeClr val="tx1"/>
+                </a:solidFill>
+                <a:effectLst/>
+                <a:latin typeface="+mn-lt"/>
+                <a:ea typeface="+mn-ea"/>
+                <a:cs typeface="+mn-cs"/>
+              </a:defRPr>
+            </a:lvl8pPr>
+            <a:lvl9pPr marL="3886200" indent="-228600" algn="l" defTabSz="914400" rtl="0" eaLnBrk="1" latinLnBrk="0" hangingPunct="1">
+              <a:lnSpc>
+                <a:spcPct val="120000"/>
+              </a:lnSpc>
+              <a:spcBef>
+                <a:spcPts val="500"/>
+              </a:spcBef>
+              <a:buClr>
+                <a:schemeClr val="accent1"/>
+              </a:buClr>
+              <a:buSzPct val="100000"/>
+              <a:buFont typeface="Arial" panose="020B0604020202020204" pitchFamily="34" charset="0"/>
+              <a:buChar char="•"/>
+              <a:defRPr sz="1200" kern="1200" baseline="0">
+                <a:solidFill>
+                  <a:schemeClr val="tx1"/>
+                </a:solidFill>
+                <a:effectLst/>
+                <a:latin typeface="+mn-lt"/>
+                <a:ea typeface="+mn-ea"/>
+                <a:cs typeface="+mn-cs"/>
+              </a:defRPr>
+            </a:lvl9pPr>
+          </a:lstStyle>
+          <a:p>
+            <a:pPr marL="0" indent="0">
+              <a:buFont typeface="Arial" panose="020B0604020202020204" pitchFamily="34" charset="0"/>
+              <a:buNone/>
+            </a:pPr>
+            <a:endParaRPr lang="en-US" dirty="0" smtClean="0"/>
+          </a:p>
+          <a:p>
+            <a:pPr marL="0" indent="0">
+              <a:buFont typeface="Arial" panose="020B0604020202020204" pitchFamily="34" charset="0"/>
+              <a:buNone/>
+            </a:pPr>
+            <a:r>
+              <a:rPr lang="en-US" dirty="0" smtClean="0"/>
+              <a:t>Page elements and functionalities:</a:t>
+            </a:r>
+          </a:p>
+          <a:p>
+            <a:r>
+              <a:rPr lang="en-US" dirty="0" smtClean="0"/>
+              <a:t>Present a popup by choosing a certain unapproved plug, by clicking the “accept” button</a:t>
+            </a:r>
+          </a:p>
+          <a:p>
+            <a:r>
+              <a:rPr lang="en-US" dirty="0" smtClean="0"/>
+              <a:t>Using said popup, the client determines the settings of the chosen plug</a:t>
+            </a:r>
+          </a:p>
+          <a:p>
+            <a:r>
+              <a:rPr lang="en-US" dirty="0" smtClean="0"/>
+              <a:t>Conveying the client’s  choices to the database and updating the page accordingly by clicking the “next” button from the popup</a:t>
+            </a:r>
+          </a:p>
+          <a:p>
+            <a:r>
+              <a:rPr lang="en-US" dirty="0" smtClean="0"/>
+              <a:t>Removing the popup by clicking on the “cancel” button ,which is located on said popup</a:t>
+            </a:r>
           </a:p>
         </p:txBody>
       </p:sp>
@@ -9119,95 +9668,47 @@
           <a:chExt cx="0" cy="0"/>
         </a:xfrm>
       </p:grpSpPr>
-      <p:sp>
-        <p:nvSpPr>
-          <p:cNvPr id="4" name="Content Placeholder 3">
+      <p:pic>
+        <p:nvPicPr>
+          <p:cNvPr id="6" name="Content Placeholder 5" descr="C:\Users\Aviel\Desktop\סמסטר ב' - 2019\סדנא בהנדסת תוכנה\פרוייקט\תמונות מסך\PlugsSettings - LoggedInWithSidebar.jpg">
             <a:extLst>
               <a:ext uri="{FF2B5EF4-FFF2-40B4-BE49-F238E27FC236}">
-                <a16:creationId xmlns="" xmlns:a16="http://schemas.microsoft.com/office/drawing/2014/main" id="{1367783C-5032-4F97-BB0B-E92FF3AB3579}"/>
+                <a16:creationId xmlns="" xmlns:a16="http://schemas.microsoft.com/office/drawing/2014/main" id="{A5122BF7-AC4E-46AC-8C23-F596DB1B854E}"/>
               </a:ext>
             </a:extLst>
           </p:cNvPr>
-          <p:cNvSpPr>
-            <a:spLocks noGrp="1"/>
-          </p:cNvSpPr>
+          <p:cNvPicPr>
+            <a:picLocks noGrp="1"/>
+          </p:cNvPicPr>
           <p:nvPr>
             <p:ph idx="4294967295"/>
           </p:nvPr>
-        </p:nvSpPr>
-        <p:spPr>
+        </p:nvPicPr>
+        <p:blipFill rotWithShape="1">
+          <a:blip r:embed="rId2" cstate="print">
+            <a:extLst>
+              <a:ext uri="{28A0092B-C50C-407E-A947-70E740481C1C}">
+                <a14:useLocalDpi xmlns:a14="http://schemas.microsoft.com/office/drawing/2010/main" val="0"/>
+              </a:ext>
+            </a:extLst>
+          </a:blip>
+          <a:srcRect r="50009"/>
+          <a:stretch/>
+        </p:blipFill>
+        <p:spPr bwMode="auto">
           <a:xfrm>
-            <a:off x="0" y="1371600"/>
-            <a:ext cx="7886700" cy="4351338"/>
+            <a:off x="457200" y="1710192"/>
+            <a:ext cx="3276000" cy="3997325"/>
           </a:xfrm>
+          <a:prstGeom prst="rect">
+            <a:avLst/>
+          </a:prstGeom>
+          <a:noFill/>
         </p:spPr>
-        <p:txBody>
-          <a:bodyPr>
-            <a:normAutofit fontScale="77500" lnSpcReduction="20000"/>
-          </a:bodyPr>
-          <a:lstStyle/>
-          <a:p>
-            <a:pPr marL="0" indent="0">
-              <a:buNone/>
-            </a:pPr>
-            <a:endParaRPr lang="en-US" dirty="0"/>
-          </a:p>
-          <a:p>
-            <a:pPr marL="0" indent="0">
-              <a:buNone/>
-            </a:pPr>
-            <a:r>
-              <a:rPr lang="en-US" dirty="0"/>
-              <a:t>Page elements and functionalities:</a:t>
-            </a:r>
-          </a:p>
-          <a:p>
-            <a:r>
-              <a:rPr lang="en-US" dirty="0"/>
-              <a:t>Present all unapproved plugs for the client as viable options</a:t>
-            </a:r>
-          </a:p>
-          <a:p>
-            <a:r>
-              <a:rPr lang="en-US" dirty="0"/>
-              <a:t>An “reject” button, which removes the unapproved plug as viable option for the client</a:t>
-            </a:r>
-          </a:p>
-          <a:p>
-            <a:r>
-              <a:rPr lang="en-US" dirty="0"/>
-              <a:t>Present a popup by choosing a certain unapproved plug, by clicking the “accept” button</a:t>
-            </a:r>
-          </a:p>
-          <a:p>
-            <a:r>
-              <a:rPr lang="en-US" dirty="0"/>
-              <a:t>Using said popup, the client determines the settings of the chosen plug</a:t>
-            </a:r>
-          </a:p>
-          <a:p>
-            <a:r>
-              <a:rPr lang="en-US" dirty="0"/>
-              <a:t>Conveying the client’s  choices to the database and updating the page accordingly by clicking the “next” button from the popup</a:t>
-            </a:r>
-          </a:p>
-          <a:p>
-            <a:r>
-              <a:rPr lang="en-US" dirty="0"/>
-              <a:t>Removing the popup by clicking on the “cancel” button ,which is located on said popup</a:t>
-            </a:r>
-          </a:p>
-          <a:p>
-            <a:r>
-              <a:rPr lang="en-US" dirty="0"/>
-              <a:t>A “refresh” button, which loads the page on click</a:t>
-            </a:r>
-          </a:p>
-        </p:txBody>
-      </p:sp>
-      <p:sp>
-        <p:nvSpPr>
-          <p:cNvPr id="6" name="Title 1"/>
+      </p:pic>
+      <p:sp>
+        <p:nvSpPr>
+          <p:cNvPr id="7" name="Title 1"/>
           <p:cNvSpPr txBox="1">
             <a:spLocks/>
           </p:cNvSpPr>
@@ -9248,17 +9749,311 @@
           </a:lstStyle>
           <a:p>
             <a:r>
-              <a:rPr lang="en-US"/>
+              <a:rPr lang="en-US" smtClean="0"/>
               <a:t>Device Settings</a:t>
             </a:r>
             <a:endParaRPr lang="he-IL" dirty="0"/>
+          </a:p>
+        </p:txBody>
+      </p:sp>
+      <p:sp>
+        <p:nvSpPr>
+          <p:cNvPr id="4" name="Content Placeholder 3">
+            <a:extLst>
+              <a:ext uri="{FF2B5EF4-FFF2-40B4-BE49-F238E27FC236}">
+                <a16:creationId xmlns="" xmlns:a16="http://schemas.microsoft.com/office/drawing/2014/main" id="{1CA7F210-D8FC-4CAC-B85D-95AAADF01FFC}"/>
+              </a:ext>
+            </a:extLst>
+          </p:cNvPr>
+          <p:cNvSpPr txBox="1">
+            <a:spLocks/>
+          </p:cNvSpPr>
+          <p:nvPr/>
+        </p:nvSpPr>
+        <p:spPr>
+          <a:xfrm>
+            <a:off x="3950606" y="1295400"/>
+            <a:ext cx="4888593" cy="4351338"/>
+          </a:xfrm>
+          <a:prstGeom prst="rect">
+            <a:avLst/>
+          </a:prstGeom>
+        </p:spPr>
+        <p:txBody>
+          <a:bodyPr vert="horz" lIns="91440" tIns="45720" rIns="91440" bIns="45720" rtlCol="0">
+            <a:normAutofit fontScale="70000" lnSpcReduction="20000"/>
+          </a:bodyPr>
+          <a:lstStyle>
+            <a:lvl1pPr marL="228600" indent="-228600" algn="l" defTabSz="914400" rtl="0" eaLnBrk="1" latinLnBrk="0" hangingPunct="1">
+              <a:lnSpc>
+                <a:spcPct val="120000"/>
+              </a:lnSpc>
+              <a:spcBef>
+                <a:spcPts val="1000"/>
+              </a:spcBef>
+              <a:buClr>
+                <a:schemeClr val="accent1"/>
+              </a:buClr>
+              <a:buSzPct val="100000"/>
+              <a:buFont typeface="Arial" panose="020B0604020202020204" pitchFamily="34" charset="0"/>
+              <a:buChar char="•"/>
+              <a:defRPr sz="2000" kern="1200">
+                <a:solidFill>
+                  <a:schemeClr val="tx1"/>
+                </a:solidFill>
+                <a:effectLst/>
+                <a:latin typeface="+mn-lt"/>
+                <a:ea typeface="+mn-ea"/>
+                <a:cs typeface="+mn-cs"/>
+              </a:defRPr>
+            </a:lvl1pPr>
+            <a:lvl2pPr marL="685800" indent="-228600" algn="l" defTabSz="914400" rtl="0" eaLnBrk="1" latinLnBrk="0" hangingPunct="1">
+              <a:lnSpc>
+                <a:spcPct val="120000"/>
+              </a:lnSpc>
+              <a:spcBef>
+                <a:spcPts val="500"/>
+              </a:spcBef>
+              <a:buClr>
+                <a:schemeClr val="accent1"/>
+              </a:buClr>
+              <a:buSzPct val="100000"/>
+              <a:buFont typeface="Arial" panose="020B0604020202020204" pitchFamily="34" charset="0"/>
+              <a:buChar char="•"/>
+              <a:defRPr sz="1800" kern="1200" cap="none" baseline="0">
+                <a:solidFill>
+                  <a:schemeClr val="tx1"/>
+                </a:solidFill>
+                <a:effectLst/>
+                <a:latin typeface="+mn-lt"/>
+                <a:ea typeface="+mn-ea"/>
+                <a:cs typeface="+mn-cs"/>
+              </a:defRPr>
+            </a:lvl2pPr>
+            <a:lvl3pPr marL="1143000" indent="-228600" algn="l" defTabSz="914400" rtl="0" eaLnBrk="1" latinLnBrk="0" hangingPunct="1">
+              <a:lnSpc>
+                <a:spcPct val="120000"/>
+              </a:lnSpc>
+              <a:spcBef>
+                <a:spcPts val="500"/>
+              </a:spcBef>
+              <a:buClr>
+                <a:schemeClr val="accent1"/>
+              </a:buClr>
+              <a:buSzPct val="100000"/>
+              <a:buFont typeface="Arial" panose="020B0604020202020204" pitchFamily="34" charset="0"/>
+              <a:buChar char="•"/>
+              <a:defRPr sz="1600" kern="1200">
+                <a:solidFill>
+                  <a:schemeClr val="tx1"/>
+                </a:solidFill>
+                <a:effectLst/>
+                <a:latin typeface="+mn-lt"/>
+                <a:ea typeface="+mn-ea"/>
+                <a:cs typeface="+mn-cs"/>
+              </a:defRPr>
+            </a:lvl3pPr>
+            <a:lvl4pPr marL="1600200" indent="-228600" algn="l" defTabSz="914400" rtl="0" eaLnBrk="1" latinLnBrk="0" hangingPunct="1">
+              <a:lnSpc>
+                <a:spcPct val="120000"/>
+              </a:lnSpc>
+              <a:spcBef>
+                <a:spcPts val="500"/>
+              </a:spcBef>
+              <a:buClr>
+                <a:schemeClr val="accent1"/>
+              </a:buClr>
+              <a:buSzPct val="100000"/>
+              <a:buFont typeface="Arial" panose="020B0604020202020204" pitchFamily="34" charset="0"/>
+              <a:buChar char="•"/>
+              <a:defRPr sz="1400" kern="1200" cap="none" baseline="0">
+                <a:solidFill>
+                  <a:schemeClr val="tx1"/>
+                </a:solidFill>
+                <a:effectLst/>
+                <a:latin typeface="+mn-lt"/>
+                <a:ea typeface="+mn-ea"/>
+                <a:cs typeface="+mn-cs"/>
+              </a:defRPr>
+            </a:lvl4pPr>
+            <a:lvl5pPr marL="2057400" indent="-228600" algn="l" defTabSz="914400" rtl="0" eaLnBrk="1" latinLnBrk="0" hangingPunct="1">
+              <a:lnSpc>
+                <a:spcPct val="120000"/>
+              </a:lnSpc>
+              <a:spcBef>
+                <a:spcPts val="500"/>
+              </a:spcBef>
+              <a:buClr>
+                <a:schemeClr val="accent1"/>
+              </a:buClr>
+              <a:buSzPct val="100000"/>
+              <a:buFont typeface="Arial" panose="020B0604020202020204" pitchFamily="34" charset="0"/>
+              <a:buChar char="•"/>
+              <a:defRPr sz="1200" kern="1200">
+                <a:solidFill>
+                  <a:schemeClr val="tx1"/>
+                </a:solidFill>
+                <a:effectLst/>
+                <a:latin typeface="+mn-lt"/>
+                <a:ea typeface="+mn-ea"/>
+                <a:cs typeface="+mn-cs"/>
+              </a:defRPr>
+            </a:lvl5pPr>
+            <a:lvl6pPr marL="2514600" indent="-228600" algn="l" defTabSz="914400" rtl="0" eaLnBrk="1" latinLnBrk="0" hangingPunct="1">
+              <a:lnSpc>
+                <a:spcPct val="120000"/>
+              </a:lnSpc>
+              <a:spcBef>
+                <a:spcPts val="500"/>
+              </a:spcBef>
+              <a:buClr>
+                <a:schemeClr val="accent1"/>
+              </a:buClr>
+              <a:buSzPct val="100000"/>
+              <a:buFont typeface="Arial" panose="020B0604020202020204" pitchFamily="34" charset="0"/>
+              <a:buChar char="•"/>
+              <a:defRPr sz="1200" kern="1200">
+                <a:solidFill>
+                  <a:schemeClr val="tx1"/>
+                </a:solidFill>
+                <a:effectLst/>
+                <a:latin typeface="+mn-lt"/>
+                <a:ea typeface="+mn-ea"/>
+                <a:cs typeface="+mn-cs"/>
+              </a:defRPr>
+            </a:lvl6pPr>
+            <a:lvl7pPr marL="2971800" indent="-228600" algn="l" defTabSz="914400" rtl="0" eaLnBrk="1" latinLnBrk="0" hangingPunct="1">
+              <a:lnSpc>
+                <a:spcPct val="120000"/>
+              </a:lnSpc>
+              <a:spcBef>
+                <a:spcPts val="500"/>
+              </a:spcBef>
+              <a:buClr>
+                <a:schemeClr val="accent1"/>
+              </a:buClr>
+              <a:buSzPct val="100000"/>
+              <a:buFont typeface="Arial" panose="020B0604020202020204" pitchFamily="34" charset="0"/>
+              <a:buChar char="•"/>
+              <a:defRPr sz="1200" kern="1200">
+                <a:solidFill>
+                  <a:schemeClr val="tx1"/>
+                </a:solidFill>
+                <a:effectLst/>
+                <a:latin typeface="+mn-lt"/>
+                <a:ea typeface="+mn-ea"/>
+                <a:cs typeface="+mn-cs"/>
+              </a:defRPr>
+            </a:lvl7pPr>
+            <a:lvl8pPr marL="3429000" indent="-228600" algn="l" defTabSz="914400" rtl="0" eaLnBrk="1" latinLnBrk="0" hangingPunct="1">
+              <a:lnSpc>
+                <a:spcPct val="120000"/>
+              </a:lnSpc>
+              <a:spcBef>
+                <a:spcPts val="500"/>
+              </a:spcBef>
+              <a:buClr>
+                <a:schemeClr val="accent1"/>
+              </a:buClr>
+              <a:buSzPct val="100000"/>
+              <a:buFont typeface="Arial" panose="020B0604020202020204" pitchFamily="34" charset="0"/>
+              <a:buChar char="•"/>
+              <a:defRPr sz="1200" kern="1200" baseline="0">
+                <a:solidFill>
+                  <a:schemeClr val="tx1"/>
+                </a:solidFill>
+                <a:effectLst/>
+                <a:latin typeface="+mn-lt"/>
+                <a:ea typeface="+mn-ea"/>
+                <a:cs typeface="+mn-cs"/>
+              </a:defRPr>
+            </a:lvl8pPr>
+            <a:lvl9pPr marL="3886200" indent="-228600" algn="l" defTabSz="914400" rtl="0" eaLnBrk="1" latinLnBrk="0" hangingPunct="1">
+              <a:lnSpc>
+                <a:spcPct val="120000"/>
+              </a:lnSpc>
+              <a:spcBef>
+                <a:spcPts val="500"/>
+              </a:spcBef>
+              <a:buClr>
+                <a:schemeClr val="accent1"/>
+              </a:buClr>
+              <a:buSzPct val="100000"/>
+              <a:buFont typeface="Arial" panose="020B0604020202020204" pitchFamily="34" charset="0"/>
+              <a:buChar char="•"/>
+              <a:defRPr sz="1200" kern="1200" baseline="0">
+                <a:solidFill>
+                  <a:schemeClr val="tx1"/>
+                </a:solidFill>
+                <a:effectLst/>
+                <a:latin typeface="+mn-lt"/>
+                <a:ea typeface="+mn-ea"/>
+                <a:cs typeface="+mn-cs"/>
+              </a:defRPr>
+            </a:lvl9pPr>
+          </a:lstStyle>
+          <a:p>
+            <a:pPr marL="0" indent="0">
+              <a:buFont typeface="Arial" panose="020B0604020202020204" pitchFamily="34" charset="0"/>
+              <a:buNone/>
+            </a:pPr>
+            <a:endParaRPr lang="en-US" smtClean="0"/>
+          </a:p>
+          <a:p>
+            <a:pPr marL="0" indent="0">
+              <a:buFont typeface="Arial" panose="020B0604020202020204" pitchFamily="34" charset="0"/>
+              <a:buNone/>
+            </a:pPr>
+            <a:r>
+              <a:rPr lang="en-US" smtClean="0"/>
+              <a:t>Page elements and functionalities:</a:t>
+            </a:r>
+          </a:p>
+          <a:p>
+            <a:r>
+              <a:rPr lang="en-US" smtClean="0"/>
+              <a:t>Present the current settings of the chosen plug, including the date of its arrival to the database and it’s mac address (which are unchangeable)</a:t>
+            </a:r>
+          </a:p>
+          <a:p>
+            <a:r>
+              <a:rPr lang="en-US" smtClean="0"/>
+              <a:t>An option to change the current nickname of the chosen plug</a:t>
+            </a:r>
+          </a:p>
+          <a:p>
+            <a:r>
+              <a:rPr lang="en-US" smtClean="0"/>
+              <a:t>An option to change the current plug’s priority</a:t>
+            </a:r>
+          </a:p>
+          <a:p>
+            <a:r>
+              <a:rPr lang="en-US" smtClean="0"/>
+              <a:t>An “approve” button, which conveys the client changes to the database</a:t>
+            </a:r>
+          </a:p>
+          <a:p>
+            <a:r>
+              <a:rPr lang="en-US" smtClean="0"/>
+              <a:t>An “remove-device” button, which removes the chosen plug from the client’s approved plugs, removes the plug from the database and updates the page accordingly by returning to the plugs Main Viewer page</a:t>
+            </a:r>
+          </a:p>
+          <a:p>
+            <a:endParaRPr lang="en-US" smtClean="0"/>
+          </a:p>
+          <a:p>
+            <a:endParaRPr lang="en-US" smtClean="0"/>
+          </a:p>
+          <a:p>
+            <a:endParaRPr lang="en-US" dirty="0"/>
           </a:p>
         </p:txBody>
       </p:sp>
     </p:spTree>
     <p:extLst>
       <p:ext uri="{BB962C8B-B14F-4D97-AF65-F5344CB8AC3E}">
-        <p14:creationId xmlns:p14="http://schemas.microsoft.com/office/powerpoint/2010/main" val="2380308290"/>
+        <p14:creationId xmlns:p14="http://schemas.microsoft.com/office/powerpoint/2010/main" val="441454894"/>
       </p:ext>
     </p:extLst>
   </p:cSld>
@@ -9294,10 +10089,10 @@
       </p:grpSpPr>
       <p:pic>
         <p:nvPicPr>
-          <p:cNvPr id="6" name="Content Placeholder 5" descr="C:\Users\Aviel\Desktop\סמסטר ב' - 2019\סדנא בהנדסת תוכנה\פרוייקט\תמונות מסך\PlugsSettings - LoggedInWithSidebar.jpg">
+          <p:cNvPr id="4" name="Content Placeholder 3" descr="C:\Users\Aviel\Desktop\סמסטר ב' - 2019\סדנא בהנדסת תוכנה\פרוייקט\תמונות מסך\timingSettings - LoggedInWithSidebar.jpg">
             <a:extLst>
               <a:ext uri="{FF2B5EF4-FFF2-40B4-BE49-F238E27FC236}">
-                <a16:creationId xmlns="" xmlns:a16="http://schemas.microsoft.com/office/drawing/2014/main" id="{A5122BF7-AC4E-46AC-8C23-F596DB1B854E}"/>
+                <a16:creationId xmlns="" xmlns:a16="http://schemas.microsoft.com/office/drawing/2014/main" id="{B100C326-2252-41DC-8A46-BFFBA79A7F69}"/>
               </a:ext>
             </a:extLst>
           </p:cNvPr>
@@ -9322,7 +10117,7 @@
         </p:blipFill>
         <p:spPr bwMode="auto">
           <a:xfrm>
-            <a:off x="1276350" y="1752601"/>
+            <a:off x="1295400" y="1717677"/>
             <a:ext cx="6553200" cy="3997325"/>
           </a:xfrm>
           <a:prstGeom prst="rect">
@@ -9333,7 +10128,7 @@
       </p:pic>
       <p:sp>
         <p:nvSpPr>
-          <p:cNvPr id="7" name="Title 1"/>
+          <p:cNvPr id="6" name="Title 1"/>
           <p:cNvSpPr txBox="1">
             <a:spLocks/>
           </p:cNvSpPr>
@@ -9375,7 +10170,67 @@
           <a:p>
             <a:r>
               <a:rPr lang="en-US" dirty="0" smtClean="0"/>
-              <a:t>Device Settings</a:t>
+              <a:t>Timing settings</a:t>
+            </a:r>
+            <a:endParaRPr lang="he-IL" dirty="0"/>
+          </a:p>
+        </p:txBody>
+      </p:sp>
+      <p:sp>
+        <p:nvSpPr>
+          <p:cNvPr id="3" name="TextBox 2"/>
+          <p:cNvSpPr txBox="1"/>
+          <p:nvPr/>
+        </p:nvSpPr>
+        <p:spPr>
+          <a:xfrm>
+            <a:off x="228600" y="1219200"/>
+            <a:ext cx="8534400" cy="369332"/>
+          </a:xfrm>
+          <a:prstGeom prst="rect">
+            <a:avLst/>
+          </a:prstGeom>
+          <a:noFill/>
+        </p:spPr>
+        <p:txBody>
+          <a:bodyPr wrap="square" rtlCol="1">
+            <a:spAutoFit/>
+          </a:bodyPr>
+          <a:lstStyle/>
+          <a:p>
+            <a:r>
+              <a:rPr lang="en-US" dirty="0"/>
+              <a:t>current’s plug already created tasks and their settings</a:t>
+            </a:r>
+            <a:endParaRPr lang="he-IL" dirty="0"/>
+          </a:p>
+        </p:txBody>
+      </p:sp>
+      <p:sp>
+        <p:nvSpPr>
+          <p:cNvPr id="5" name="TextBox 4"/>
+          <p:cNvSpPr txBox="1"/>
+          <p:nvPr/>
+        </p:nvSpPr>
+        <p:spPr>
+          <a:xfrm>
+            <a:off x="228600" y="1219200"/>
+            <a:ext cx="7620000" cy="369332"/>
+          </a:xfrm>
+          <a:prstGeom prst="rect">
+            <a:avLst/>
+          </a:prstGeom>
+          <a:noFill/>
+        </p:spPr>
+        <p:txBody>
+          <a:bodyPr wrap="square" rtlCol="1">
+            <a:spAutoFit/>
+          </a:bodyPr>
+          <a:lstStyle/>
+          <a:p>
+            <a:r>
+              <a:rPr lang="en-US" dirty="0"/>
+              <a:t>“Add New Timing Setting” button</a:t>
             </a:r>
             <a:endParaRPr lang="he-IL" dirty="0"/>
           </a:p>
@@ -9384,7 +10239,7 @@
     </p:spTree>
     <p:extLst>
       <p:ext uri="{BB962C8B-B14F-4D97-AF65-F5344CB8AC3E}">
-        <p14:creationId xmlns:p14="http://schemas.microsoft.com/office/powerpoint/2010/main" val="441454894"/>
+        <p14:creationId xmlns:p14="http://schemas.microsoft.com/office/powerpoint/2010/main" val="3736975216"/>
       </p:ext>
     </p:extLst>
   </p:cSld>
@@ -9394,9 +10249,250 @@
   <p:timing>
     <p:tnLst>
       <p:par>
-        <p:cTn id="1" dur="indefinite" restart="never" nodeType="tmRoot"/>
+        <p:cTn id="1" dur="indefinite" restart="never" nodeType="tmRoot">
+          <p:childTnLst>
+            <p:seq concurrent="1" nextAc="seek">
+              <p:cTn id="2" dur="indefinite" nodeType="mainSeq">
+                <p:childTnLst>
+                  <p:par>
+                    <p:cTn id="3" fill="hold">
+                      <p:stCondLst>
+                        <p:cond delay="indefinite"/>
+                      </p:stCondLst>
+                      <p:childTnLst>
+                        <p:par>
+                          <p:cTn id="4" fill="hold">
+                            <p:stCondLst>
+                              <p:cond delay="0"/>
+                            </p:stCondLst>
+                            <p:childTnLst>
+                              <p:par>
+                                <p:cTn id="5" presetID="10" presetClass="entr" presetSubtype="0" fill="hold" grpId="0" nodeType="clickEffect">
+                                  <p:stCondLst>
+                                    <p:cond delay="0"/>
+                                  </p:stCondLst>
+                                  <p:childTnLst>
+                                    <p:set>
+                                      <p:cBhvr>
+                                        <p:cTn id="6" dur="1" fill="hold">
+                                          <p:stCondLst>
+                                            <p:cond delay="0"/>
+                                          </p:stCondLst>
+                                        </p:cTn>
+                                        <p:tgtEl>
+                                          <p:spTgt spid="3"/>
+                                        </p:tgtEl>
+                                        <p:attrNameLst>
+                                          <p:attrName>style.visibility</p:attrName>
+                                        </p:attrNameLst>
+                                      </p:cBhvr>
+                                      <p:to>
+                                        <p:strVal val="visible"/>
+                                      </p:to>
+                                    </p:set>
+                                    <p:animEffect transition="in" filter="fade">
+                                      <p:cBhvr>
+                                        <p:cTn id="7" dur="500"/>
+                                        <p:tgtEl>
+                                          <p:spTgt spid="3"/>
+                                        </p:tgtEl>
+                                      </p:cBhvr>
+                                    </p:animEffect>
+                                  </p:childTnLst>
+                                </p:cTn>
+                              </p:par>
+                            </p:childTnLst>
+                          </p:cTn>
+                        </p:par>
+                      </p:childTnLst>
+                    </p:cTn>
+                  </p:par>
+                  <p:par>
+                    <p:cTn id="8" fill="hold">
+                      <p:stCondLst>
+                        <p:cond delay="indefinite"/>
+                      </p:stCondLst>
+                      <p:childTnLst>
+                        <p:par>
+                          <p:cTn id="9" fill="hold">
+                            <p:stCondLst>
+                              <p:cond delay="0"/>
+                            </p:stCondLst>
+                            <p:childTnLst>
+                              <p:par>
+                                <p:cTn id="10" presetID="10" presetClass="exit" presetSubtype="0" fill="hold" grpId="1" nodeType="clickEffect">
+                                  <p:stCondLst>
+                                    <p:cond delay="0"/>
+                                  </p:stCondLst>
+                                  <p:childTnLst>
+                                    <p:animEffect transition="out" filter="fade">
+                                      <p:cBhvr>
+                                        <p:cTn id="11" dur="500"/>
+                                        <p:tgtEl>
+                                          <p:spTgt spid="3"/>
+                                        </p:tgtEl>
+                                      </p:cBhvr>
+                                    </p:animEffect>
+                                    <p:set>
+                                      <p:cBhvr>
+                                        <p:cTn id="12" dur="1" fill="hold">
+                                          <p:stCondLst>
+                                            <p:cond delay="499"/>
+                                          </p:stCondLst>
+                                        </p:cTn>
+                                        <p:tgtEl>
+                                          <p:spTgt spid="3"/>
+                                        </p:tgtEl>
+                                        <p:attrNameLst>
+                                          <p:attrName>style.visibility</p:attrName>
+                                        </p:attrNameLst>
+                                      </p:cBhvr>
+                                      <p:to>
+                                        <p:strVal val="hidden"/>
+                                      </p:to>
+                                    </p:set>
+                                  </p:childTnLst>
+                                </p:cTn>
+                              </p:par>
+                            </p:childTnLst>
+                          </p:cTn>
+                        </p:par>
+                      </p:childTnLst>
+                    </p:cTn>
+                  </p:par>
+                  <p:par>
+                    <p:cTn id="13" fill="hold">
+                      <p:stCondLst>
+                        <p:cond delay="indefinite"/>
+                      </p:stCondLst>
+                      <p:childTnLst>
+                        <p:par>
+                          <p:cTn id="14" fill="hold">
+                            <p:stCondLst>
+                              <p:cond delay="0"/>
+                            </p:stCondLst>
+                            <p:childTnLst>
+                              <p:par>
+                                <p:cTn id="15" presetID="10" presetClass="entr" presetSubtype="0" fill="hold" grpId="0" nodeType="clickEffect">
+                                  <p:stCondLst>
+                                    <p:cond delay="0"/>
+                                  </p:stCondLst>
+                                  <p:childTnLst>
+                                    <p:set>
+                                      <p:cBhvr>
+                                        <p:cTn id="16" dur="1" fill="hold">
+                                          <p:stCondLst>
+                                            <p:cond delay="0"/>
+                                          </p:stCondLst>
+                                        </p:cTn>
+                                        <p:tgtEl>
+                                          <p:spTgt spid="5"/>
+                                        </p:tgtEl>
+                                        <p:attrNameLst>
+                                          <p:attrName>style.visibility</p:attrName>
+                                        </p:attrNameLst>
+                                      </p:cBhvr>
+                                      <p:to>
+                                        <p:strVal val="visible"/>
+                                      </p:to>
+                                    </p:set>
+                                    <p:animEffect transition="in" filter="fade">
+                                      <p:cBhvr>
+                                        <p:cTn id="17" dur="500"/>
+                                        <p:tgtEl>
+                                          <p:spTgt spid="5"/>
+                                        </p:tgtEl>
+                                      </p:cBhvr>
+                                    </p:animEffect>
+                                  </p:childTnLst>
+                                </p:cTn>
+                              </p:par>
+                            </p:childTnLst>
+                          </p:cTn>
+                        </p:par>
+                      </p:childTnLst>
+                    </p:cTn>
+                  </p:par>
+                  <p:par>
+                    <p:cTn id="18" fill="hold">
+                      <p:stCondLst>
+                        <p:cond delay="indefinite"/>
+                      </p:stCondLst>
+                      <p:childTnLst>
+                        <p:par>
+                          <p:cTn id="19" fill="hold">
+                            <p:stCondLst>
+                              <p:cond delay="0"/>
+                            </p:stCondLst>
+                            <p:childTnLst>
+                              <p:par>
+                                <p:cTn id="20" presetID="10" presetClass="exit" presetSubtype="0" fill="hold" grpId="1" nodeType="clickEffect">
+                                  <p:stCondLst>
+                                    <p:cond delay="0"/>
+                                  </p:stCondLst>
+                                  <p:childTnLst>
+                                    <p:animEffect transition="out" filter="fade">
+                                      <p:cBhvr>
+                                        <p:cTn id="21" dur="500"/>
+                                        <p:tgtEl>
+                                          <p:spTgt spid="5"/>
+                                        </p:tgtEl>
+                                      </p:cBhvr>
+                                    </p:animEffect>
+                                    <p:set>
+                                      <p:cBhvr>
+                                        <p:cTn id="22" dur="1" fill="hold">
+                                          <p:stCondLst>
+                                            <p:cond delay="499"/>
+                                          </p:stCondLst>
+                                        </p:cTn>
+                                        <p:tgtEl>
+                                          <p:spTgt spid="5"/>
+                                        </p:tgtEl>
+                                        <p:attrNameLst>
+                                          <p:attrName>style.visibility</p:attrName>
+                                        </p:attrNameLst>
+                                      </p:cBhvr>
+                                      <p:to>
+                                        <p:strVal val="hidden"/>
+                                      </p:to>
+                                    </p:set>
+                                  </p:childTnLst>
+                                </p:cTn>
+                              </p:par>
+                            </p:childTnLst>
+                          </p:cTn>
+                        </p:par>
+                      </p:childTnLst>
+                    </p:cTn>
+                  </p:par>
+                </p:childTnLst>
+              </p:cTn>
+              <p:prevCondLst>
+                <p:cond evt="onPrev" delay="0">
+                  <p:tgtEl>
+                    <p:sldTgt/>
+                  </p:tgtEl>
+                </p:cond>
+              </p:prevCondLst>
+              <p:nextCondLst>
+                <p:cond evt="onNext" delay="0">
+                  <p:tgtEl>
+                    <p:sldTgt/>
+                  </p:tgtEl>
+                </p:cond>
+              </p:nextCondLst>
+            </p:seq>
+          </p:childTnLst>
+        </p:cTn>
       </p:par>
     </p:tnLst>
+    <p:bldLst>
+      <p:bldP spid="3" grpId="0"/>
+      <p:bldP spid="3" grpId="1"/>
+      <p:bldP spid="5" grpId="0"/>
+      <p:bldP spid="5" grpId="1"/>
+    </p:bldLst>
   </p:timing>
 </p:sld>
 </file>
@@ -9418,89 +10514,45 @@
           <a:chExt cx="0" cy="0"/>
         </a:xfrm>
       </p:grpSpPr>
-      <p:sp>
-        <p:nvSpPr>
-          <p:cNvPr id="4" name="Content Placeholder 3">
+      <p:pic>
+        <p:nvPicPr>
+          <p:cNvPr id="14" name="Content Placeholder 7" descr="C:\Users\Aviel\Desktop\סמסטר ב' - 2019\סדנא בהנדסת תוכנה\פרוייקט\תמונות מסך\timingSettings - LoggedInWithSidebar - addNewTimingSettings.jpg">
             <a:extLst>
               <a:ext uri="{FF2B5EF4-FFF2-40B4-BE49-F238E27FC236}">
-                <a16:creationId xmlns="" xmlns:a16="http://schemas.microsoft.com/office/drawing/2014/main" id="{1CA7F210-D8FC-4CAC-B85D-95AAADF01FFC}"/>
+                <a16:creationId xmlns="" xmlns:a16="http://schemas.microsoft.com/office/drawing/2014/main" id="{D0A1B798-45AF-4B10-9841-A99DB784B8FD}"/>
               </a:ext>
             </a:extLst>
           </p:cNvPr>
-          <p:cNvSpPr>
-            <a:spLocks noGrp="1"/>
-          </p:cNvSpPr>
+          <p:cNvPicPr>
+            <a:picLocks noGrp="1"/>
+          </p:cNvPicPr>
           <p:nvPr>
             <p:ph idx="4294967295"/>
           </p:nvPr>
-        </p:nvSpPr>
-        <p:spPr>
+        </p:nvPicPr>
+        <p:blipFill>
+          <a:blip r:embed="rId2" cstate="print">
+            <a:extLst>
+              <a:ext uri="{28A0092B-C50C-407E-A947-70E740481C1C}">
+                <a14:useLocalDpi xmlns:a14="http://schemas.microsoft.com/office/drawing/2010/main" val="0"/>
+              </a:ext>
+            </a:extLst>
+          </a:blip>
+          <a:stretch>
+            <a:fillRect/>
+          </a:stretch>
+        </p:blipFill>
+        <p:spPr bwMode="auto">
           <a:xfrm>
-            <a:off x="7257" y="1295400"/>
-            <a:ext cx="7886700" cy="4351338"/>
+            <a:off x="1371600" y="1676402"/>
+            <a:ext cx="6553200" cy="3997325"/>
           </a:xfrm>
+          <a:prstGeom prst="rect">
+            <a:avLst/>
+          </a:prstGeom>
+          <a:noFill/>
         </p:spPr>
-        <p:txBody>
-          <a:bodyPr>
-            <a:normAutofit fontScale="85000" lnSpcReduction="10000"/>
-          </a:bodyPr>
-          <a:lstStyle/>
-          <a:p>
-            <a:pPr marL="0" indent="0">
-              <a:buNone/>
-            </a:pPr>
-            <a:endParaRPr lang="en-US" dirty="0"/>
-          </a:p>
-          <a:p>
-            <a:pPr marL="0" indent="0">
-              <a:buNone/>
-            </a:pPr>
-            <a:r>
-              <a:rPr lang="en-US" dirty="0"/>
-              <a:t>Page elements and functionalities:</a:t>
-            </a:r>
-          </a:p>
-          <a:p>
-            <a:r>
-              <a:rPr lang="en-US" dirty="0"/>
-              <a:t>Present the current settings of the chosen plug, including the date of its arrival to the database and it’s mac address (which are unchangeable)</a:t>
-            </a:r>
-          </a:p>
-          <a:p>
-            <a:r>
-              <a:rPr lang="en-US" dirty="0"/>
-              <a:t>An option to change the current nickname of the chosen plug</a:t>
-            </a:r>
-          </a:p>
-          <a:p>
-            <a:r>
-              <a:rPr lang="en-US" dirty="0"/>
-              <a:t>An option to change the current plug’s priority</a:t>
-            </a:r>
-          </a:p>
-          <a:p>
-            <a:r>
-              <a:rPr lang="en-US" dirty="0"/>
-              <a:t>An “approve” button, which conveys the client changes to the database</a:t>
-            </a:r>
-          </a:p>
-          <a:p>
-            <a:r>
-              <a:rPr lang="en-US" dirty="0"/>
-              <a:t>An “remove-device” button, which removes the chosen plug from the client’s approved plugs, removes the plug from the database and updates the page accordingly by returning to the plugs Main Viewer page</a:t>
-            </a:r>
-          </a:p>
-          <a:p>
-            <a:endParaRPr lang="en-US" dirty="0"/>
-          </a:p>
-          <a:p>
-            <a:endParaRPr lang="en-US" dirty="0"/>
-          </a:p>
-          <a:p>
-            <a:endParaRPr lang="en-US" dirty="0"/>
-          </a:p>
-        </p:txBody>
-      </p:sp>
+      </p:pic>
       <p:sp>
         <p:nvSpPr>
           <p:cNvPr id="6" name="Title 1"/>
@@ -9545,7 +10597,95 @@
           <a:p>
             <a:r>
               <a:rPr lang="en-US" dirty="0" smtClean="0"/>
-              <a:t>Device settings</a:t>
+              <a:t>Timing settings</a:t>
+            </a:r>
+            <a:endParaRPr lang="he-IL" dirty="0"/>
+          </a:p>
+        </p:txBody>
+      </p:sp>
+      <p:sp>
+        <p:nvSpPr>
+          <p:cNvPr id="3" name="TextBox 2"/>
+          <p:cNvSpPr txBox="1"/>
+          <p:nvPr/>
+        </p:nvSpPr>
+        <p:spPr>
+          <a:xfrm>
+            <a:off x="304800" y="1143000"/>
+            <a:ext cx="8458200" cy="369332"/>
+          </a:xfrm>
+          <a:prstGeom prst="rect">
+            <a:avLst/>
+          </a:prstGeom>
+          <a:noFill/>
+        </p:spPr>
+        <p:txBody>
+          <a:bodyPr wrap="square" rtlCol="1">
+            <a:spAutoFit/>
+          </a:bodyPr>
+          <a:lstStyle/>
+          <a:p>
+            <a:r>
+              <a:rPr lang="en-US" dirty="0" smtClean="0"/>
+              <a:t>The </a:t>
+            </a:r>
+            <a:r>
+              <a:rPr lang="en-US" dirty="0"/>
+              <a:t>client determines the settings of the new task</a:t>
+            </a:r>
+            <a:endParaRPr lang="he-IL" dirty="0"/>
+          </a:p>
+        </p:txBody>
+      </p:sp>
+      <p:sp>
+        <p:nvSpPr>
+          <p:cNvPr id="4" name="TextBox 3"/>
+          <p:cNvSpPr txBox="1"/>
+          <p:nvPr/>
+        </p:nvSpPr>
+        <p:spPr>
+          <a:xfrm>
+            <a:off x="228600" y="1143000"/>
+            <a:ext cx="8610600" cy="369332"/>
+          </a:xfrm>
+          <a:prstGeom prst="rect">
+            <a:avLst/>
+          </a:prstGeom>
+          <a:noFill/>
+        </p:spPr>
+        <p:txBody>
+          <a:bodyPr wrap="square" rtlCol="1">
+            <a:spAutoFit/>
+          </a:bodyPr>
+          <a:lstStyle/>
+          <a:p>
+            <a:r>
+              <a:rPr lang="en-US" dirty="0" smtClean="0"/>
+              <a:t>The </a:t>
+            </a:r>
+            <a:r>
+              <a:rPr lang="en-US" dirty="0"/>
+              <a:t>database </a:t>
+            </a:r>
+            <a:r>
+              <a:rPr lang="en-US" dirty="0" smtClean="0"/>
+              <a:t>and the </a:t>
+            </a:r>
+            <a:r>
+              <a:rPr lang="en-US" dirty="0"/>
+              <a:t>page accordingly </a:t>
+            </a:r>
+            <a:r>
+              <a:rPr lang="en-US" dirty="0" smtClean="0"/>
+              <a:t>updates by </a:t>
+            </a:r>
+            <a:r>
+              <a:rPr lang="en-US" dirty="0"/>
+              <a:t>clicking the “ok” </a:t>
+            </a:r>
+            <a:r>
+              <a:rPr lang="en-US" dirty="0" smtClean="0"/>
+              <a:t>button</a:t>
             </a:r>
             <a:endParaRPr lang="he-IL" dirty="0"/>
           </a:p>
@@ -9554,7 +10694,7 @@
     </p:spTree>
     <p:extLst>
       <p:ext uri="{BB962C8B-B14F-4D97-AF65-F5344CB8AC3E}">
-        <p14:creationId xmlns:p14="http://schemas.microsoft.com/office/powerpoint/2010/main" val="3050660770"/>
+        <p14:creationId xmlns:p14="http://schemas.microsoft.com/office/powerpoint/2010/main" val="3144262631"/>
       </p:ext>
     </p:extLst>
   </p:cSld>
@@ -9564,9 +10704,196 @@
   <p:timing>
     <p:tnLst>
       <p:par>
-        <p:cTn id="1" dur="indefinite" restart="never" nodeType="tmRoot"/>
+        <p:cTn id="1" dur="indefinite" restart="never" nodeType="tmRoot">
+          <p:childTnLst>
+            <p:seq concurrent="1" nextAc="seek">
+              <p:cTn id="2" dur="indefinite" nodeType="mainSeq">
+                <p:childTnLst>
+                  <p:par>
+                    <p:cTn id="3" fill="hold">
+                      <p:stCondLst>
+                        <p:cond delay="indefinite"/>
+                      </p:stCondLst>
+                      <p:childTnLst>
+                        <p:par>
+                          <p:cTn id="4" fill="hold">
+                            <p:stCondLst>
+                              <p:cond delay="0"/>
+                            </p:stCondLst>
+                            <p:childTnLst>
+                              <p:par>
+                                <p:cTn id="5" presetID="10" presetClass="entr" presetSubtype="0" fill="hold" grpId="0" nodeType="clickEffect">
+                                  <p:stCondLst>
+                                    <p:cond delay="0"/>
+                                  </p:stCondLst>
+                                  <p:childTnLst>
+                                    <p:set>
+                                      <p:cBhvr>
+                                        <p:cTn id="6" dur="1" fill="hold">
+                                          <p:stCondLst>
+                                            <p:cond delay="0"/>
+                                          </p:stCondLst>
+                                        </p:cTn>
+                                        <p:tgtEl>
+                                          <p:spTgt spid="3"/>
+                                        </p:tgtEl>
+                                        <p:attrNameLst>
+                                          <p:attrName>style.visibility</p:attrName>
+                                        </p:attrNameLst>
+                                      </p:cBhvr>
+                                      <p:to>
+                                        <p:strVal val="visible"/>
+                                      </p:to>
+                                    </p:set>
+                                    <p:animEffect transition="in" filter="fade">
+                                      <p:cBhvr>
+                                        <p:cTn id="7" dur="500"/>
+                                        <p:tgtEl>
+                                          <p:spTgt spid="3"/>
+                                        </p:tgtEl>
+                                      </p:cBhvr>
+                                    </p:animEffect>
+                                  </p:childTnLst>
+                                </p:cTn>
+                              </p:par>
+                            </p:childTnLst>
+                          </p:cTn>
+                        </p:par>
+                      </p:childTnLst>
+                    </p:cTn>
+                  </p:par>
+                  <p:par>
+                    <p:cTn id="8" fill="hold">
+                      <p:stCondLst>
+                        <p:cond delay="indefinite"/>
+                      </p:stCondLst>
+                      <p:childTnLst>
+                        <p:par>
+                          <p:cTn id="9" fill="hold">
+                            <p:stCondLst>
+                              <p:cond delay="0"/>
+                            </p:stCondLst>
+                            <p:childTnLst>
+                              <p:par>
+                                <p:cTn id="10" presetID="10" presetClass="exit" presetSubtype="0" fill="hold" grpId="1" nodeType="clickEffect">
+                                  <p:stCondLst>
+                                    <p:cond delay="0"/>
+                                  </p:stCondLst>
+                                  <p:childTnLst>
+                                    <p:animEffect transition="out" filter="fade">
+                                      <p:cBhvr>
+                                        <p:cTn id="11" dur="500"/>
+                                        <p:tgtEl>
+                                          <p:spTgt spid="3"/>
+                                        </p:tgtEl>
+                                      </p:cBhvr>
+                                    </p:animEffect>
+                                    <p:set>
+                                      <p:cBhvr>
+                                        <p:cTn id="12" dur="1" fill="hold">
+                                          <p:stCondLst>
+                                            <p:cond delay="499"/>
+                                          </p:stCondLst>
+                                        </p:cTn>
+                                        <p:tgtEl>
+                                          <p:spTgt spid="3"/>
+                                        </p:tgtEl>
+                                        <p:attrNameLst>
+                                          <p:attrName>style.visibility</p:attrName>
+                                        </p:attrNameLst>
+                                      </p:cBhvr>
+                                      <p:to>
+                                        <p:strVal val="hidden"/>
+                                      </p:to>
+                                    </p:set>
+                                  </p:childTnLst>
+                                </p:cTn>
+                              </p:par>
+                            </p:childTnLst>
+                          </p:cTn>
+                        </p:par>
+                      </p:childTnLst>
+                    </p:cTn>
+                  </p:par>
+                  <p:par>
+                    <p:cTn id="13" fill="hold">
+                      <p:stCondLst>
+                        <p:cond delay="indefinite"/>
+                      </p:stCondLst>
+                      <p:childTnLst>
+                        <p:par>
+                          <p:cTn id="14" fill="hold">
+                            <p:stCondLst>
+                              <p:cond delay="0"/>
+                            </p:stCondLst>
+                            <p:childTnLst>
+                              <p:par>
+                                <p:cTn id="15" presetID="10" presetClass="entr" presetSubtype="0" fill="hold" grpId="0" nodeType="clickEffect">
+                                  <p:stCondLst>
+                                    <p:cond delay="0"/>
+                                  </p:stCondLst>
+                                  <p:childTnLst>
+                                    <p:set>
+                                      <p:cBhvr>
+                                        <p:cTn id="16" dur="1" fill="hold">
+                                          <p:stCondLst>
+                                            <p:cond delay="0"/>
+                                          </p:stCondLst>
+                                        </p:cTn>
+                                        <p:tgtEl>
+                                          <p:spTgt spid="4"/>
+                                        </p:tgtEl>
+                                        <p:attrNameLst>
+                                          <p:attrName>style.visibility</p:attrName>
+                                        </p:attrNameLst>
+                                      </p:cBhvr>
+                                      <p:to>
+                                        <p:strVal val="visible"/>
+                                      </p:to>
+                                    </p:set>
+                                    <p:animEffect transition="in" filter="fade">
+                                      <p:cBhvr>
+                                        <p:cTn id="17" dur="500"/>
+                                        <p:tgtEl>
+                                          <p:spTgt spid="4"/>
+                                        </p:tgtEl>
+                                      </p:cBhvr>
+                                    </p:animEffect>
+                                  </p:childTnLst>
+                                </p:cTn>
+                              </p:par>
+                            </p:childTnLst>
+                          </p:cTn>
+                        </p:par>
+                      </p:childTnLst>
+                    </p:cTn>
+                  </p:par>
+                </p:childTnLst>
+              </p:cTn>
+              <p:prevCondLst>
+                <p:cond evt="onPrev" delay="0">
+                  <p:tgtEl>
+                    <p:sldTgt/>
+                  </p:tgtEl>
+                </p:cond>
+              </p:prevCondLst>
+              <p:nextCondLst>
+                <p:cond evt="onNext" delay="0">
+                  <p:tgtEl>
+                    <p:sldTgt/>
+                  </p:tgtEl>
+                </p:cond>
+              </p:nextCondLst>
+            </p:seq>
+          </p:childTnLst>
+        </p:cTn>
       </p:par>
     </p:tnLst>
+    <p:bldLst>
+      <p:bldP spid="3" grpId="0"/>
+      <p:bldP spid="3" grpId="1"/>
+      <p:bldP spid="4" grpId="0"/>
+    </p:bldLst>
   </p:timing>
 </p:sld>
 </file>
@@ -9760,48 +11087,82 @@
           <a:chExt cx="0" cy="0"/>
         </a:xfrm>
       </p:grpSpPr>
-      <p:pic>
-        <p:nvPicPr>
-          <p:cNvPr id="4" name="Content Placeholder 3" descr="C:\Users\Aviel\Desktop\סמסטר ב' - 2019\סדנא בהנדסת תוכנה\פרוייקט\תמונות מסך\timingSettings - LoggedInWithSidebar.jpg">
+      <p:sp>
+        <p:nvSpPr>
+          <p:cNvPr id="6" name="תיבת טקסט 5">
             <a:extLst>
               <a:ext uri="{FF2B5EF4-FFF2-40B4-BE49-F238E27FC236}">
-                <a16:creationId xmlns="" xmlns:a16="http://schemas.microsoft.com/office/drawing/2014/main" id="{B100C326-2252-41DC-8A46-BFFBA79A7F69}"/>
+                <a16:creationId xmlns="" xmlns:a16="http://schemas.microsoft.com/office/drawing/2014/main" id="{84E6CBDC-B54D-4526-B475-6D785E16D1E6}"/>
               </a:ext>
             </a:extLst>
           </p:cNvPr>
-          <p:cNvPicPr>
-            <a:picLocks noGrp="1"/>
-          </p:cNvPicPr>
-          <p:nvPr>
-            <p:ph idx="4294967295"/>
-          </p:nvPr>
-        </p:nvPicPr>
-        <p:blipFill>
-          <a:blip r:embed="rId2" cstate="print">
-            <a:extLst>
-              <a:ext uri="{28A0092B-C50C-407E-A947-70E740481C1C}">
-                <a14:useLocalDpi xmlns:a14="http://schemas.microsoft.com/office/drawing/2010/main" val="0"/>
-              </a:ext>
-            </a:extLst>
-          </a:blip>
-          <a:stretch>
-            <a:fillRect/>
-          </a:stretch>
-        </p:blipFill>
-        <p:spPr bwMode="auto">
+          <p:cNvSpPr txBox="1"/>
+          <p:nvPr/>
+        </p:nvSpPr>
+        <p:spPr>
           <a:xfrm>
-            <a:off x="1295400" y="1717677"/>
-            <a:ext cx="6553200" cy="3997325"/>
+            <a:off x="159026" y="1244899"/>
+            <a:ext cx="8984975" cy="923330"/>
           </a:xfrm>
           <a:prstGeom prst="rect">
             <a:avLst/>
           </a:prstGeom>
           <a:noFill/>
         </p:spPr>
+        <p:txBody>
+          <a:bodyPr wrap="square" rtlCol="1">
+            <a:spAutoFit/>
+          </a:bodyPr>
+          <a:lstStyle/>
+          <a:p>
+            <a:pPr rtl="1"/>
+            <a:r>
+              <a:rPr lang="en-US" dirty="0"/>
+              <a:t>In this page we can see power consumption of the device we entered with it this page. When we arrive this page </a:t>
+            </a:r>
+          </a:p>
+          <a:p>
+            <a:pPr rtl="1"/>
+            <a:r>
+              <a:rPr lang="en-US" dirty="0"/>
+              <a:t>a graph will be display to the user that show the power consumption in KW</a:t>
+            </a:r>
+            <a:endParaRPr lang="he-IL" dirty="0"/>
+          </a:p>
+        </p:txBody>
+      </p:sp>
+      <p:pic>
+        <p:nvPicPr>
+          <p:cNvPr id="3" name="תמונה 2">
+            <a:extLst>
+              <a:ext uri="{FF2B5EF4-FFF2-40B4-BE49-F238E27FC236}">
+                <a16:creationId xmlns="" xmlns:a16="http://schemas.microsoft.com/office/drawing/2014/main" id="{13CC64D7-1652-4C58-83C8-836B7A70B0A8}"/>
+              </a:ext>
+            </a:extLst>
+          </p:cNvPr>
+          <p:cNvPicPr>
+            <a:picLocks noChangeAspect="1"/>
+          </p:cNvPicPr>
+          <p:nvPr/>
+        </p:nvPicPr>
+        <p:blipFill rotWithShape="1">
+          <a:blip r:embed="rId2"/>
+          <a:srcRect l="-1087" t="11698" r="1762" b="5654"/>
+          <a:stretch/>
+        </p:blipFill>
+        <p:spPr>
+          <a:xfrm>
+            <a:off x="1076772" y="2234108"/>
+            <a:ext cx="6924232" cy="4319093"/>
+          </a:xfrm>
+          <a:prstGeom prst="rect">
+            <a:avLst/>
+          </a:prstGeom>
+        </p:spPr>
       </p:pic>
       <p:sp>
         <p:nvSpPr>
-          <p:cNvPr id="6" name="Title 1"/>
+          <p:cNvPr id="5" name="Title 1"/>
           <p:cNvSpPr txBox="1">
             <a:spLocks/>
           </p:cNvSpPr>
@@ -9843,7 +11204,7 @@
           <a:p>
             <a:r>
               <a:rPr lang="en-US" dirty="0" smtClean="0"/>
-              <a:t>Timing settings</a:t>
+              <a:t>Power consumption</a:t>
             </a:r>
             <a:endParaRPr lang="he-IL" dirty="0"/>
           </a:p>
@@ -9852,7 +11213,7 @@
     </p:spTree>
     <p:extLst>
       <p:ext uri="{BB962C8B-B14F-4D97-AF65-F5344CB8AC3E}">
-        <p14:creationId xmlns:p14="http://schemas.microsoft.com/office/powerpoint/2010/main" val="3736975216"/>
+        <p14:creationId xmlns:p14="http://schemas.microsoft.com/office/powerpoint/2010/main" val="2410576803"/>
       </p:ext>
     </p:extLst>
   </p:cSld>
@@ -9888,46 +11249,78 @@
       </p:grpSpPr>
       <p:pic>
         <p:nvPicPr>
-          <p:cNvPr id="14" name="Content Placeholder 7" descr="C:\Users\Aviel\Desktop\סמסטר ב' - 2019\סדנא בהנדסת תוכנה\פרוייקט\תמונות מסך\timingSettings - LoggedInWithSidebar - addNewTimingSettings.jpg">
+          <p:cNvPr id="7" name="מציין מיקום תוכן 6">
             <a:extLst>
               <a:ext uri="{FF2B5EF4-FFF2-40B4-BE49-F238E27FC236}">
-                <a16:creationId xmlns="" xmlns:a16="http://schemas.microsoft.com/office/drawing/2014/main" id="{D0A1B798-45AF-4B10-9841-A99DB784B8FD}"/>
+                <a16:creationId xmlns="" xmlns:a16="http://schemas.microsoft.com/office/drawing/2014/main" id="{3A2740AC-634A-43F2-8283-D8CE53037153}"/>
               </a:ext>
             </a:extLst>
           </p:cNvPr>
           <p:cNvPicPr>
-            <a:picLocks noGrp="1"/>
+            <a:picLocks noGrp="1" noChangeAspect="1"/>
           </p:cNvPicPr>
           <p:nvPr>
             <p:ph idx="4294967295"/>
           </p:nvPr>
         </p:nvPicPr>
-        <p:blipFill>
-          <a:blip r:embed="rId2" cstate="print">
+        <p:blipFill rotWithShape="1">
+          <a:blip r:embed="rId2"/>
+          <a:srcRect t="11065" r="1988" b="5525"/>
+          <a:stretch/>
+        </p:blipFill>
+        <p:spPr>
+          <a:xfrm>
+            <a:off x="914400" y="2057400"/>
+            <a:ext cx="7099300" cy="4528476"/>
+          </a:xfrm>
+          <a:prstGeom prst="rect">
+            <a:avLst/>
+          </a:prstGeom>
+        </p:spPr>
+      </p:pic>
+      <p:sp>
+        <p:nvSpPr>
+          <p:cNvPr id="6" name="תיבת טקסט 5">
             <a:extLst>
-              <a:ext uri="{28A0092B-C50C-407E-A947-70E740481C1C}">
-                <a14:useLocalDpi xmlns:a14="http://schemas.microsoft.com/office/drawing/2010/main" val="0"/>
+              <a:ext uri="{FF2B5EF4-FFF2-40B4-BE49-F238E27FC236}">
+                <a16:creationId xmlns="" xmlns:a16="http://schemas.microsoft.com/office/drawing/2014/main" id="{6F53886E-BACB-40EC-804C-B4E03AA9CC9B}"/>
               </a:ext>
             </a:extLst>
-          </a:blip>
-          <a:stretch>
-            <a:fillRect/>
-          </a:stretch>
-        </p:blipFill>
-        <p:spPr bwMode="auto">
+          </p:cNvPr>
+          <p:cNvSpPr txBox="1"/>
+          <p:nvPr/>
+        </p:nvSpPr>
+        <p:spPr>
           <a:xfrm>
-            <a:off x="1371600" y="1676402"/>
-            <a:ext cx="6553200" cy="3997325"/>
+            <a:off x="467140" y="1219202"/>
+            <a:ext cx="8140148" cy="646331"/>
           </a:xfrm>
           <a:prstGeom prst="rect">
             <a:avLst/>
           </a:prstGeom>
           <a:noFill/>
         </p:spPr>
-      </p:pic>
-      <p:sp>
-        <p:nvSpPr>
-          <p:cNvPr id="6" name="Title 1"/>
+        <p:txBody>
+          <a:bodyPr wrap="square" rtlCol="1">
+            <a:spAutoFit/>
+          </a:bodyPr>
+          <a:lstStyle/>
+          <a:p>
+            <a:pPr rtl="1"/>
+            <a:r>
+              <a:rPr lang="en-US" dirty="0"/>
+              <a:t>In this page we can see how much did it cost using this device according to the power and the cost of one KW</a:t>
+            </a:r>
+            <a:r>
+              <a:rPr lang="he-IL" dirty="0"/>
+              <a:t> </a:t>
+            </a:r>
+          </a:p>
+        </p:txBody>
+      </p:sp>
+      <p:sp>
+        <p:nvSpPr>
+          <p:cNvPr id="5" name="Title 1"/>
           <p:cNvSpPr txBox="1">
             <a:spLocks/>
           </p:cNvSpPr>
@@ -9969,7 +11362,7 @@
           <a:p>
             <a:r>
               <a:rPr lang="en-US" dirty="0" smtClean="0"/>
-              <a:t>Timing settings</a:t>
+              <a:t>Power consumption</a:t>
             </a:r>
             <a:endParaRPr lang="he-IL" dirty="0"/>
           </a:p>
@@ -9978,13 +11371,20 @@
     </p:spTree>
     <p:extLst>
       <p:ext uri="{BB962C8B-B14F-4D97-AF65-F5344CB8AC3E}">
-        <p14:creationId xmlns:p14="http://schemas.microsoft.com/office/powerpoint/2010/main" val="3144262631"/>
+        <p14:creationId xmlns:p14="http://schemas.microsoft.com/office/powerpoint/2010/main" val="1027595518"/>
       </p:ext>
     </p:extLst>
   </p:cSld>
   <p:clrMapOvr>
     <a:masterClrMapping/>
   </p:clrMapOvr>
+  <p:timing>
+    <p:tnLst>
+      <p:par>
+        <p:cTn id="1" dur="indefinite" restart="never" nodeType="tmRoot"/>
+      </p:par>
+    </p:tnLst>
+  </p:timing>
 </p:sld>
 </file>
 
@@ -10007,165 +11407,27 @@
       </p:grpSpPr>
       <p:sp>
         <p:nvSpPr>
-          <p:cNvPr id="4" name="Content Placeholder 3">
-            <a:extLst>
-              <a:ext uri="{FF2B5EF4-FFF2-40B4-BE49-F238E27FC236}">
-                <a16:creationId xmlns="" xmlns:a16="http://schemas.microsoft.com/office/drawing/2014/main" id="{3B271F2E-8E7A-443B-B87B-EC46B1B272D1}"/>
-              </a:ext>
-            </a:extLst>
-          </p:cNvPr>
+          <p:cNvPr id="2" name="Title 1"/>
           <p:cNvSpPr>
             <a:spLocks noGrp="1"/>
           </p:cNvSpPr>
           <p:nvPr>
-            <p:ph idx="4294967295"/>
+            <p:ph type="title" idx="4294967295"/>
           </p:nvPr>
         </p:nvSpPr>
         <p:spPr>
           <a:xfrm>
-            <a:off x="0" y="1447800"/>
-            <a:ext cx="7886700" cy="4351338"/>
+            <a:off x="609600" y="457202"/>
+            <a:ext cx="7886700" cy="1325563"/>
           </a:xfrm>
         </p:spPr>
         <p:txBody>
-          <a:bodyPr>
-            <a:normAutofit fontScale="77500" lnSpcReduction="20000"/>
-          </a:bodyPr>
+          <a:bodyPr/>
           <a:lstStyle/>
           <a:p>
-            <a:pPr marL="0" indent="0">
-              <a:buNone/>
-            </a:pPr>
-            <a:r>
-              <a:rPr lang="en-US" dirty="0"/>
-              <a:t>Page elements and functionalities:</a:t>
-            </a:r>
-          </a:p>
-          <a:p>
-            <a:r>
-              <a:rPr lang="en-US" dirty="0"/>
-              <a:t>Present the current’s plug already created tasks and their settings:</a:t>
-            </a:r>
-          </a:p>
-          <a:p>
-            <a:pPr lvl="1"/>
-            <a:r>
-              <a:rPr lang="en-US" dirty="0"/>
-              <a:t>Task description</a:t>
-            </a:r>
-          </a:p>
-          <a:p>
-            <a:pPr lvl="1"/>
-            <a:r>
-              <a:rPr lang="en-US" dirty="0"/>
-              <a:t>Status(on or off)</a:t>
-            </a:r>
-          </a:p>
-          <a:p>
-            <a:pPr lvl="1"/>
-            <a:r>
-              <a:rPr lang="en-US" dirty="0"/>
-              <a:t>Start-date of the task</a:t>
-            </a:r>
-          </a:p>
-          <a:p>
-            <a:pPr lvl="1"/>
-            <a:r>
-              <a:rPr lang="en-US" dirty="0"/>
-              <a:t>Task cycle(periodic or non periodic)</a:t>
-            </a:r>
-          </a:p>
-          <a:p>
-            <a:pPr lvl="1"/>
-            <a:r>
-              <a:rPr lang="en-US" dirty="0"/>
-              <a:t>A “remove” button, which removes the task from the chosen plug, removes the task from the database and updates the page accordingly</a:t>
-            </a:r>
-          </a:p>
-          <a:p>
-            <a:r>
-              <a:rPr lang="en-US" dirty="0"/>
-              <a:t>A “Add New Timing Setting” button, which presents the create task popup </a:t>
-            </a:r>
-          </a:p>
-          <a:p>
-            <a:r>
-              <a:rPr lang="en-US" dirty="0"/>
-              <a:t>Using said popup, the client determines the settings of the new task</a:t>
-            </a:r>
-          </a:p>
-          <a:p>
-            <a:r>
-              <a:rPr lang="en-US" dirty="0"/>
-              <a:t>Conveying the client’s  choices to the database and updating the page accordingly by clicking the “ok” button from the popup</a:t>
-            </a:r>
-            <a:endParaRPr lang="he-IL" dirty="0"/>
-          </a:p>
-          <a:p>
-            <a:r>
-              <a:rPr lang="en-US" dirty="0"/>
-              <a:t>Removing the popup by clicking on the “cancel” button ,which is located on said popup</a:t>
-            </a:r>
-          </a:p>
-          <a:p>
-            <a:endParaRPr lang="en-US" dirty="0"/>
-          </a:p>
-          <a:p>
-            <a:endParaRPr lang="en-US" dirty="0"/>
-          </a:p>
-          <a:p>
-            <a:endParaRPr lang="en-US" dirty="0"/>
-          </a:p>
-          <a:p>
-            <a:endParaRPr lang="en-US" dirty="0"/>
-          </a:p>
-        </p:txBody>
-      </p:sp>
-      <p:sp>
-        <p:nvSpPr>
-          <p:cNvPr id="6" name="Title 1"/>
-          <p:cNvSpPr txBox="1">
-            <a:spLocks/>
-          </p:cNvSpPr>
-          <p:nvPr/>
-        </p:nvSpPr>
-        <p:spPr>
-          <a:xfrm>
-            <a:off x="609600" y="381000"/>
-            <a:ext cx="7886700" cy="1325563"/>
-          </a:xfrm>
-          <a:prstGeom prst="rect">
-            <a:avLst/>
-          </a:prstGeom>
-        </p:spPr>
-        <p:txBody>
-          <a:bodyPr vert="horz" lIns="91440" tIns="45720" rIns="91440" bIns="45720" rtlCol="0" anchor="ctr">
-            <a:normAutofit/>
-          </a:bodyPr>
-          <a:lstStyle>
-            <a:lvl1pPr algn="ctr" defTabSz="914400" rtl="0" eaLnBrk="1" latinLnBrk="0" hangingPunct="1">
-              <a:lnSpc>
-                <a:spcPct val="90000"/>
-              </a:lnSpc>
-              <a:spcBef>
-                <a:spcPct val="0"/>
-              </a:spcBef>
-              <a:buNone/>
-              <a:defRPr sz="3200" b="0" i="0" kern="1200" cap="all">
-                <a:solidFill>
-                  <a:schemeClr val="accent1"/>
-                </a:solidFill>
-                <a:effectLst/>
-                <a:latin typeface="+mj-lt"/>
-                <a:ea typeface="+mj-ea"/>
-                <a:cs typeface="+mj-cs"/>
-              </a:defRPr>
-            </a:lvl1pPr>
-          </a:lstStyle>
-          <a:p>
             <a:r>
               <a:rPr lang="en-US" dirty="0" smtClean="0"/>
-              <a:t>Timing settings</a:t>
+              <a:t>Live demo</a:t>
             </a:r>
             <a:endParaRPr lang="he-IL" dirty="0"/>
           </a:p>
@@ -10174,13 +11436,20 @@
     </p:spTree>
     <p:extLst>
       <p:ext uri="{BB962C8B-B14F-4D97-AF65-F5344CB8AC3E}">
-        <p14:creationId xmlns:p14="http://schemas.microsoft.com/office/powerpoint/2010/main" val="3990214414"/>
+        <p14:creationId xmlns:p14="http://schemas.microsoft.com/office/powerpoint/2010/main" val="3684652997"/>
       </p:ext>
     </p:extLst>
   </p:cSld>
   <p:clrMapOvr>
     <a:masterClrMapping/>
   </p:clrMapOvr>
+  <p:timing>
+    <p:tnLst>
+      <p:par>
+        <p:cTn id="1" dur="indefinite" restart="never" nodeType="tmRoot"/>
+      </p:par>
+    </p:tnLst>
+  </p:timing>
 </p:sld>
 </file>
 
@@ -10203,20 +11472,37 @@
       </p:grpSpPr>
       <p:sp>
         <p:nvSpPr>
-          <p:cNvPr id="6" name="תיבת טקסט 5">
-            <a:extLst>
-              <a:ext uri="{FF2B5EF4-FFF2-40B4-BE49-F238E27FC236}">
-                <a16:creationId xmlns="" xmlns:a16="http://schemas.microsoft.com/office/drawing/2014/main" id="{84E6CBDC-B54D-4526-B475-6D785E16D1E6}"/>
-              </a:ext>
-            </a:extLst>
-          </p:cNvPr>
+          <p:cNvPr id="2" name="Title 1"/>
+          <p:cNvSpPr>
+            <a:spLocks noGrp="1"/>
+          </p:cNvSpPr>
+          <p:nvPr>
+            <p:ph type="title"/>
+          </p:nvPr>
+        </p:nvSpPr>
+        <p:spPr/>
+        <p:txBody>
+          <a:bodyPr/>
+          <a:lstStyle/>
+          <a:p>
+            <a:r>
+              <a:rPr lang="en-US" dirty="0" smtClean="0"/>
+              <a:t>summary</a:t>
+            </a:r>
+            <a:endParaRPr lang="he-IL" dirty="0"/>
+          </a:p>
+        </p:txBody>
+      </p:sp>
+      <p:sp>
+        <p:nvSpPr>
+          <p:cNvPr id="3" name="TextBox 2"/>
           <p:cNvSpPr txBox="1"/>
           <p:nvPr/>
         </p:nvSpPr>
         <p:spPr>
           <a:xfrm>
-            <a:off x="159026" y="1244899"/>
-            <a:ext cx="8984975" cy="923330"/>
+            <a:off x="609600" y="3429000"/>
+            <a:ext cx="7467600" cy="523220"/>
           </a:xfrm>
           <a:prstGeom prst="rect">
             <a:avLst/>
@@ -10229,320 +11515,301 @@
           </a:bodyPr>
           <a:lstStyle/>
           <a:p>
-            <a:pPr rtl="1"/>
-            <a:r>
-              <a:rPr lang="en-US" dirty="0"/>
-              <a:t>In this page we can see power consumption of the device we entered with it this page. When we arrive this page </a:t>
-            </a:r>
-          </a:p>
-          <a:p>
-            <a:pPr rtl="1"/>
-            <a:r>
-              <a:rPr lang="en-US" dirty="0"/>
-              <a:t>a graph will be display to the user that show the power consumption in KW</a:t>
-            </a:r>
-            <a:endParaRPr lang="he-IL" dirty="0"/>
-          </a:p>
-        </p:txBody>
-      </p:sp>
-      <p:pic>
-        <p:nvPicPr>
-          <p:cNvPr id="3" name="תמונה 2">
-            <a:extLst>
-              <a:ext uri="{FF2B5EF4-FFF2-40B4-BE49-F238E27FC236}">
-                <a16:creationId xmlns="" xmlns:a16="http://schemas.microsoft.com/office/drawing/2014/main" id="{13CC64D7-1652-4C58-83C8-836B7A70B0A8}"/>
-              </a:ext>
-            </a:extLst>
-          </p:cNvPr>
-          <p:cNvPicPr>
-            <a:picLocks noChangeAspect="1"/>
-          </p:cNvPicPr>
-          <p:nvPr/>
-        </p:nvPicPr>
-        <p:blipFill rotWithShape="1">
-          <a:blip r:embed="rId2"/>
-          <a:srcRect l="-1087" t="11698" r="1762" b="5654"/>
-          <a:stretch/>
-        </p:blipFill>
-        <p:spPr>
-          <a:xfrm>
-            <a:off x="1076772" y="2234108"/>
-            <a:ext cx="6924232" cy="4319093"/>
-          </a:xfrm>
-          <a:prstGeom prst="rect">
-            <a:avLst/>
-          </a:prstGeom>
-        </p:spPr>
-      </p:pic>
-      <p:sp>
-        <p:nvSpPr>
-          <p:cNvPr id="5" name="Title 1"/>
-          <p:cNvSpPr txBox="1">
-            <a:spLocks/>
-          </p:cNvSpPr>
-          <p:nvPr/>
-        </p:nvSpPr>
-        <p:spPr>
-          <a:xfrm>
-            <a:off x="609600" y="381000"/>
-            <a:ext cx="7886700" cy="1325563"/>
-          </a:xfrm>
-          <a:prstGeom prst="rect">
-            <a:avLst/>
-          </a:prstGeom>
-        </p:spPr>
-        <p:txBody>
-          <a:bodyPr vert="horz" lIns="91440" tIns="45720" rIns="91440" bIns="45720" rtlCol="0" anchor="ctr">
-            <a:normAutofit/>
-          </a:bodyPr>
-          <a:lstStyle>
-            <a:lvl1pPr algn="ctr" defTabSz="914400" rtl="0" eaLnBrk="1" latinLnBrk="0" hangingPunct="1">
-              <a:lnSpc>
-                <a:spcPct val="90000"/>
-              </a:lnSpc>
-              <a:spcBef>
-                <a:spcPct val="0"/>
-              </a:spcBef>
-              <a:buNone/>
-              <a:defRPr sz="3200" b="0" i="0" kern="1200" cap="all">
-                <a:solidFill>
-                  <a:schemeClr val="accent1"/>
-                </a:solidFill>
-                <a:effectLst/>
-                <a:latin typeface="+mj-lt"/>
-                <a:ea typeface="+mj-ea"/>
-                <a:cs typeface="+mj-cs"/>
-              </a:defRPr>
-            </a:lvl1pPr>
-          </a:lstStyle>
-          <a:p>
-            <a:r>
-              <a:rPr lang="en-US" dirty="0" smtClean="0"/>
-              <a:t>Power consumption</a:t>
-            </a:r>
-            <a:endParaRPr lang="he-IL" dirty="0"/>
+            <a:r>
+              <a:rPr lang="en-US" sz="2800" dirty="0" smtClean="0"/>
+              <a:t>Thank you for listening……</a:t>
+            </a:r>
+            <a:endParaRPr lang="he-IL" sz="2800" dirty="0"/>
           </a:p>
         </p:txBody>
       </p:sp>
     </p:spTree>
     <p:extLst>
       <p:ext uri="{BB962C8B-B14F-4D97-AF65-F5344CB8AC3E}">
-        <p14:creationId xmlns:p14="http://schemas.microsoft.com/office/powerpoint/2010/main" val="2410576803"/>
+        <p14:creationId xmlns:p14="http://schemas.microsoft.com/office/powerpoint/2010/main" val="3741697289"/>
       </p:ext>
     </p:extLst>
   </p:cSld>
   <p:clrMapOvr>
     <a:masterClrMapping/>
   </p:clrMapOvr>
-</p:sld>
-</file>
-
-<file path=ppt/slides/slide24.xml><?xml version="1.0" encoding="utf-8"?>
-<p:sld xmlns:a="http://schemas.openxmlformats.org/drawingml/2006/main" xmlns:r="http://schemas.openxmlformats.org/officeDocument/2006/relationships" xmlns:p="http://schemas.openxmlformats.org/presentationml/2006/main">
-  <p:cSld>
-    <p:spTree>
-      <p:nvGrpSpPr>
-        <p:cNvPr id="1" name=""/>
-        <p:cNvGrpSpPr/>
-        <p:nvPr/>
-      </p:nvGrpSpPr>
-      <p:grpSpPr>
-        <a:xfrm>
-          <a:off x="0" y="0"/>
-          <a:ext cx="0" cy="0"/>
-          <a:chOff x="0" y="0"/>
-          <a:chExt cx="0" cy="0"/>
-        </a:xfrm>
-      </p:grpSpPr>
-      <p:pic>
-        <p:nvPicPr>
-          <p:cNvPr id="7" name="מציין מיקום תוכן 6">
-            <a:extLst>
-              <a:ext uri="{FF2B5EF4-FFF2-40B4-BE49-F238E27FC236}">
-                <a16:creationId xmlns="" xmlns:a16="http://schemas.microsoft.com/office/drawing/2014/main" id="{3A2740AC-634A-43F2-8283-D8CE53037153}"/>
-              </a:ext>
-            </a:extLst>
-          </p:cNvPr>
-          <p:cNvPicPr>
-            <a:picLocks noGrp="1" noChangeAspect="1"/>
-          </p:cNvPicPr>
-          <p:nvPr>
-            <p:ph idx="4294967295"/>
-          </p:nvPr>
-        </p:nvPicPr>
-        <p:blipFill rotWithShape="1">
-          <a:blip r:embed="rId2"/>
-          <a:srcRect t="11065" r="1988" b="5525"/>
-          <a:stretch/>
-        </p:blipFill>
-        <p:spPr>
-          <a:xfrm>
-            <a:off x="914400" y="2057400"/>
-            <a:ext cx="7099300" cy="4528476"/>
-          </a:xfrm>
-          <a:prstGeom prst="rect">
-            <a:avLst/>
-          </a:prstGeom>
-        </p:spPr>
-      </p:pic>
-      <p:sp>
-        <p:nvSpPr>
-          <p:cNvPr id="6" name="תיבת טקסט 5">
-            <a:extLst>
-              <a:ext uri="{FF2B5EF4-FFF2-40B4-BE49-F238E27FC236}">
-                <a16:creationId xmlns="" xmlns:a16="http://schemas.microsoft.com/office/drawing/2014/main" id="{6F53886E-BACB-40EC-804C-B4E03AA9CC9B}"/>
-              </a:ext>
-            </a:extLst>
-          </p:cNvPr>
-          <p:cNvSpPr txBox="1"/>
-          <p:nvPr/>
-        </p:nvSpPr>
-        <p:spPr>
-          <a:xfrm>
-            <a:off x="467140" y="1219202"/>
-            <a:ext cx="8140148" cy="646331"/>
-          </a:xfrm>
-          <a:prstGeom prst="rect">
-            <a:avLst/>
-          </a:prstGeom>
-          <a:noFill/>
-        </p:spPr>
-        <p:txBody>
-          <a:bodyPr wrap="square" rtlCol="1">
-            <a:spAutoFit/>
-          </a:bodyPr>
-          <a:lstStyle/>
-          <a:p>
-            <a:pPr rtl="1"/>
-            <a:r>
-              <a:rPr lang="en-US" dirty="0"/>
-              <a:t>In this page we can see how much did it cost using this device according to the power and the cost of one KW</a:t>
-            </a:r>
-            <a:r>
-              <a:rPr lang="he-IL" dirty="0"/>
-              <a:t> </a:t>
-            </a:r>
-          </a:p>
-        </p:txBody>
-      </p:sp>
-      <p:sp>
-        <p:nvSpPr>
-          <p:cNvPr id="5" name="Title 1"/>
-          <p:cNvSpPr txBox="1">
-            <a:spLocks/>
-          </p:cNvSpPr>
-          <p:nvPr/>
-        </p:nvSpPr>
-        <p:spPr>
-          <a:xfrm>
-            <a:off x="609600" y="381000"/>
-            <a:ext cx="7886700" cy="1325563"/>
-          </a:xfrm>
-          <a:prstGeom prst="rect">
-            <a:avLst/>
-          </a:prstGeom>
-        </p:spPr>
-        <p:txBody>
-          <a:bodyPr vert="horz" lIns="91440" tIns="45720" rIns="91440" bIns="45720" rtlCol="0" anchor="ctr">
-            <a:normAutofit/>
-          </a:bodyPr>
-          <a:lstStyle>
-            <a:lvl1pPr algn="ctr" defTabSz="914400" rtl="0" eaLnBrk="1" latinLnBrk="0" hangingPunct="1">
-              <a:lnSpc>
-                <a:spcPct val="90000"/>
-              </a:lnSpc>
-              <a:spcBef>
-                <a:spcPct val="0"/>
-              </a:spcBef>
-              <a:buNone/>
-              <a:defRPr sz="3200" b="0" i="0" kern="1200" cap="all">
-                <a:solidFill>
-                  <a:schemeClr val="accent1"/>
-                </a:solidFill>
-                <a:effectLst/>
-                <a:latin typeface="+mj-lt"/>
-                <a:ea typeface="+mj-ea"/>
-                <a:cs typeface="+mj-cs"/>
-              </a:defRPr>
-            </a:lvl1pPr>
-          </a:lstStyle>
-          <a:p>
-            <a:r>
-              <a:rPr lang="en-US" dirty="0" smtClean="0"/>
-              <a:t>Power consumption</a:t>
-            </a:r>
-            <a:endParaRPr lang="he-IL" dirty="0"/>
-          </a:p>
-        </p:txBody>
-      </p:sp>
-    </p:spTree>
-    <p:extLst>
-      <p:ext uri="{BB962C8B-B14F-4D97-AF65-F5344CB8AC3E}">
-        <p14:creationId xmlns:p14="http://schemas.microsoft.com/office/powerpoint/2010/main" val="1027595518"/>
-      </p:ext>
-    </p:extLst>
-  </p:cSld>
-  <p:clrMapOvr>
-    <a:masterClrMapping/>
-  </p:clrMapOvr>
-</p:sld>
-</file>
-
-<file path=ppt/slides/slide25.xml><?xml version="1.0" encoding="utf-8"?>
-<p:sld xmlns:a="http://schemas.openxmlformats.org/drawingml/2006/main" xmlns:r="http://schemas.openxmlformats.org/officeDocument/2006/relationships" xmlns:p="http://schemas.openxmlformats.org/presentationml/2006/main">
-  <p:cSld>
-    <p:spTree>
-      <p:nvGrpSpPr>
-        <p:cNvPr id="1" name=""/>
-        <p:cNvGrpSpPr/>
-        <p:nvPr/>
-      </p:nvGrpSpPr>
-      <p:grpSpPr>
-        <a:xfrm>
-          <a:off x="0" y="0"/>
-          <a:ext cx="0" cy="0"/>
-          <a:chOff x="0" y="0"/>
-          <a:chExt cx="0" cy="0"/>
-        </a:xfrm>
-      </p:grpSpPr>
-      <p:sp>
-        <p:nvSpPr>
-          <p:cNvPr id="2" name="Title 1"/>
-          <p:cNvSpPr>
-            <a:spLocks noGrp="1"/>
-          </p:cNvSpPr>
-          <p:nvPr>
-            <p:ph type="title" idx="4294967295"/>
-          </p:nvPr>
-        </p:nvSpPr>
-        <p:spPr>
-          <a:xfrm>
-            <a:off x="609600" y="457202"/>
-            <a:ext cx="7886700" cy="1325563"/>
-          </a:xfrm>
-        </p:spPr>
-        <p:txBody>
-          <a:bodyPr/>
-          <a:lstStyle/>
-          <a:p>
-            <a:r>
-              <a:rPr lang="en-US" dirty="0" smtClean="0"/>
-              <a:t>Summary</a:t>
-            </a:r>
-            <a:endParaRPr lang="he-IL" dirty="0"/>
-          </a:p>
-        </p:txBody>
-      </p:sp>
-    </p:spTree>
-    <p:extLst>
-      <p:ext uri="{BB962C8B-B14F-4D97-AF65-F5344CB8AC3E}">
-        <p14:creationId xmlns:p14="http://schemas.microsoft.com/office/powerpoint/2010/main" val="3684652997"/>
-      </p:ext>
-    </p:extLst>
-  </p:cSld>
-  <p:clrMapOvr>
-    <a:masterClrMapping/>
-  </p:clrMapOvr>
+  <p:timing>
+    <p:tnLst>
+      <p:par>
+        <p:cTn id="1" dur="indefinite" restart="never" nodeType="tmRoot">
+          <p:childTnLst>
+            <p:seq concurrent="1" nextAc="seek">
+              <p:cTn id="2" dur="indefinite" nodeType="mainSeq">
+                <p:childTnLst>
+                  <p:par>
+                    <p:cTn id="3" fill="hold">
+                      <p:stCondLst>
+                        <p:cond delay="indefinite"/>
+                      </p:stCondLst>
+                      <p:childTnLst>
+                        <p:par>
+                          <p:cTn id="4" fill="hold">
+                            <p:stCondLst>
+                              <p:cond delay="0"/>
+                            </p:stCondLst>
+                            <p:childTnLst>
+                              <p:par>
+                                <p:cTn id="5" presetID="42" presetClass="entr" presetSubtype="0" fill="hold" nodeType="clickEffect">
+                                  <p:stCondLst>
+                                    <p:cond delay="0"/>
+                                  </p:stCondLst>
+                                  <p:iterate type="lt">
+                                    <p:tmPct val="0"/>
+                                  </p:iterate>
+                                  <p:childTnLst>
+                                    <p:set>
+                                      <p:cBhvr>
+                                        <p:cTn id="6" dur="1" fill="hold">
+                                          <p:stCondLst>
+                                            <p:cond delay="0"/>
+                                          </p:stCondLst>
+                                        </p:cTn>
+                                        <p:tgtEl>
+                                          <p:spTgt spid="3">
+                                            <p:txEl>
+                                              <p:pRg st="0" end="0"/>
+                                            </p:txEl>
+                                          </p:spTgt>
+                                        </p:tgtEl>
+                                        <p:attrNameLst>
+                                          <p:attrName>style.visibility</p:attrName>
+                                        </p:attrNameLst>
+                                      </p:cBhvr>
+                                      <p:to>
+                                        <p:strVal val="visible"/>
+                                      </p:to>
+                                    </p:set>
+                                    <p:animEffect transition="in" filter="fade">
+                                      <p:cBhvr>
+                                        <p:cTn id="7" dur="1000"/>
+                                        <p:tgtEl>
+                                          <p:spTgt spid="3">
+                                            <p:txEl>
+                                              <p:pRg st="0" end="0"/>
+                                            </p:txEl>
+                                          </p:spTgt>
+                                        </p:tgtEl>
+                                      </p:cBhvr>
+                                    </p:animEffect>
+                                    <p:anim calcmode="lin" valueType="num">
+                                      <p:cBhvr>
+                                        <p:cTn id="8" dur="1000" fill="hold"/>
+                                        <p:tgtEl>
+                                          <p:spTgt spid="3">
+                                            <p:txEl>
+                                              <p:pRg st="0" end="0"/>
+                                            </p:txEl>
+                                          </p:spTgt>
+                                        </p:tgtEl>
+                                        <p:attrNameLst>
+                                          <p:attrName>ppt_x</p:attrName>
+                                        </p:attrNameLst>
+                                      </p:cBhvr>
+                                      <p:tavLst>
+                                        <p:tav tm="0">
+                                          <p:val>
+                                            <p:strVal val="#ppt_x"/>
+                                          </p:val>
+                                        </p:tav>
+                                        <p:tav tm="100000">
+                                          <p:val>
+                                            <p:strVal val="#ppt_x"/>
+                                          </p:val>
+                                        </p:tav>
+                                      </p:tavLst>
+                                    </p:anim>
+                                    <p:anim calcmode="lin" valueType="num">
+                                      <p:cBhvr>
+                                        <p:cTn id="9" dur="1000" fill="hold"/>
+                                        <p:tgtEl>
+                                          <p:spTgt spid="3">
+                                            <p:txEl>
+                                              <p:pRg st="0" end="0"/>
+                                            </p:txEl>
+                                          </p:spTgt>
+                                        </p:tgtEl>
+                                        <p:attrNameLst>
+                                          <p:attrName>ppt_y</p:attrName>
+                                        </p:attrNameLst>
+                                      </p:cBhvr>
+                                      <p:tavLst>
+                                        <p:tav tm="0">
+                                          <p:val>
+                                            <p:strVal val="#ppt_y+.1"/>
+                                          </p:val>
+                                        </p:tav>
+                                        <p:tav tm="100000">
+                                          <p:val>
+                                            <p:strVal val="#ppt_y"/>
+                                          </p:val>
+                                        </p:tav>
+                                      </p:tavLst>
+                                    </p:anim>
+                                  </p:childTnLst>
+                                </p:cTn>
+                              </p:par>
+                            </p:childTnLst>
+                          </p:cTn>
+                        </p:par>
+                      </p:childTnLst>
+                    </p:cTn>
+                  </p:par>
+                  <p:par>
+                    <p:cTn id="10" fill="hold">
+                      <p:stCondLst>
+                        <p:cond delay="indefinite"/>
+                      </p:stCondLst>
+                      <p:childTnLst>
+                        <p:par>
+                          <p:cTn id="11" fill="hold">
+                            <p:stCondLst>
+                              <p:cond delay="0"/>
+                            </p:stCondLst>
+                            <p:childTnLst>
+                              <p:par>
+                                <p:cTn id="12" presetID="34" presetClass="emph" presetSubtype="0" fill="hold" grpId="0" nodeType="clickEffect">
+                                  <p:stCondLst>
+                                    <p:cond delay="0"/>
+                                  </p:stCondLst>
+                                  <p:iterate type="lt">
+                                    <p:tmPct val="10000"/>
+                                  </p:iterate>
+                                  <p:childTnLst>
+                                    <p:animMotion origin="layout" path="M 0.0 0.0 L 0.0 -0.07213" pathEditMode="relative" ptsTypes="">
+                                      <p:cBhvr>
+                                        <p:cTn id="13" dur="250" accel="50000" decel="50000" autoRev="1" fill="hold">
+                                          <p:stCondLst>
+                                            <p:cond delay="0"/>
+                                          </p:stCondLst>
+                                        </p:cTn>
+                                        <p:tgtEl>
+                                          <p:spTgt spid="3">
+                                            <p:txEl>
+                                              <p:pRg st="0" end="0"/>
+                                            </p:txEl>
+                                          </p:spTgt>
+                                        </p:tgtEl>
+                                        <p:attrNameLst>
+                                          <p:attrName>ppt_x</p:attrName>
+                                          <p:attrName>ppt_y</p:attrName>
+                                        </p:attrNameLst>
+                                      </p:cBhvr>
+                                    </p:animMotion>
+                                    <p:animRot by="1500000">
+                                      <p:cBhvr>
+                                        <p:cTn id="14" dur="125" fill="hold">
+                                          <p:stCondLst>
+                                            <p:cond delay="0"/>
+                                          </p:stCondLst>
+                                        </p:cTn>
+                                        <p:tgtEl>
+                                          <p:spTgt spid="3">
+                                            <p:txEl>
+                                              <p:pRg st="0" end="0"/>
+                                            </p:txEl>
+                                          </p:spTgt>
+                                        </p:tgtEl>
+                                        <p:attrNameLst>
+                                          <p:attrName>r</p:attrName>
+                                        </p:attrNameLst>
+                                      </p:cBhvr>
+                                    </p:animRot>
+                                    <p:animRot by="-1500000">
+                                      <p:cBhvr>
+                                        <p:cTn id="15" dur="125" fill="hold">
+                                          <p:stCondLst>
+                                            <p:cond delay="125"/>
+                                          </p:stCondLst>
+                                        </p:cTn>
+                                        <p:tgtEl>
+                                          <p:spTgt spid="3">
+                                            <p:txEl>
+                                              <p:pRg st="0" end="0"/>
+                                            </p:txEl>
+                                          </p:spTgt>
+                                        </p:tgtEl>
+                                        <p:attrNameLst>
+                                          <p:attrName>r</p:attrName>
+                                        </p:attrNameLst>
+                                      </p:cBhvr>
+                                    </p:animRot>
+                                    <p:animRot by="-1500000">
+                                      <p:cBhvr>
+                                        <p:cTn id="16" dur="125" fill="hold">
+                                          <p:stCondLst>
+                                            <p:cond delay="250"/>
+                                          </p:stCondLst>
+                                        </p:cTn>
+                                        <p:tgtEl>
+                                          <p:spTgt spid="3">
+                                            <p:txEl>
+                                              <p:pRg st="0" end="0"/>
+                                            </p:txEl>
+                                          </p:spTgt>
+                                        </p:tgtEl>
+                                        <p:attrNameLst>
+                                          <p:attrName>r</p:attrName>
+                                        </p:attrNameLst>
+                                      </p:cBhvr>
+                                    </p:animRot>
+                                    <p:animRot by="1500000">
+                                      <p:cBhvr>
+                                        <p:cTn id="17" dur="125" fill="hold">
+                                          <p:stCondLst>
+                                            <p:cond delay="375"/>
+                                          </p:stCondLst>
+                                        </p:cTn>
+                                        <p:tgtEl>
+                                          <p:spTgt spid="3">
+                                            <p:txEl>
+                                              <p:pRg st="0" end="0"/>
+                                            </p:txEl>
+                                          </p:spTgt>
+                                        </p:tgtEl>
+                                        <p:attrNameLst>
+                                          <p:attrName>r</p:attrName>
+                                        </p:attrNameLst>
+                                      </p:cBhvr>
+                                    </p:animRot>
+                                  </p:childTnLst>
+                                </p:cTn>
+                              </p:par>
+                            </p:childTnLst>
+                          </p:cTn>
+                        </p:par>
+                      </p:childTnLst>
+                    </p:cTn>
+                  </p:par>
+                </p:childTnLst>
+              </p:cTn>
+              <p:prevCondLst>
+                <p:cond evt="onPrev" delay="0">
+                  <p:tgtEl>
+                    <p:sldTgt/>
+                  </p:tgtEl>
+                </p:cond>
+              </p:prevCondLst>
+              <p:nextCondLst>
+                <p:cond evt="onNext" delay="0">
+                  <p:tgtEl>
+                    <p:sldTgt/>
+                  </p:tgtEl>
+                </p:cond>
+              </p:nextCondLst>
+            </p:seq>
+          </p:childTnLst>
+        </p:cTn>
+      </p:par>
+    </p:tnLst>
+    <p:bldLst>
+      <p:bldP spid="3" grpId="0" build="allAtOnce"/>
+    </p:bldLst>
+  </p:timing>
 </p:sld>
 </file>
 
@@ -10565,77 +11832,48 @@
       </p:grpSpPr>
       <p:sp>
         <p:nvSpPr>
-          <p:cNvPr id="3" name="Title 1">
+          <p:cNvPr id="2" name="Title 1">
             <a:extLst>
               <a:ext uri="{FF2B5EF4-FFF2-40B4-BE49-F238E27FC236}">
-                <a16:creationId xmlns="" xmlns:a16="http://schemas.microsoft.com/office/drawing/2014/main" id="{3340FA19-5350-4C8D-8473-7DB94F143C43}"/>
+                <a16:creationId xmlns:a16="http://schemas.microsoft.com/office/drawing/2014/main" xmlns="" id="{7BF9262E-02C3-441A-ADCA-F84C6C866168}"/>
               </a:ext>
             </a:extLst>
           </p:cNvPr>
-          <p:cNvSpPr txBox="1">
-            <a:spLocks/>
-          </p:cNvSpPr>
-          <p:nvPr/>
+          <p:cNvSpPr>
+            <a:spLocks noGrp="1"/>
+          </p:cNvSpPr>
+          <p:nvPr>
+            <p:ph type="ctrTitle" idx="4294967295"/>
+          </p:nvPr>
         </p:nvSpPr>
         <p:spPr>
           <a:xfrm>
-            <a:off x="1143000" y="-304800"/>
+            <a:off x="1143000" y="1651000"/>
             <a:ext cx="6858000" cy="2387600"/>
           </a:xfrm>
-          <a:prstGeom prst="rect">
-            <a:avLst/>
-          </a:prstGeom>
         </p:spPr>
         <p:txBody>
-          <a:bodyPr vert="horz" lIns="91440" tIns="45720" rIns="91440" bIns="45720" rtlCol="0" anchor="ctr">
-            <a:normAutofit/>
-          </a:bodyPr>
-          <a:lstStyle>
-            <a:lvl1pPr algn="ctr" defTabSz="914400" rtl="0" eaLnBrk="1" latinLnBrk="0" hangingPunct="1">
-              <a:lnSpc>
-                <a:spcPct val="90000"/>
-              </a:lnSpc>
-              <a:spcBef>
-                <a:spcPct val="0"/>
-              </a:spcBef>
-              <a:buNone/>
-              <a:defRPr sz="3200" b="0" i="0" kern="1200" cap="all">
-                <a:solidFill>
-                  <a:schemeClr val="accent1"/>
-                </a:solidFill>
-                <a:effectLst/>
-                <a:latin typeface="+mj-lt"/>
-                <a:ea typeface="+mj-ea"/>
-                <a:cs typeface="+mj-cs"/>
-              </a:defRPr>
-            </a:lvl1pPr>
-          </a:lstStyle>
-          <a:p>
-            <a:r>
-              <a:rPr lang="en-US" dirty="0" smtClean="0"/>
-              <a:t>Design</a:t>
-            </a:r>
-            <a:endParaRPr lang="en-US" dirty="0"/>
+          <a:bodyPr/>
+          <a:lstStyle/>
+          <a:p>
+            <a:r>
+              <a:rPr lang="en-US" dirty="0"/>
+              <a:t>The Smart Switch</a:t>
+            </a:r>
+            <a:endParaRPr lang="he-IL" dirty="0"/>
           </a:p>
         </p:txBody>
       </p:sp>
     </p:spTree>
     <p:extLst>
       <p:ext uri="{BB962C8B-B14F-4D97-AF65-F5344CB8AC3E}">
-        <p14:creationId xmlns:p14="http://schemas.microsoft.com/office/powerpoint/2010/main" val="4141002815"/>
+        <p14:creationId xmlns:p14="http://schemas.microsoft.com/office/powerpoint/2010/main" val="4284266966"/>
       </p:ext>
     </p:extLst>
   </p:cSld>
   <p:clrMapOvr>
     <a:masterClrMapping/>
   </p:clrMapOvr>
-  <p:timing>
-    <p:tnLst>
-      <p:par>
-        <p:cTn id="1" dur="indefinite" restart="never" nodeType="tmRoot"/>
-      </p:par>
-    </p:tnLst>
-  </p:timing>
 </p:sld>
 </file>
 
@@ -10658,45 +11896,6 @@
       </p:grpSpPr>
       <p:cxnSp>
         <p:nvCxnSpPr>
-          <p:cNvPr id="6" name="Straight Arrow Connector 5">
-            <a:extLst>
-              <a:ext uri="{FF2B5EF4-FFF2-40B4-BE49-F238E27FC236}">
-                <a16:creationId xmlns="" xmlns:a16="http://schemas.microsoft.com/office/drawing/2014/main" id="{CCD8E858-CA69-4FE8-AAEF-955EC9F8CE8E}"/>
-              </a:ext>
-            </a:extLst>
-          </p:cNvPr>
-          <p:cNvCxnSpPr/>
-          <p:nvPr/>
-        </p:nvCxnSpPr>
-        <p:spPr>
-          <a:xfrm flipH="1">
-            <a:off x="8140148" y="1881834"/>
-            <a:ext cx="665922" cy="1547191"/>
-          </a:xfrm>
-          <a:prstGeom prst="straightConnector1">
-            <a:avLst/>
-          </a:prstGeom>
-          <a:ln>
-            <a:tailEnd type="triangle"/>
-          </a:ln>
-        </p:spPr>
-        <p:style>
-          <a:lnRef idx="1">
-            <a:schemeClr val="accent1"/>
-          </a:lnRef>
-          <a:fillRef idx="0">
-            <a:schemeClr val="accent1"/>
-          </a:fillRef>
-          <a:effectRef idx="0">
-            <a:schemeClr val="accent1"/>
-          </a:effectRef>
-          <a:fontRef idx="minor">
-            <a:schemeClr val="tx1"/>
-          </a:fontRef>
-        </p:style>
-      </p:cxnSp>
-      <p:cxnSp>
-        <p:nvCxnSpPr>
           <p:cNvPr id="8" name="Straight Arrow Connector 7">
             <a:extLst>
               <a:ext uri="{FF2B5EF4-FFF2-40B4-BE49-F238E27FC236}">
@@ -10709,7 +11908,7 @@
         </p:nvCxnSpPr>
         <p:spPr>
           <a:xfrm>
-            <a:off x="6132456" y="1046922"/>
+            <a:off x="6167355" y="556593"/>
             <a:ext cx="477079" cy="490330"/>
           </a:xfrm>
           <a:prstGeom prst="straightConnector1">
@@ -10748,8 +11947,8 @@
         </p:nvCxnSpPr>
         <p:spPr>
           <a:xfrm flipH="1">
-            <a:off x="5297557" y="365150"/>
-            <a:ext cx="119270" cy="1649205"/>
+            <a:off x="5329584" y="611728"/>
+            <a:ext cx="119270" cy="925524"/>
           </a:xfrm>
           <a:prstGeom prst="straightConnector1">
             <a:avLst/>
@@ -10787,8 +11986,8 @@
         </p:nvCxnSpPr>
         <p:spPr>
           <a:xfrm>
-            <a:off x="2912178" y="821660"/>
-            <a:ext cx="516835" cy="614671"/>
+            <a:off x="2286000" y="611728"/>
+            <a:ext cx="1143012" cy="517267"/>
           </a:xfrm>
           <a:prstGeom prst="straightConnector1">
             <a:avLst/>
@@ -10812,45 +12011,6 @@
           </a:fontRef>
         </p:style>
       </p:cxnSp>
-      <p:cxnSp>
-        <p:nvCxnSpPr>
-          <p:cNvPr id="14" name="Straight Arrow Connector 13">
-            <a:extLst>
-              <a:ext uri="{FF2B5EF4-FFF2-40B4-BE49-F238E27FC236}">
-                <a16:creationId xmlns="" xmlns:a16="http://schemas.microsoft.com/office/drawing/2014/main" id="{2A9DC3CA-2CCE-4BBF-B0F4-CFBC7B198946}"/>
-              </a:ext>
-            </a:extLst>
-          </p:cNvPr>
-          <p:cNvCxnSpPr/>
-          <p:nvPr/>
-        </p:nvCxnSpPr>
-        <p:spPr>
-          <a:xfrm>
-            <a:off x="2633882" y="1537252"/>
-            <a:ext cx="606287" cy="1891748"/>
-          </a:xfrm>
-          <a:prstGeom prst="straightConnector1">
-            <a:avLst/>
-          </a:prstGeom>
-          <a:ln>
-            <a:tailEnd type="triangle"/>
-          </a:ln>
-        </p:spPr>
-        <p:style>
-          <a:lnRef idx="1">
-            <a:schemeClr val="accent1"/>
-          </a:lnRef>
-          <a:fillRef idx="0">
-            <a:schemeClr val="accent1"/>
-          </a:fillRef>
-          <a:effectRef idx="0">
-            <a:schemeClr val="accent1"/>
-          </a:effectRef>
-          <a:fontRef idx="minor">
-            <a:schemeClr val="tx1"/>
-          </a:fontRef>
-        </p:style>
-      </p:cxnSp>
       <p:sp>
         <p:nvSpPr>
           <p:cNvPr id="9" name="Title 1">
@@ -10909,7 +12069,7 @@
       </p:sp>
       <p:pic>
         <p:nvPicPr>
-          <p:cNvPr id="1027" name="Picture 3" descr="C:\Users\Aviel\Desktop\סמסטר ב' - 2019\סדנא בהנדסת תוכנה\פרוייקט\תמונות מסך\Untitled-1.png"/>
+          <p:cNvPr id="13" name="Picture 3" descr="C:\Users\Aviel\Desktop\סמסטר ב' - 2019\סדנא בהנדסת תוכנה\פרוייקט\תמונות מסך\Untitled-1.png"/>
           <p:cNvPicPr>
             <a:picLocks noChangeAspect="1" noChangeArrowheads="1"/>
           </p:cNvPicPr>
@@ -10948,6 +12108,84 @@
           </a:extLst>
         </p:spPr>
       </p:pic>
+      <p:cxnSp>
+        <p:nvCxnSpPr>
+          <p:cNvPr id="14" name="Straight Arrow Connector 13">
+            <a:extLst>
+              <a:ext uri="{FF2B5EF4-FFF2-40B4-BE49-F238E27FC236}">
+                <a16:creationId xmlns="" xmlns:a16="http://schemas.microsoft.com/office/drawing/2014/main" id="{2A9DC3CA-2CCE-4BBF-B0F4-CFBC7B198946}"/>
+              </a:ext>
+            </a:extLst>
+          </p:cNvPr>
+          <p:cNvCxnSpPr/>
+          <p:nvPr/>
+        </p:nvCxnSpPr>
+        <p:spPr>
+          <a:xfrm>
+            <a:off x="685800" y="2286000"/>
+            <a:ext cx="2652498" cy="566667"/>
+          </a:xfrm>
+          <a:prstGeom prst="straightConnector1">
+            <a:avLst/>
+          </a:prstGeom>
+          <a:ln>
+            <a:tailEnd type="triangle"/>
+          </a:ln>
+        </p:spPr>
+        <p:style>
+          <a:lnRef idx="1">
+            <a:schemeClr val="accent1"/>
+          </a:lnRef>
+          <a:fillRef idx="0">
+            <a:schemeClr val="accent1"/>
+          </a:fillRef>
+          <a:effectRef idx="0">
+            <a:schemeClr val="accent1"/>
+          </a:effectRef>
+          <a:fontRef idx="minor">
+            <a:schemeClr val="tx1"/>
+          </a:fontRef>
+        </p:style>
+      </p:cxnSp>
+      <p:cxnSp>
+        <p:nvCxnSpPr>
+          <p:cNvPr id="6" name="Straight Arrow Connector 5">
+            <a:extLst>
+              <a:ext uri="{FF2B5EF4-FFF2-40B4-BE49-F238E27FC236}">
+                <a16:creationId xmlns="" xmlns:a16="http://schemas.microsoft.com/office/drawing/2014/main" id="{CCD8E858-CA69-4FE8-AAEF-955EC9F8CE8E}"/>
+              </a:ext>
+            </a:extLst>
+          </p:cNvPr>
+          <p:cNvCxnSpPr/>
+          <p:nvPr/>
+        </p:nvCxnSpPr>
+        <p:spPr>
+          <a:xfrm flipH="1">
+            <a:off x="7924800" y="1881834"/>
+            <a:ext cx="881270" cy="1699566"/>
+          </a:xfrm>
+          <a:prstGeom prst="straightConnector1">
+            <a:avLst/>
+          </a:prstGeom>
+          <a:ln>
+            <a:tailEnd type="triangle"/>
+          </a:ln>
+        </p:spPr>
+        <p:style>
+          <a:lnRef idx="1">
+            <a:schemeClr val="accent1"/>
+          </a:lnRef>
+          <a:fillRef idx="0">
+            <a:schemeClr val="accent1"/>
+          </a:fillRef>
+          <a:effectRef idx="0">
+            <a:schemeClr val="accent1"/>
+          </a:effectRef>
+          <a:fontRef idx="minor">
+            <a:schemeClr val="tx1"/>
+          </a:fontRef>
+        </p:style>
+      </p:cxnSp>
     </p:spTree>
     <p:extLst>
       <p:ext uri="{BB962C8B-B14F-4D97-AF65-F5344CB8AC3E}">
@@ -11620,84 +12858,50 @@
       </p:grpSpPr>
       <p:sp>
         <p:nvSpPr>
-          <p:cNvPr id="3" name="Title 1">
+          <p:cNvPr id="2" name="Title 1">
             <a:extLst>
               <a:ext uri="{FF2B5EF4-FFF2-40B4-BE49-F238E27FC236}">
-                <a16:creationId xmlns="" xmlns:a16="http://schemas.microsoft.com/office/drawing/2014/main" id="{3340FA19-5350-4C8D-8473-7DB94F143C43}"/>
+                <a16:creationId xmlns:a16="http://schemas.microsoft.com/office/drawing/2014/main" xmlns="" id="{7BF9262E-02C3-441A-ADCA-F84C6C866168}"/>
               </a:ext>
             </a:extLst>
           </p:cNvPr>
-          <p:cNvSpPr txBox="1">
-            <a:spLocks/>
-          </p:cNvSpPr>
-          <p:nvPr/>
+          <p:cNvSpPr>
+            <a:spLocks noGrp="1"/>
+          </p:cNvSpPr>
+          <p:nvPr>
+            <p:ph type="ctrTitle"/>
+          </p:nvPr>
         </p:nvSpPr>
         <p:spPr>
           <a:xfrm>
-            <a:off x="1143000" y="-304800"/>
-            <a:ext cx="6858000" cy="2387600"/>
+            <a:off x="1330819" y="228600"/>
+            <a:ext cx="6477805" cy="2920713"/>
           </a:xfrm>
-          <a:prstGeom prst="rect">
-            <a:avLst/>
-          </a:prstGeom>
         </p:spPr>
         <p:txBody>
-          <a:bodyPr vert="horz" lIns="91440" tIns="45720" rIns="91440" bIns="45720" rtlCol="0" anchor="ctr">
+          <a:bodyPr>
             <a:normAutofit/>
           </a:bodyPr>
-          <a:lstStyle>
-            <a:lvl1pPr algn="ctr" defTabSz="914400" rtl="0" eaLnBrk="1" latinLnBrk="0" hangingPunct="1">
-              <a:lnSpc>
-                <a:spcPct val="90000"/>
-              </a:lnSpc>
-              <a:spcBef>
-                <a:spcPct val="0"/>
-              </a:spcBef>
-              <a:buNone/>
-              <a:defRPr sz="3200" b="0" i="0" kern="1200" cap="all">
-                <a:solidFill>
-                  <a:schemeClr val="accent1"/>
-                </a:solidFill>
-                <a:effectLst/>
-                <a:latin typeface="+mj-lt"/>
-                <a:ea typeface="+mj-ea"/>
-                <a:cs typeface="+mj-cs"/>
-              </a:defRPr>
-            </a:lvl1pPr>
-          </a:lstStyle>
-          <a:p>
-            <a:r>
-              <a:rPr lang="en-US" dirty="0"/>
-              <a:t>ASP.NET Core </a:t>
-            </a:r>
-            <a:r>
-              <a:rPr lang="en-US" dirty="0" err="1"/>
-              <a:t>RESTful</a:t>
-            </a:r>
-            <a:r>
-              <a:rPr lang="en-US" dirty="0"/>
-              <a:t> API</a:t>
-            </a:r>
+          <a:lstStyle/>
+          <a:p>
+            <a:r>
+              <a:rPr lang="en-US" sz="4000" dirty="0"/>
+              <a:t>Web API</a:t>
+            </a:r>
+            <a:endParaRPr lang="he-IL" sz="4000" dirty="0"/>
           </a:p>
         </p:txBody>
       </p:sp>
     </p:spTree>
     <p:extLst>
       <p:ext uri="{BB962C8B-B14F-4D97-AF65-F5344CB8AC3E}">
-        <p14:creationId xmlns:p14="http://schemas.microsoft.com/office/powerpoint/2010/main" val="4019193824"/>
+        <p14:creationId xmlns:p14="http://schemas.microsoft.com/office/powerpoint/2010/main" val="1587991290"/>
       </p:ext>
     </p:extLst>
   </p:cSld>
   <p:clrMapOvr>
     <a:masterClrMapping/>
   </p:clrMapOvr>
-  <p:timing>
-    <p:tnLst>
-      <p:par>
-        <p:cTn id="1" dur="indefinite" restart="never" nodeType="tmRoot"/>
-      </p:par>
-    </p:tnLst>
-  </p:timing>
 </p:sld>
 </file>
 
@@ -11887,6 +13091,88 @@
           </a:p>
         </p:txBody>
       </p:sp>
+      <p:pic>
+        <p:nvPicPr>
+          <p:cNvPr id="1027" name="Picture 3" descr="C:\Users\Aviel\Desktop\סמסטר ב' - 2019\סדנא בהנדסת תוכנה\פרוייקט\.net logo.png"/>
+          <p:cNvPicPr>
+            <a:picLocks noChangeAspect="1" noChangeArrowheads="1"/>
+          </p:cNvPicPr>
+          <p:nvPr/>
+        </p:nvPicPr>
+        <p:blipFill>
+          <a:blip r:embed="rId2">
+            <a:extLst>
+              <a:ext uri="{28A0092B-C50C-407E-A947-70E740481C1C}">
+                <a14:useLocalDpi xmlns:a14="http://schemas.microsoft.com/office/drawing/2010/main" val="0"/>
+              </a:ext>
+            </a:extLst>
+          </a:blip>
+          <a:srcRect/>
+          <a:stretch>
+            <a:fillRect/>
+          </a:stretch>
+        </p:blipFill>
+        <p:spPr bwMode="auto">
+          <a:xfrm>
+            <a:off x="4191000" y="1790700"/>
+            <a:ext cx="4343400" cy="1866900"/>
+          </a:xfrm>
+          <a:prstGeom prst="rect">
+            <a:avLst/>
+          </a:prstGeom>
+          <a:noFill/>
+          <a:extLst>
+            <a:ext uri="{909E8E84-426E-40DD-AFC4-6F175D3DCCD1}">
+              <a14:hiddenFill xmlns:a14="http://schemas.microsoft.com/office/drawing/2010/main">
+                <a:solidFill>
+                  <a:srgbClr val="FFFFFF"/>
+                </a:solidFill>
+              </a14:hiddenFill>
+            </a:ext>
+          </a:extLst>
+        </p:spPr>
+      </p:pic>
+      <p:pic>
+        <p:nvPicPr>
+          <p:cNvPr id="1030" name="Picture 6" descr="C:\Users\Aviel\Desktop\סמסטר ב' - 2019\סדנא בהנדסת תוכנה\פרוייקט\c# logo.png"/>
+          <p:cNvPicPr>
+            <a:picLocks noChangeAspect="1" noChangeArrowheads="1"/>
+          </p:cNvPicPr>
+          <p:nvPr/>
+        </p:nvPicPr>
+        <p:blipFill>
+          <a:blip r:embed="rId3" cstate="print">
+            <a:extLst>
+              <a:ext uri="{28A0092B-C50C-407E-A947-70E740481C1C}">
+                <a14:useLocalDpi xmlns:a14="http://schemas.microsoft.com/office/drawing/2010/main" val="0"/>
+              </a:ext>
+            </a:extLst>
+          </a:blip>
+          <a:srcRect/>
+          <a:stretch>
+            <a:fillRect/>
+          </a:stretch>
+        </p:blipFill>
+        <p:spPr bwMode="auto">
+          <a:xfrm>
+            <a:off x="7130469" y="3290888"/>
+            <a:ext cx="1708731" cy="1890712"/>
+          </a:xfrm>
+          <a:prstGeom prst="rect">
+            <a:avLst/>
+          </a:prstGeom>
+          <a:noFill/>
+          <a:extLst>
+            <a:ext uri="{909E8E84-426E-40DD-AFC4-6F175D3DCCD1}">
+              <a14:hiddenFill xmlns:a14="http://schemas.microsoft.com/office/drawing/2010/main">
+                <a:solidFill>
+                  <a:srgbClr val="FFFFFF"/>
+                </a:solidFill>
+              </a14:hiddenFill>
+            </a:ext>
+          </a:extLst>
+        </p:spPr>
+      </p:pic>
     </p:spTree>
     <p:extLst>
       <p:ext uri="{BB962C8B-B14F-4D97-AF65-F5344CB8AC3E}">

--- a/Project Submission/Presentation/Full Presentation.pptx
+++ b/Project Submission/Presentation/Full Presentation.pptx
@@ -19,16 +19,17 @@
     <p:sldId id="276" r:id="rId13"/>
     <p:sldId id="263" r:id="rId14"/>
     <p:sldId id="278" r:id="rId15"/>
-    <p:sldId id="264" r:id="rId16"/>
-    <p:sldId id="265" r:id="rId17"/>
-    <p:sldId id="266" r:id="rId18"/>
-    <p:sldId id="268" r:id="rId19"/>
-    <p:sldId id="270" r:id="rId20"/>
-    <p:sldId id="271" r:id="rId21"/>
-    <p:sldId id="273" r:id="rId22"/>
-    <p:sldId id="274" r:id="rId23"/>
-    <p:sldId id="277" r:id="rId24"/>
-    <p:sldId id="283" r:id="rId25"/>
+    <p:sldId id="284" r:id="rId16"/>
+    <p:sldId id="285" r:id="rId17"/>
+    <p:sldId id="265" r:id="rId18"/>
+    <p:sldId id="266" r:id="rId19"/>
+    <p:sldId id="268" r:id="rId20"/>
+    <p:sldId id="270" r:id="rId21"/>
+    <p:sldId id="271" r:id="rId22"/>
+    <p:sldId id="273" r:id="rId23"/>
+    <p:sldId id="274" r:id="rId24"/>
+    <p:sldId id="277" r:id="rId25"/>
+    <p:sldId id="283" r:id="rId26"/>
   </p:sldIdLst>
   <p:sldSz cx="9144000" cy="6858000" type="screen4x3"/>
   <p:notesSz cx="6858000" cy="9144000"/>
@@ -8747,82 +8748,123 @@
       </p:grpSpPr>
       <p:sp>
         <p:nvSpPr>
-          <p:cNvPr id="3" name="Subtitle 2">
+          <p:cNvPr id="2" name="Title 1"/>
+          <p:cNvSpPr>
+            <a:spLocks noGrp="1"/>
+          </p:cNvSpPr>
+          <p:nvPr>
+            <p:ph type="title"/>
+          </p:nvPr>
+        </p:nvSpPr>
+        <p:spPr/>
+        <p:txBody>
+          <a:bodyPr/>
+          <a:lstStyle/>
+          <a:p>
+            <a:r>
+              <a:rPr lang="en-US" dirty="0"/>
+              <a:t>Front-end</a:t>
+            </a:r>
+            <a:endParaRPr lang="he-IL" dirty="0"/>
+          </a:p>
+        </p:txBody>
+      </p:sp>
+      <p:pic>
+        <p:nvPicPr>
+          <p:cNvPr id="2050" name="Picture 2" descr="C:\Users\Aviel\Desktop\סמסטר ב' - 2019\סדנא בהנדסת תוכנה\פרוייקט\תמונות מסך\plugsMainViewer - LoggedInWithSidebar.jpg"/>
+          <p:cNvPicPr>
+            <a:picLocks noChangeAspect="1" noChangeArrowheads="1"/>
+          </p:cNvPicPr>
+          <p:nvPr/>
+        </p:nvPicPr>
+        <p:blipFill>
+          <a:blip r:embed="rId2">
             <a:extLst>
-              <a:ext uri="{FF2B5EF4-FFF2-40B4-BE49-F238E27FC236}">
-                <a16:creationId xmlns="" xmlns:a16="http://schemas.microsoft.com/office/drawing/2014/main" id="{559A2D5C-2836-4B03-B591-0DE3A438EF87}"/>
+              <a:ext uri="{28A0092B-C50C-407E-A947-70E740481C1C}">
+                <a14:useLocalDpi xmlns:a14="http://schemas.microsoft.com/office/drawing/2010/main" val="0"/>
               </a:ext>
             </a:extLst>
-          </p:cNvPr>
-          <p:cNvSpPr>
-            <a:spLocks noGrp="1"/>
-          </p:cNvSpPr>
-          <p:nvPr>
-            <p:ph type="subTitle" idx="4294967295"/>
-          </p:nvPr>
-        </p:nvSpPr>
-        <p:spPr>
+          </a:blip>
+          <a:srcRect/>
+          <a:stretch>
+            <a:fillRect/>
+          </a:stretch>
+        </p:blipFill>
+        <p:spPr bwMode="auto">
           <a:xfrm>
-            <a:off x="1295400" y="2819400"/>
-            <a:ext cx="6858000" cy="1655762"/>
-          </a:xfrm>
-        </p:spPr>
-        <p:txBody>
-          <a:bodyPr/>
-          <a:lstStyle/>
-          <a:p>
-            <a:r>
-              <a:rPr lang="en-US" dirty="0"/>
-              <a:t>Add New Device, Device Settings and Timing Settings</a:t>
-            </a:r>
-          </a:p>
-        </p:txBody>
-      </p:sp>
-      <p:sp>
-        <p:nvSpPr>
-          <p:cNvPr id="4" name="Title 1"/>
-          <p:cNvSpPr txBox="1">
-            <a:spLocks/>
-          </p:cNvSpPr>
-          <p:nvPr/>
-        </p:nvSpPr>
-        <p:spPr>
-          <a:xfrm>
-            <a:off x="609600" y="381000"/>
-            <a:ext cx="7886700" cy="1325563"/>
+            <a:off x="457200" y="2091871"/>
+            <a:ext cx="8272747" cy="3784600"/>
           </a:xfrm>
           <a:prstGeom prst="rect">
             <a:avLst/>
           </a:prstGeom>
+          <a:noFill/>
+          <a:extLst>
+            <a:ext uri="{909E8E84-426E-40DD-AFC4-6F175D3DCCD1}">
+              <a14:hiddenFill xmlns:a14="http://schemas.microsoft.com/office/drawing/2010/main">
+                <a:solidFill>
+                  <a:srgbClr val="FFFFFF"/>
+                </a:solidFill>
+              </a14:hiddenFill>
+            </a:ext>
+          </a:extLst>
         </p:spPr>
-        <p:txBody>
-          <a:bodyPr vert="horz" lIns="91440" tIns="45720" rIns="91440" bIns="45720" rtlCol="0" anchor="ctr">
-            <a:normAutofit/>
+      </p:pic>
+      <p:sp>
+        <p:nvSpPr>
+          <p:cNvPr id="3" name="TextBox 2"/>
+          <p:cNvSpPr txBox="1"/>
+          <p:nvPr/>
+        </p:nvSpPr>
+        <p:spPr>
+          <a:xfrm>
+            <a:off x="228600" y="1524000"/>
+            <a:ext cx="8763000" cy="369332"/>
+          </a:xfrm>
+          <a:prstGeom prst="rect">
+            <a:avLst/>
+          </a:prstGeom>
+          <a:noFill/>
+        </p:spPr>
+        <p:txBody>
+          <a:bodyPr wrap="square" rtlCol="1">
+            <a:spAutoFit/>
           </a:bodyPr>
-          <a:lstStyle>
-            <a:lvl1pPr algn="ctr" defTabSz="914400" rtl="0" eaLnBrk="1" latinLnBrk="0" hangingPunct="1">
-              <a:lnSpc>
-                <a:spcPct val="90000"/>
-              </a:lnSpc>
-              <a:spcBef>
-                <a:spcPct val="0"/>
-              </a:spcBef>
-              <a:buNone/>
-              <a:defRPr sz="3200" b="0" i="0" kern="1200" cap="all">
-                <a:solidFill>
-                  <a:schemeClr val="accent1"/>
-                </a:solidFill>
-                <a:effectLst/>
-                <a:latin typeface="+mj-lt"/>
-                <a:ea typeface="+mj-ea"/>
-                <a:cs typeface="+mj-cs"/>
-              </a:defRPr>
-            </a:lvl1pPr>
-          </a:lstStyle>
-          <a:p>
-            <a:r>
-              <a:rPr lang="en-US" smtClean="0"/>
-              <a:t>Front-end</a:t>
+          <a:lstStyle/>
+          <a:p>
+            <a:r>
+              <a:rPr lang="en-US" dirty="0" smtClean="0"/>
+              <a:t>Home Page when logging in</a:t>
+            </a:r>
+            <a:endParaRPr lang="he-IL" dirty="0"/>
+          </a:p>
+        </p:txBody>
+      </p:sp>
+      <p:sp>
+        <p:nvSpPr>
+          <p:cNvPr id="4" name="TextBox 3"/>
+          <p:cNvSpPr txBox="1"/>
+          <p:nvPr/>
+        </p:nvSpPr>
+        <p:spPr>
+          <a:xfrm>
+            <a:off x="228600" y="1524000"/>
+            <a:ext cx="8686800" cy="369332"/>
+          </a:xfrm>
+          <a:prstGeom prst="rect">
+            <a:avLst/>
+          </a:prstGeom>
+          <a:noFill/>
+        </p:spPr>
+        <p:txBody>
+          <a:bodyPr wrap="square" rtlCol="1">
+            <a:spAutoFit/>
+          </a:bodyPr>
+          <a:lstStyle/>
+          <a:p>
+            <a:r>
+              <a:rPr lang="en-US" dirty="0" smtClean="0"/>
+              <a:t>Each row matches one specific plug that the client owns and approved</a:t>
             </a:r>
             <a:endParaRPr lang="he-IL" dirty="0"/>
           </a:p>
@@ -8831,7 +8873,7 @@
     </p:spTree>
     <p:extLst>
       <p:ext uri="{BB962C8B-B14F-4D97-AF65-F5344CB8AC3E}">
-        <p14:creationId xmlns:p14="http://schemas.microsoft.com/office/powerpoint/2010/main" val="639668095"/>
+        <p14:creationId xmlns:p14="http://schemas.microsoft.com/office/powerpoint/2010/main" val="997733699"/>
       </p:ext>
     </p:extLst>
   </p:cSld>
@@ -8841,14 +8883,411 @@
   <p:timing>
     <p:tnLst>
       <p:par>
-        <p:cTn id="1" dur="indefinite" restart="never" nodeType="tmRoot"/>
+        <p:cTn id="1" dur="indefinite" restart="never" nodeType="tmRoot">
+          <p:childTnLst>
+            <p:seq concurrent="1" nextAc="seek">
+              <p:cTn id="2" dur="indefinite" nodeType="mainSeq">
+                <p:childTnLst>
+                  <p:par>
+                    <p:cTn id="3" fill="hold">
+                      <p:stCondLst>
+                        <p:cond delay="indefinite"/>
+                      </p:stCondLst>
+                      <p:childTnLst>
+                        <p:par>
+                          <p:cTn id="4" fill="hold">
+                            <p:stCondLst>
+                              <p:cond delay="0"/>
+                            </p:stCondLst>
+                            <p:childTnLst>
+                              <p:par>
+                                <p:cTn id="5" presetID="10" presetClass="entr" presetSubtype="0" fill="hold" grpId="0" nodeType="clickEffect">
+                                  <p:stCondLst>
+                                    <p:cond delay="0"/>
+                                  </p:stCondLst>
+                                  <p:childTnLst>
+                                    <p:set>
+                                      <p:cBhvr>
+                                        <p:cTn id="6" dur="1" fill="hold">
+                                          <p:stCondLst>
+                                            <p:cond delay="0"/>
+                                          </p:stCondLst>
+                                        </p:cTn>
+                                        <p:tgtEl>
+                                          <p:spTgt spid="3"/>
+                                        </p:tgtEl>
+                                        <p:attrNameLst>
+                                          <p:attrName>style.visibility</p:attrName>
+                                        </p:attrNameLst>
+                                      </p:cBhvr>
+                                      <p:to>
+                                        <p:strVal val="visible"/>
+                                      </p:to>
+                                    </p:set>
+                                    <p:animEffect transition="in" filter="fade">
+                                      <p:cBhvr>
+                                        <p:cTn id="7" dur="500"/>
+                                        <p:tgtEl>
+                                          <p:spTgt spid="3"/>
+                                        </p:tgtEl>
+                                      </p:cBhvr>
+                                    </p:animEffect>
+                                  </p:childTnLst>
+                                </p:cTn>
+                              </p:par>
+                            </p:childTnLst>
+                          </p:cTn>
+                        </p:par>
+                      </p:childTnLst>
+                    </p:cTn>
+                  </p:par>
+                  <p:par>
+                    <p:cTn id="8" fill="hold">
+                      <p:stCondLst>
+                        <p:cond delay="indefinite"/>
+                      </p:stCondLst>
+                      <p:childTnLst>
+                        <p:par>
+                          <p:cTn id="9" fill="hold">
+                            <p:stCondLst>
+                              <p:cond delay="0"/>
+                            </p:stCondLst>
+                            <p:childTnLst>
+                              <p:par>
+                                <p:cTn id="10" presetID="10" presetClass="exit" presetSubtype="0" fill="hold" grpId="1" nodeType="clickEffect">
+                                  <p:stCondLst>
+                                    <p:cond delay="0"/>
+                                  </p:stCondLst>
+                                  <p:childTnLst>
+                                    <p:animEffect transition="out" filter="fade">
+                                      <p:cBhvr>
+                                        <p:cTn id="11" dur="500"/>
+                                        <p:tgtEl>
+                                          <p:spTgt spid="3"/>
+                                        </p:tgtEl>
+                                      </p:cBhvr>
+                                    </p:animEffect>
+                                    <p:set>
+                                      <p:cBhvr>
+                                        <p:cTn id="12" dur="1" fill="hold">
+                                          <p:stCondLst>
+                                            <p:cond delay="499"/>
+                                          </p:stCondLst>
+                                        </p:cTn>
+                                        <p:tgtEl>
+                                          <p:spTgt spid="3"/>
+                                        </p:tgtEl>
+                                        <p:attrNameLst>
+                                          <p:attrName>style.visibility</p:attrName>
+                                        </p:attrNameLst>
+                                      </p:cBhvr>
+                                      <p:to>
+                                        <p:strVal val="hidden"/>
+                                      </p:to>
+                                    </p:set>
+                                  </p:childTnLst>
+                                </p:cTn>
+                              </p:par>
+                            </p:childTnLst>
+                          </p:cTn>
+                        </p:par>
+                      </p:childTnLst>
+                    </p:cTn>
+                  </p:par>
+                  <p:par>
+                    <p:cTn id="13" fill="hold">
+                      <p:stCondLst>
+                        <p:cond delay="indefinite"/>
+                      </p:stCondLst>
+                      <p:childTnLst>
+                        <p:par>
+                          <p:cTn id="14" fill="hold">
+                            <p:stCondLst>
+                              <p:cond delay="0"/>
+                            </p:stCondLst>
+                            <p:childTnLst>
+                              <p:par>
+                                <p:cTn id="15" presetID="10" presetClass="entr" presetSubtype="0" fill="hold" grpId="0" nodeType="clickEffect">
+                                  <p:stCondLst>
+                                    <p:cond delay="0"/>
+                                  </p:stCondLst>
+                                  <p:childTnLst>
+                                    <p:set>
+                                      <p:cBhvr>
+                                        <p:cTn id="16" dur="1" fill="hold">
+                                          <p:stCondLst>
+                                            <p:cond delay="0"/>
+                                          </p:stCondLst>
+                                        </p:cTn>
+                                        <p:tgtEl>
+                                          <p:spTgt spid="4"/>
+                                        </p:tgtEl>
+                                        <p:attrNameLst>
+                                          <p:attrName>style.visibility</p:attrName>
+                                        </p:attrNameLst>
+                                      </p:cBhvr>
+                                      <p:to>
+                                        <p:strVal val="visible"/>
+                                      </p:to>
+                                    </p:set>
+                                    <p:animEffect transition="in" filter="fade">
+                                      <p:cBhvr>
+                                        <p:cTn id="17" dur="500"/>
+                                        <p:tgtEl>
+                                          <p:spTgt spid="4"/>
+                                        </p:tgtEl>
+                                      </p:cBhvr>
+                                    </p:animEffect>
+                                  </p:childTnLst>
+                                </p:cTn>
+                              </p:par>
+                            </p:childTnLst>
+                          </p:cTn>
+                        </p:par>
+                      </p:childTnLst>
+                    </p:cTn>
+                  </p:par>
+                </p:childTnLst>
+              </p:cTn>
+              <p:prevCondLst>
+                <p:cond evt="onPrev" delay="0">
+                  <p:tgtEl>
+                    <p:sldTgt/>
+                  </p:tgtEl>
+                </p:cond>
+              </p:prevCondLst>
+              <p:nextCondLst>
+                <p:cond evt="onNext" delay="0">
+                  <p:tgtEl>
+                    <p:sldTgt/>
+                  </p:tgtEl>
+                </p:cond>
+              </p:nextCondLst>
+            </p:seq>
+          </p:childTnLst>
+        </p:cTn>
       </p:par>
     </p:tnLst>
+    <p:bldLst>
+      <p:bldP spid="3" grpId="0"/>
+      <p:bldP spid="3" grpId="1"/>
+      <p:bldP spid="4" grpId="0"/>
+    </p:bldLst>
   </p:timing>
 </p:sld>
 </file>
 
 <file path=ppt/slides/slide15.xml><?xml version="1.0" encoding="utf-8"?>
+<p:sld xmlns:a="http://schemas.openxmlformats.org/drawingml/2006/main" xmlns:r="http://schemas.openxmlformats.org/officeDocument/2006/relationships" xmlns:p="http://schemas.openxmlformats.org/presentationml/2006/main">
+  <p:cSld>
+    <p:spTree>
+      <p:nvGrpSpPr>
+        <p:cNvPr id="1" name=""/>
+        <p:cNvGrpSpPr/>
+        <p:nvPr/>
+      </p:nvGrpSpPr>
+      <p:grpSpPr>
+        <a:xfrm>
+          <a:off x="0" y="0"/>
+          <a:ext cx="0" cy="0"/>
+          <a:chOff x="0" y="0"/>
+          <a:chExt cx="0" cy="0"/>
+        </a:xfrm>
+      </p:grpSpPr>
+      <p:sp>
+        <p:nvSpPr>
+          <p:cNvPr id="2" name="Title 1"/>
+          <p:cNvSpPr>
+            <a:spLocks noGrp="1"/>
+          </p:cNvSpPr>
+          <p:nvPr>
+            <p:ph type="title"/>
+          </p:nvPr>
+        </p:nvSpPr>
+        <p:spPr/>
+        <p:txBody>
+          <a:bodyPr/>
+          <a:lstStyle/>
+          <a:p>
+            <a:r>
+              <a:rPr lang="en-US" dirty="0"/>
+              <a:t>Front-end</a:t>
+            </a:r>
+            <a:endParaRPr lang="he-IL" dirty="0"/>
+          </a:p>
+        </p:txBody>
+      </p:sp>
+      <p:pic>
+        <p:nvPicPr>
+          <p:cNvPr id="3074" name="Picture 2" descr="C:\Users\Aviel\Desktop\סמסטר ב' - 2019\סדנא בהנדסת תוכנה\פרוייקט\תמונות מסך\plugsMainViewerWin - LoggedInWithSidebar.jpg"/>
+          <p:cNvPicPr>
+            <a:picLocks noChangeAspect="1" noChangeArrowheads="1"/>
+          </p:cNvPicPr>
+          <p:nvPr/>
+        </p:nvPicPr>
+        <p:blipFill>
+          <a:blip r:embed="rId2">
+            <a:extLst>
+              <a:ext uri="{28A0092B-C50C-407E-A947-70E740481C1C}">
+                <a14:useLocalDpi xmlns:a14="http://schemas.microsoft.com/office/drawing/2010/main" val="0"/>
+              </a:ext>
+            </a:extLst>
+          </a:blip>
+          <a:srcRect/>
+          <a:stretch>
+            <a:fillRect/>
+          </a:stretch>
+        </p:blipFill>
+        <p:spPr bwMode="auto">
+          <a:xfrm>
+            <a:off x="457200" y="1981201"/>
+            <a:ext cx="8348041" cy="3819046"/>
+          </a:xfrm>
+          <a:prstGeom prst="rect">
+            <a:avLst/>
+          </a:prstGeom>
+          <a:noFill/>
+          <a:extLst>
+            <a:ext uri="{909E8E84-426E-40DD-AFC4-6F175D3DCCD1}">
+              <a14:hiddenFill xmlns:a14="http://schemas.microsoft.com/office/drawing/2010/main">
+                <a:solidFill>
+                  <a:srgbClr val="FFFFFF"/>
+                </a:solidFill>
+              </a14:hiddenFill>
+            </a:ext>
+          </a:extLst>
+        </p:spPr>
+      </p:pic>
+      <p:sp>
+        <p:nvSpPr>
+          <p:cNvPr id="5" name="TextBox 4"/>
+          <p:cNvSpPr txBox="1"/>
+          <p:nvPr/>
+        </p:nvSpPr>
+        <p:spPr>
+          <a:xfrm>
+            <a:off x="228600" y="1447800"/>
+            <a:ext cx="8763000" cy="369332"/>
+          </a:xfrm>
+          <a:prstGeom prst="rect">
+            <a:avLst/>
+          </a:prstGeom>
+          <a:noFill/>
+        </p:spPr>
+        <p:txBody>
+          <a:bodyPr wrap="square" rtlCol="1">
+            <a:spAutoFit/>
+          </a:bodyPr>
+          <a:lstStyle/>
+          <a:p>
+            <a:r>
+              <a:rPr lang="en-US" dirty="0" smtClean="0"/>
+              <a:t>The 3 buttons menu…</a:t>
+            </a:r>
+            <a:endParaRPr lang="he-IL" dirty="0"/>
+          </a:p>
+        </p:txBody>
+      </p:sp>
+    </p:spTree>
+    <p:extLst>
+      <p:ext uri="{BB962C8B-B14F-4D97-AF65-F5344CB8AC3E}">
+        <p14:creationId xmlns:p14="http://schemas.microsoft.com/office/powerpoint/2010/main" val="3740970408"/>
+      </p:ext>
+    </p:extLst>
+  </p:cSld>
+  <p:clrMapOvr>
+    <a:masterClrMapping/>
+  </p:clrMapOvr>
+  <p:timing>
+    <p:tnLst>
+      <p:par>
+        <p:cTn id="1" dur="indefinite" restart="never" nodeType="tmRoot">
+          <p:childTnLst>
+            <p:seq concurrent="1" nextAc="seek">
+              <p:cTn id="2" dur="indefinite" nodeType="mainSeq">
+                <p:childTnLst>
+                  <p:par>
+                    <p:cTn id="3" fill="hold">
+                      <p:stCondLst>
+                        <p:cond delay="indefinite"/>
+                      </p:stCondLst>
+                      <p:childTnLst>
+                        <p:par>
+                          <p:cTn id="4" fill="hold">
+                            <p:stCondLst>
+                              <p:cond delay="0"/>
+                            </p:stCondLst>
+                            <p:childTnLst>
+                              <p:par>
+                                <p:cTn id="5" presetID="10" presetClass="entr" presetSubtype="0" fill="hold" grpId="0" nodeType="clickEffect">
+                                  <p:stCondLst>
+                                    <p:cond delay="0"/>
+                                  </p:stCondLst>
+                                  <p:childTnLst>
+                                    <p:set>
+                                      <p:cBhvr>
+                                        <p:cTn id="6" dur="1" fill="hold">
+                                          <p:stCondLst>
+                                            <p:cond delay="0"/>
+                                          </p:stCondLst>
+                                        </p:cTn>
+                                        <p:tgtEl>
+                                          <p:spTgt spid="5"/>
+                                        </p:tgtEl>
+                                        <p:attrNameLst>
+                                          <p:attrName>style.visibility</p:attrName>
+                                        </p:attrNameLst>
+                                      </p:cBhvr>
+                                      <p:to>
+                                        <p:strVal val="visible"/>
+                                      </p:to>
+                                    </p:set>
+                                    <p:animEffect transition="in" filter="fade">
+                                      <p:cBhvr>
+                                        <p:cTn id="7" dur="500"/>
+                                        <p:tgtEl>
+                                          <p:spTgt spid="5"/>
+                                        </p:tgtEl>
+                                      </p:cBhvr>
+                                    </p:animEffect>
+                                  </p:childTnLst>
+                                </p:cTn>
+                              </p:par>
+                            </p:childTnLst>
+                          </p:cTn>
+                        </p:par>
+                      </p:childTnLst>
+                    </p:cTn>
+                  </p:par>
+                </p:childTnLst>
+              </p:cTn>
+              <p:prevCondLst>
+                <p:cond evt="onPrev" delay="0">
+                  <p:tgtEl>
+                    <p:sldTgt/>
+                  </p:tgtEl>
+                </p:cond>
+              </p:prevCondLst>
+              <p:nextCondLst>
+                <p:cond evt="onNext" delay="0">
+                  <p:tgtEl>
+                    <p:sldTgt/>
+                  </p:tgtEl>
+                </p:cond>
+              </p:nextCondLst>
+            </p:seq>
+          </p:childTnLst>
+        </p:cTn>
+      </p:par>
+    </p:tnLst>
+    <p:bldLst>
+      <p:bldP spid="5" grpId="0"/>
+    </p:bldLst>
+  </p:timing>
+</p:sld>
+</file>
+
+<file path=ppt/slides/slide16.xml><?xml version="1.0" encoding="utf-8"?>
 <p:sld xmlns:a="http://schemas.openxmlformats.org/drawingml/2006/main" xmlns:r="http://schemas.openxmlformats.org/officeDocument/2006/relationships" xmlns:p="http://schemas.openxmlformats.org/presentationml/2006/main">
   <p:cSld>
     <p:spTree>
@@ -9231,410 +9670,6 @@
     <p:extLst>
       <p:ext uri="{BB962C8B-B14F-4D97-AF65-F5344CB8AC3E}">
         <p14:creationId xmlns:p14="http://schemas.microsoft.com/office/powerpoint/2010/main" val="1170275463"/>
-      </p:ext>
-    </p:extLst>
-  </p:cSld>
-  <p:clrMapOvr>
-    <a:masterClrMapping/>
-  </p:clrMapOvr>
-  <p:timing>
-    <p:tnLst>
-      <p:par>
-        <p:cTn id="1" dur="indefinite" restart="never" nodeType="tmRoot"/>
-      </p:par>
-    </p:tnLst>
-  </p:timing>
-</p:sld>
-</file>
-
-<file path=ppt/slides/slide16.xml><?xml version="1.0" encoding="utf-8"?>
-<p:sld xmlns:a="http://schemas.openxmlformats.org/drawingml/2006/main" xmlns:r="http://schemas.openxmlformats.org/officeDocument/2006/relationships" xmlns:p="http://schemas.openxmlformats.org/presentationml/2006/main">
-  <p:cSld>
-    <p:spTree>
-      <p:nvGrpSpPr>
-        <p:cNvPr id="1" name=""/>
-        <p:cNvGrpSpPr/>
-        <p:nvPr/>
-      </p:nvGrpSpPr>
-      <p:grpSpPr>
-        <a:xfrm>
-          <a:off x="0" y="0"/>
-          <a:ext cx="0" cy="0"/>
-          <a:chOff x="0" y="0"/>
-          <a:chExt cx="0" cy="0"/>
-        </a:xfrm>
-      </p:grpSpPr>
-      <p:pic>
-        <p:nvPicPr>
-          <p:cNvPr id="15" name="Content Placeholder 10" descr="C:\Users\Aviel\Desktop\סמסטר ב' - 2019\סדנא בהנדסת תוכנה\פרוייקט\תמונות מסך\addNewDeviceWin - LoggedInWithSidebar.jpg">
-            <a:extLst>
-              <a:ext uri="{FF2B5EF4-FFF2-40B4-BE49-F238E27FC236}">
-                <a16:creationId xmlns="" xmlns:a16="http://schemas.microsoft.com/office/drawing/2014/main" id="{C2359224-90A0-4E34-8042-FD8FB786FD20}"/>
-              </a:ext>
-            </a:extLst>
-          </p:cNvPr>
-          <p:cNvPicPr>
-            <a:picLocks noGrp="1"/>
-          </p:cNvPicPr>
-          <p:nvPr>
-            <p:ph idx="4294967295"/>
-          </p:nvPr>
-        </p:nvPicPr>
-        <p:blipFill rotWithShape="1">
-          <a:blip r:embed="rId2" cstate="print">
-            <a:extLst>
-              <a:ext uri="{28A0092B-C50C-407E-A947-70E740481C1C}">
-                <a14:useLocalDpi xmlns:a14="http://schemas.microsoft.com/office/drawing/2010/main" val="0"/>
-              </a:ext>
-            </a:extLst>
-          </a:blip>
-          <a:srcRect r="50009"/>
-          <a:stretch/>
-        </p:blipFill>
-        <p:spPr bwMode="auto">
-          <a:xfrm>
-            <a:off x="533400" y="1676400"/>
-            <a:ext cx="3276000" cy="3997325"/>
-          </a:xfrm>
-          <a:prstGeom prst="rect">
-            <a:avLst/>
-          </a:prstGeom>
-          <a:noFill/>
-        </p:spPr>
-      </p:pic>
-      <p:sp>
-        <p:nvSpPr>
-          <p:cNvPr id="6" name="Title 1"/>
-          <p:cNvSpPr txBox="1">
-            <a:spLocks/>
-          </p:cNvSpPr>
-          <p:nvPr/>
-        </p:nvSpPr>
-        <p:spPr>
-          <a:xfrm>
-            <a:off x="609600" y="381000"/>
-            <a:ext cx="7886700" cy="1325563"/>
-          </a:xfrm>
-          <a:prstGeom prst="rect">
-            <a:avLst/>
-          </a:prstGeom>
-        </p:spPr>
-        <p:txBody>
-          <a:bodyPr vert="horz" lIns="91440" tIns="45720" rIns="91440" bIns="45720" rtlCol="0" anchor="ctr">
-            <a:normAutofit/>
-          </a:bodyPr>
-          <a:lstStyle>
-            <a:lvl1pPr algn="ctr" defTabSz="914400" rtl="0" eaLnBrk="1" latinLnBrk="0" hangingPunct="1">
-              <a:lnSpc>
-                <a:spcPct val="90000"/>
-              </a:lnSpc>
-              <a:spcBef>
-                <a:spcPct val="0"/>
-              </a:spcBef>
-              <a:buNone/>
-              <a:defRPr sz="3200" b="0" i="0" kern="1200" cap="all">
-                <a:solidFill>
-                  <a:schemeClr val="accent1"/>
-                </a:solidFill>
-                <a:effectLst/>
-                <a:latin typeface="+mj-lt"/>
-                <a:ea typeface="+mj-ea"/>
-                <a:cs typeface="+mj-cs"/>
-              </a:defRPr>
-            </a:lvl1pPr>
-          </a:lstStyle>
-          <a:p>
-            <a:r>
-              <a:rPr lang="en-US" smtClean="0"/>
-              <a:t>Add new device</a:t>
-            </a:r>
-            <a:endParaRPr lang="he-IL" dirty="0"/>
-          </a:p>
-        </p:txBody>
-      </p:sp>
-      <p:sp>
-        <p:nvSpPr>
-          <p:cNvPr id="4" name="Content Placeholder 3">
-            <a:extLst>
-              <a:ext uri="{FF2B5EF4-FFF2-40B4-BE49-F238E27FC236}">
-                <a16:creationId xmlns="" xmlns:a16="http://schemas.microsoft.com/office/drawing/2014/main" id="{1367783C-5032-4F97-BB0B-E92FF3AB3579}"/>
-              </a:ext>
-            </a:extLst>
-          </p:cNvPr>
-          <p:cNvSpPr txBox="1">
-            <a:spLocks/>
-          </p:cNvSpPr>
-          <p:nvPr/>
-        </p:nvSpPr>
-        <p:spPr>
-          <a:xfrm>
-            <a:off x="4038600" y="1371600"/>
-            <a:ext cx="4838700" cy="4351338"/>
-          </a:xfrm>
-          <a:prstGeom prst="rect">
-            <a:avLst/>
-          </a:prstGeom>
-        </p:spPr>
-        <p:txBody>
-          <a:bodyPr vert="horz" lIns="91440" tIns="45720" rIns="91440" bIns="45720" rtlCol="0">
-            <a:normAutofit fontScale="77500" lnSpcReduction="20000"/>
-          </a:bodyPr>
-          <a:lstStyle>
-            <a:lvl1pPr marL="228600" indent="-228600" algn="l" defTabSz="914400" rtl="0" eaLnBrk="1" latinLnBrk="0" hangingPunct="1">
-              <a:lnSpc>
-                <a:spcPct val="120000"/>
-              </a:lnSpc>
-              <a:spcBef>
-                <a:spcPts val="1000"/>
-              </a:spcBef>
-              <a:buClr>
-                <a:schemeClr val="accent1"/>
-              </a:buClr>
-              <a:buSzPct val="100000"/>
-              <a:buFont typeface="Arial" panose="020B0604020202020204" pitchFamily="34" charset="0"/>
-              <a:buChar char="•"/>
-              <a:defRPr sz="2000" kern="1200">
-                <a:solidFill>
-                  <a:schemeClr val="tx1"/>
-                </a:solidFill>
-                <a:effectLst/>
-                <a:latin typeface="+mn-lt"/>
-                <a:ea typeface="+mn-ea"/>
-                <a:cs typeface="+mn-cs"/>
-              </a:defRPr>
-            </a:lvl1pPr>
-            <a:lvl2pPr marL="685800" indent="-228600" algn="l" defTabSz="914400" rtl="0" eaLnBrk="1" latinLnBrk="0" hangingPunct="1">
-              <a:lnSpc>
-                <a:spcPct val="120000"/>
-              </a:lnSpc>
-              <a:spcBef>
-                <a:spcPts val="500"/>
-              </a:spcBef>
-              <a:buClr>
-                <a:schemeClr val="accent1"/>
-              </a:buClr>
-              <a:buSzPct val="100000"/>
-              <a:buFont typeface="Arial" panose="020B0604020202020204" pitchFamily="34" charset="0"/>
-              <a:buChar char="•"/>
-              <a:defRPr sz="1800" kern="1200" cap="none" baseline="0">
-                <a:solidFill>
-                  <a:schemeClr val="tx1"/>
-                </a:solidFill>
-                <a:effectLst/>
-                <a:latin typeface="+mn-lt"/>
-                <a:ea typeface="+mn-ea"/>
-                <a:cs typeface="+mn-cs"/>
-              </a:defRPr>
-            </a:lvl2pPr>
-            <a:lvl3pPr marL="1143000" indent="-228600" algn="l" defTabSz="914400" rtl="0" eaLnBrk="1" latinLnBrk="0" hangingPunct="1">
-              <a:lnSpc>
-                <a:spcPct val="120000"/>
-              </a:lnSpc>
-              <a:spcBef>
-                <a:spcPts val="500"/>
-              </a:spcBef>
-              <a:buClr>
-                <a:schemeClr val="accent1"/>
-              </a:buClr>
-              <a:buSzPct val="100000"/>
-              <a:buFont typeface="Arial" panose="020B0604020202020204" pitchFamily="34" charset="0"/>
-              <a:buChar char="•"/>
-              <a:defRPr sz="1600" kern="1200">
-                <a:solidFill>
-                  <a:schemeClr val="tx1"/>
-                </a:solidFill>
-                <a:effectLst/>
-                <a:latin typeface="+mn-lt"/>
-                <a:ea typeface="+mn-ea"/>
-                <a:cs typeface="+mn-cs"/>
-              </a:defRPr>
-            </a:lvl3pPr>
-            <a:lvl4pPr marL="1600200" indent="-228600" algn="l" defTabSz="914400" rtl="0" eaLnBrk="1" latinLnBrk="0" hangingPunct="1">
-              <a:lnSpc>
-                <a:spcPct val="120000"/>
-              </a:lnSpc>
-              <a:spcBef>
-                <a:spcPts val="500"/>
-              </a:spcBef>
-              <a:buClr>
-                <a:schemeClr val="accent1"/>
-              </a:buClr>
-              <a:buSzPct val="100000"/>
-              <a:buFont typeface="Arial" panose="020B0604020202020204" pitchFamily="34" charset="0"/>
-              <a:buChar char="•"/>
-              <a:defRPr sz="1400" kern="1200" cap="none" baseline="0">
-                <a:solidFill>
-                  <a:schemeClr val="tx1"/>
-                </a:solidFill>
-                <a:effectLst/>
-                <a:latin typeface="+mn-lt"/>
-                <a:ea typeface="+mn-ea"/>
-                <a:cs typeface="+mn-cs"/>
-              </a:defRPr>
-            </a:lvl4pPr>
-            <a:lvl5pPr marL="2057400" indent="-228600" algn="l" defTabSz="914400" rtl="0" eaLnBrk="1" latinLnBrk="0" hangingPunct="1">
-              <a:lnSpc>
-                <a:spcPct val="120000"/>
-              </a:lnSpc>
-              <a:spcBef>
-                <a:spcPts val="500"/>
-              </a:spcBef>
-              <a:buClr>
-                <a:schemeClr val="accent1"/>
-              </a:buClr>
-              <a:buSzPct val="100000"/>
-              <a:buFont typeface="Arial" panose="020B0604020202020204" pitchFamily="34" charset="0"/>
-              <a:buChar char="•"/>
-              <a:defRPr sz="1200" kern="1200">
-                <a:solidFill>
-                  <a:schemeClr val="tx1"/>
-                </a:solidFill>
-                <a:effectLst/>
-                <a:latin typeface="+mn-lt"/>
-                <a:ea typeface="+mn-ea"/>
-                <a:cs typeface="+mn-cs"/>
-              </a:defRPr>
-            </a:lvl5pPr>
-            <a:lvl6pPr marL="2514600" indent="-228600" algn="l" defTabSz="914400" rtl="0" eaLnBrk="1" latinLnBrk="0" hangingPunct="1">
-              <a:lnSpc>
-                <a:spcPct val="120000"/>
-              </a:lnSpc>
-              <a:spcBef>
-                <a:spcPts val="500"/>
-              </a:spcBef>
-              <a:buClr>
-                <a:schemeClr val="accent1"/>
-              </a:buClr>
-              <a:buSzPct val="100000"/>
-              <a:buFont typeface="Arial" panose="020B0604020202020204" pitchFamily="34" charset="0"/>
-              <a:buChar char="•"/>
-              <a:defRPr sz="1200" kern="1200">
-                <a:solidFill>
-                  <a:schemeClr val="tx1"/>
-                </a:solidFill>
-                <a:effectLst/>
-                <a:latin typeface="+mn-lt"/>
-                <a:ea typeface="+mn-ea"/>
-                <a:cs typeface="+mn-cs"/>
-              </a:defRPr>
-            </a:lvl6pPr>
-            <a:lvl7pPr marL="2971800" indent="-228600" algn="l" defTabSz="914400" rtl="0" eaLnBrk="1" latinLnBrk="0" hangingPunct="1">
-              <a:lnSpc>
-                <a:spcPct val="120000"/>
-              </a:lnSpc>
-              <a:spcBef>
-                <a:spcPts val="500"/>
-              </a:spcBef>
-              <a:buClr>
-                <a:schemeClr val="accent1"/>
-              </a:buClr>
-              <a:buSzPct val="100000"/>
-              <a:buFont typeface="Arial" panose="020B0604020202020204" pitchFamily="34" charset="0"/>
-              <a:buChar char="•"/>
-              <a:defRPr sz="1200" kern="1200">
-                <a:solidFill>
-                  <a:schemeClr val="tx1"/>
-                </a:solidFill>
-                <a:effectLst/>
-                <a:latin typeface="+mn-lt"/>
-                <a:ea typeface="+mn-ea"/>
-                <a:cs typeface="+mn-cs"/>
-              </a:defRPr>
-            </a:lvl7pPr>
-            <a:lvl8pPr marL="3429000" indent="-228600" algn="l" defTabSz="914400" rtl="0" eaLnBrk="1" latinLnBrk="0" hangingPunct="1">
-              <a:lnSpc>
-                <a:spcPct val="120000"/>
-              </a:lnSpc>
-              <a:spcBef>
-                <a:spcPts val="500"/>
-              </a:spcBef>
-              <a:buClr>
-                <a:schemeClr val="accent1"/>
-              </a:buClr>
-              <a:buSzPct val="100000"/>
-              <a:buFont typeface="Arial" panose="020B0604020202020204" pitchFamily="34" charset="0"/>
-              <a:buChar char="•"/>
-              <a:defRPr sz="1200" kern="1200" baseline="0">
-                <a:solidFill>
-                  <a:schemeClr val="tx1"/>
-                </a:solidFill>
-                <a:effectLst/>
-                <a:latin typeface="+mn-lt"/>
-                <a:ea typeface="+mn-ea"/>
-                <a:cs typeface="+mn-cs"/>
-              </a:defRPr>
-            </a:lvl8pPr>
-            <a:lvl9pPr marL="3886200" indent="-228600" algn="l" defTabSz="914400" rtl="0" eaLnBrk="1" latinLnBrk="0" hangingPunct="1">
-              <a:lnSpc>
-                <a:spcPct val="120000"/>
-              </a:lnSpc>
-              <a:spcBef>
-                <a:spcPts val="500"/>
-              </a:spcBef>
-              <a:buClr>
-                <a:schemeClr val="accent1"/>
-              </a:buClr>
-              <a:buSzPct val="100000"/>
-              <a:buFont typeface="Arial" panose="020B0604020202020204" pitchFamily="34" charset="0"/>
-              <a:buChar char="•"/>
-              <a:defRPr sz="1200" kern="1200" baseline="0">
-                <a:solidFill>
-                  <a:schemeClr val="tx1"/>
-                </a:solidFill>
-                <a:effectLst/>
-                <a:latin typeface="+mn-lt"/>
-                <a:ea typeface="+mn-ea"/>
-                <a:cs typeface="+mn-cs"/>
-              </a:defRPr>
-            </a:lvl9pPr>
-          </a:lstStyle>
-          <a:p>
-            <a:pPr marL="0" indent="0">
-              <a:buFont typeface="Arial" panose="020B0604020202020204" pitchFamily="34" charset="0"/>
-              <a:buNone/>
-            </a:pPr>
-            <a:endParaRPr lang="en-US" dirty="0" smtClean="0"/>
-          </a:p>
-          <a:p>
-            <a:pPr marL="0" indent="0">
-              <a:buFont typeface="Arial" panose="020B0604020202020204" pitchFamily="34" charset="0"/>
-              <a:buNone/>
-            </a:pPr>
-            <a:r>
-              <a:rPr lang="en-US" dirty="0" smtClean="0"/>
-              <a:t>Page elements and functionalities:</a:t>
-            </a:r>
-          </a:p>
-          <a:p>
-            <a:r>
-              <a:rPr lang="en-US" dirty="0" smtClean="0"/>
-              <a:t>Present a popup by choosing a certain unapproved plug, by clicking the “accept” button</a:t>
-            </a:r>
-          </a:p>
-          <a:p>
-            <a:r>
-              <a:rPr lang="en-US" dirty="0" smtClean="0"/>
-              <a:t>Using said popup, the client determines the settings of the chosen plug</a:t>
-            </a:r>
-          </a:p>
-          <a:p>
-            <a:r>
-              <a:rPr lang="en-US" dirty="0" smtClean="0"/>
-              <a:t>Conveying the client’s  choices to the database and updating the page accordingly by clicking the “next” button from the popup</a:t>
-            </a:r>
-          </a:p>
-          <a:p>
-            <a:r>
-              <a:rPr lang="en-US" dirty="0" smtClean="0"/>
-              <a:t>Removing the popup by clicking on the “cancel” button ,which is located on said popup</a:t>
-            </a:r>
-          </a:p>
-        </p:txBody>
-      </p:sp>
-    </p:spTree>
-    <p:extLst>
-      <p:ext uri="{BB962C8B-B14F-4D97-AF65-F5344CB8AC3E}">
-        <p14:creationId xmlns:p14="http://schemas.microsoft.com/office/powerpoint/2010/main" val="3843954407"/>
       </p:ext>
     </p:extLst>
   </p:cSld>
@@ -9670,6 +9705,410 @@
       </p:grpSpPr>
       <p:pic>
         <p:nvPicPr>
+          <p:cNvPr id="15" name="Content Placeholder 10" descr="C:\Users\Aviel\Desktop\סמסטר ב' - 2019\סדנא בהנדסת תוכנה\פרוייקט\תמונות מסך\addNewDeviceWin - LoggedInWithSidebar.jpg">
+            <a:extLst>
+              <a:ext uri="{FF2B5EF4-FFF2-40B4-BE49-F238E27FC236}">
+                <a16:creationId xmlns="" xmlns:a16="http://schemas.microsoft.com/office/drawing/2014/main" id="{C2359224-90A0-4E34-8042-FD8FB786FD20}"/>
+              </a:ext>
+            </a:extLst>
+          </p:cNvPr>
+          <p:cNvPicPr>
+            <a:picLocks noGrp="1"/>
+          </p:cNvPicPr>
+          <p:nvPr>
+            <p:ph idx="4294967295"/>
+          </p:nvPr>
+        </p:nvPicPr>
+        <p:blipFill rotWithShape="1">
+          <a:blip r:embed="rId2" cstate="print">
+            <a:extLst>
+              <a:ext uri="{28A0092B-C50C-407E-A947-70E740481C1C}">
+                <a14:useLocalDpi xmlns:a14="http://schemas.microsoft.com/office/drawing/2010/main" val="0"/>
+              </a:ext>
+            </a:extLst>
+          </a:blip>
+          <a:srcRect r="50009"/>
+          <a:stretch/>
+        </p:blipFill>
+        <p:spPr bwMode="auto">
+          <a:xfrm>
+            <a:off x="533400" y="1676400"/>
+            <a:ext cx="3276000" cy="3997325"/>
+          </a:xfrm>
+          <a:prstGeom prst="rect">
+            <a:avLst/>
+          </a:prstGeom>
+          <a:noFill/>
+        </p:spPr>
+      </p:pic>
+      <p:sp>
+        <p:nvSpPr>
+          <p:cNvPr id="6" name="Title 1"/>
+          <p:cNvSpPr txBox="1">
+            <a:spLocks/>
+          </p:cNvSpPr>
+          <p:nvPr/>
+        </p:nvSpPr>
+        <p:spPr>
+          <a:xfrm>
+            <a:off x="609600" y="381000"/>
+            <a:ext cx="7886700" cy="1325563"/>
+          </a:xfrm>
+          <a:prstGeom prst="rect">
+            <a:avLst/>
+          </a:prstGeom>
+        </p:spPr>
+        <p:txBody>
+          <a:bodyPr vert="horz" lIns="91440" tIns="45720" rIns="91440" bIns="45720" rtlCol="0" anchor="ctr">
+            <a:normAutofit/>
+          </a:bodyPr>
+          <a:lstStyle>
+            <a:lvl1pPr algn="ctr" defTabSz="914400" rtl="0" eaLnBrk="1" latinLnBrk="0" hangingPunct="1">
+              <a:lnSpc>
+                <a:spcPct val="90000"/>
+              </a:lnSpc>
+              <a:spcBef>
+                <a:spcPct val="0"/>
+              </a:spcBef>
+              <a:buNone/>
+              <a:defRPr sz="3200" b="0" i="0" kern="1200" cap="all">
+                <a:solidFill>
+                  <a:schemeClr val="accent1"/>
+                </a:solidFill>
+                <a:effectLst/>
+                <a:latin typeface="+mj-lt"/>
+                <a:ea typeface="+mj-ea"/>
+                <a:cs typeface="+mj-cs"/>
+              </a:defRPr>
+            </a:lvl1pPr>
+          </a:lstStyle>
+          <a:p>
+            <a:r>
+              <a:rPr lang="en-US" smtClean="0"/>
+              <a:t>Add new device</a:t>
+            </a:r>
+            <a:endParaRPr lang="he-IL" dirty="0"/>
+          </a:p>
+        </p:txBody>
+      </p:sp>
+      <p:sp>
+        <p:nvSpPr>
+          <p:cNvPr id="4" name="Content Placeholder 3">
+            <a:extLst>
+              <a:ext uri="{FF2B5EF4-FFF2-40B4-BE49-F238E27FC236}">
+                <a16:creationId xmlns="" xmlns:a16="http://schemas.microsoft.com/office/drawing/2014/main" id="{1367783C-5032-4F97-BB0B-E92FF3AB3579}"/>
+              </a:ext>
+            </a:extLst>
+          </p:cNvPr>
+          <p:cNvSpPr txBox="1">
+            <a:spLocks/>
+          </p:cNvSpPr>
+          <p:nvPr/>
+        </p:nvSpPr>
+        <p:spPr>
+          <a:xfrm>
+            <a:off x="4038600" y="1371600"/>
+            <a:ext cx="4838700" cy="4351338"/>
+          </a:xfrm>
+          <a:prstGeom prst="rect">
+            <a:avLst/>
+          </a:prstGeom>
+        </p:spPr>
+        <p:txBody>
+          <a:bodyPr vert="horz" lIns="91440" tIns="45720" rIns="91440" bIns="45720" rtlCol="0">
+            <a:normAutofit fontScale="77500" lnSpcReduction="20000"/>
+          </a:bodyPr>
+          <a:lstStyle>
+            <a:lvl1pPr marL="228600" indent="-228600" algn="l" defTabSz="914400" rtl="0" eaLnBrk="1" latinLnBrk="0" hangingPunct="1">
+              <a:lnSpc>
+                <a:spcPct val="120000"/>
+              </a:lnSpc>
+              <a:spcBef>
+                <a:spcPts val="1000"/>
+              </a:spcBef>
+              <a:buClr>
+                <a:schemeClr val="accent1"/>
+              </a:buClr>
+              <a:buSzPct val="100000"/>
+              <a:buFont typeface="Arial" panose="020B0604020202020204" pitchFamily="34" charset="0"/>
+              <a:buChar char="•"/>
+              <a:defRPr sz="2000" kern="1200">
+                <a:solidFill>
+                  <a:schemeClr val="tx1"/>
+                </a:solidFill>
+                <a:effectLst/>
+                <a:latin typeface="+mn-lt"/>
+                <a:ea typeface="+mn-ea"/>
+                <a:cs typeface="+mn-cs"/>
+              </a:defRPr>
+            </a:lvl1pPr>
+            <a:lvl2pPr marL="685800" indent="-228600" algn="l" defTabSz="914400" rtl="0" eaLnBrk="1" latinLnBrk="0" hangingPunct="1">
+              <a:lnSpc>
+                <a:spcPct val="120000"/>
+              </a:lnSpc>
+              <a:spcBef>
+                <a:spcPts val="500"/>
+              </a:spcBef>
+              <a:buClr>
+                <a:schemeClr val="accent1"/>
+              </a:buClr>
+              <a:buSzPct val="100000"/>
+              <a:buFont typeface="Arial" panose="020B0604020202020204" pitchFamily="34" charset="0"/>
+              <a:buChar char="•"/>
+              <a:defRPr sz="1800" kern="1200" cap="none" baseline="0">
+                <a:solidFill>
+                  <a:schemeClr val="tx1"/>
+                </a:solidFill>
+                <a:effectLst/>
+                <a:latin typeface="+mn-lt"/>
+                <a:ea typeface="+mn-ea"/>
+                <a:cs typeface="+mn-cs"/>
+              </a:defRPr>
+            </a:lvl2pPr>
+            <a:lvl3pPr marL="1143000" indent="-228600" algn="l" defTabSz="914400" rtl="0" eaLnBrk="1" latinLnBrk="0" hangingPunct="1">
+              <a:lnSpc>
+                <a:spcPct val="120000"/>
+              </a:lnSpc>
+              <a:spcBef>
+                <a:spcPts val="500"/>
+              </a:spcBef>
+              <a:buClr>
+                <a:schemeClr val="accent1"/>
+              </a:buClr>
+              <a:buSzPct val="100000"/>
+              <a:buFont typeface="Arial" panose="020B0604020202020204" pitchFamily="34" charset="0"/>
+              <a:buChar char="•"/>
+              <a:defRPr sz="1600" kern="1200">
+                <a:solidFill>
+                  <a:schemeClr val="tx1"/>
+                </a:solidFill>
+                <a:effectLst/>
+                <a:latin typeface="+mn-lt"/>
+                <a:ea typeface="+mn-ea"/>
+                <a:cs typeface="+mn-cs"/>
+              </a:defRPr>
+            </a:lvl3pPr>
+            <a:lvl4pPr marL="1600200" indent="-228600" algn="l" defTabSz="914400" rtl="0" eaLnBrk="1" latinLnBrk="0" hangingPunct="1">
+              <a:lnSpc>
+                <a:spcPct val="120000"/>
+              </a:lnSpc>
+              <a:spcBef>
+                <a:spcPts val="500"/>
+              </a:spcBef>
+              <a:buClr>
+                <a:schemeClr val="accent1"/>
+              </a:buClr>
+              <a:buSzPct val="100000"/>
+              <a:buFont typeface="Arial" panose="020B0604020202020204" pitchFamily="34" charset="0"/>
+              <a:buChar char="•"/>
+              <a:defRPr sz="1400" kern="1200" cap="none" baseline="0">
+                <a:solidFill>
+                  <a:schemeClr val="tx1"/>
+                </a:solidFill>
+                <a:effectLst/>
+                <a:latin typeface="+mn-lt"/>
+                <a:ea typeface="+mn-ea"/>
+                <a:cs typeface="+mn-cs"/>
+              </a:defRPr>
+            </a:lvl4pPr>
+            <a:lvl5pPr marL="2057400" indent="-228600" algn="l" defTabSz="914400" rtl="0" eaLnBrk="1" latinLnBrk="0" hangingPunct="1">
+              <a:lnSpc>
+                <a:spcPct val="120000"/>
+              </a:lnSpc>
+              <a:spcBef>
+                <a:spcPts val="500"/>
+              </a:spcBef>
+              <a:buClr>
+                <a:schemeClr val="accent1"/>
+              </a:buClr>
+              <a:buSzPct val="100000"/>
+              <a:buFont typeface="Arial" panose="020B0604020202020204" pitchFamily="34" charset="0"/>
+              <a:buChar char="•"/>
+              <a:defRPr sz="1200" kern="1200">
+                <a:solidFill>
+                  <a:schemeClr val="tx1"/>
+                </a:solidFill>
+                <a:effectLst/>
+                <a:latin typeface="+mn-lt"/>
+                <a:ea typeface="+mn-ea"/>
+                <a:cs typeface="+mn-cs"/>
+              </a:defRPr>
+            </a:lvl5pPr>
+            <a:lvl6pPr marL="2514600" indent="-228600" algn="l" defTabSz="914400" rtl="0" eaLnBrk="1" latinLnBrk="0" hangingPunct="1">
+              <a:lnSpc>
+                <a:spcPct val="120000"/>
+              </a:lnSpc>
+              <a:spcBef>
+                <a:spcPts val="500"/>
+              </a:spcBef>
+              <a:buClr>
+                <a:schemeClr val="accent1"/>
+              </a:buClr>
+              <a:buSzPct val="100000"/>
+              <a:buFont typeface="Arial" panose="020B0604020202020204" pitchFamily="34" charset="0"/>
+              <a:buChar char="•"/>
+              <a:defRPr sz="1200" kern="1200">
+                <a:solidFill>
+                  <a:schemeClr val="tx1"/>
+                </a:solidFill>
+                <a:effectLst/>
+                <a:latin typeface="+mn-lt"/>
+                <a:ea typeface="+mn-ea"/>
+                <a:cs typeface="+mn-cs"/>
+              </a:defRPr>
+            </a:lvl6pPr>
+            <a:lvl7pPr marL="2971800" indent="-228600" algn="l" defTabSz="914400" rtl="0" eaLnBrk="1" latinLnBrk="0" hangingPunct="1">
+              <a:lnSpc>
+                <a:spcPct val="120000"/>
+              </a:lnSpc>
+              <a:spcBef>
+                <a:spcPts val="500"/>
+              </a:spcBef>
+              <a:buClr>
+                <a:schemeClr val="accent1"/>
+              </a:buClr>
+              <a:buSzPct val="100000"/>
+              <a:buFont typeface="Arial" panose="020B0604020202020204" pitchFamily="34" charset="0"/>
+              <a:buChar char="•"/>
+              <a:defRPr sz="1200" kern="1200">
+                <a:solidFill>
+                  <a:schemeClr val="tx1"/>
+                </a:solidFill>
+                <a:effectLst/>
+                <a:latin typeface="+mn-lt"/>
+                <a:ea typeface="+mn-ea"/>
+                <a:cs typeface="+mn-cs"/>
+              </a:defRPr>
+            </a:lvl7pPr>
+            <a:lvl8pPr marL="3429000" indent="-228600" algn="l" defTabSz="914400" rtl="0" eaLnBrk="1" latinLnBrk="0" hangingPunct="1">
+              <a:lnSpc>
+                <a:spcPct val="120000"/>
+              </a:lnSpc>
+              <a:spcBef>
+                <a:spcPts val="500"/>
+              </a:spcBef>
+              <a:buClr>
+                <a:schemeClr val="accent1"/>
+              </a:buClr>
+              <a:buSzPct val="100000"/>
+              <a:buFont typeface="Arial" panose="020B0604020202020204" pitchFamily="34" charset="0"/>
+              <a:buChar char="•"/>
+              <a:defRPr sz="1200" kern="1200" baseline="0">
+                <a:solidFill>
+                  <a:schemeClr val="tx1"/>
+                </a:solidFill>
+                <a:effectLst/>
+                <a:latin typeface="+mn-lt"/>
+                <a:ea typeface="+mn-ea"/>
+                <a:cs typeface="+mn-cs"/>
+              </a:defRPr>
+            </a:lvl8pPr>
+            <a:lvl9pPr marL="3886200" indent="-228600" algn="l" defTabSz="914400" rtl="0" eaLnBrk="1" latinLnBrk="0" hangingPunct="1">
+              <a:lnSpc>
+                <a:spcPct val="120000"/>
+              </a:lnSpc>
+              <a:spcBef>
+                <a:spcPts val="500"/>
+              </a:spcBef>
+              <a:buClr>
+                <a:schemeClr val="accent1"/>
+              </a:buClr>
+              <a:buSzPct val="100000"/>
+              <a:buFont typeface="Arial" panose="020B0604020202020204" pitchFamily="34" charset="0"/>
+              <a:buChar char="•"/>
+              <a:defRPr sz="1200" kern="1200" baseline="0">
+                <a:solidFill>
+                  <a:schemeClr val="tx1"/>
+                </a:solidFill>
+                <a:effectLst/>
+                <a:latin typeface="+mn-lt"/>
+                <a:ea typeface="+mn-ea"/>
+                <a:cs typeface="+mn-cs"/>
+              </a:defRPr>
+            </a:lvl9pPr>
+          </a:lstStyle>
+          <a:p>
+            <a:pPr marL="0" indent="0">
+              <a:buFont typeface="Arial" panose="020B0604020202020204" pitchFamily="34" charset="0"/>
+              <a:buNone/>
+            </a:pPr>
+            <a:endParaRPr lang="en-US" dirty="0" smtClean="0"/>
+          </a:p>
+          <a:p>
+            <a:pPr marL="0" indent="0">
+              <a:buFont typeface="Arial" panose="020B0604020202020204" pitchFamily="34" charset="0"/>
+              <a:buNone/>
+            </a:pPr>
+            <a:r>
+              <a:rPr lang="en-US" dirty="0" smtClean="0"/>
+              <a:t>Page elements and functionalities:</a:t>
+            </a:r>
+          </a:p>
+          <a:p>
+            <a:r>
+              <a:rPr lang="en-US" dirty="0" smtClean="0"/>
+              <a:t>Present a popup by choosing a certain unapproved plug, by clicking the “accept” button</a:t>
+            </a:r>
+          </a:p>
+          <a:p>
+            <a:r>
+              <a:rPr lang="en-US" dirty="0" smtClean="0"/>
+              <a:t>Using said popup, the client determines the settings of the chosen plug</a:t>
+            </a:r>
+          </a:p>
+          <a:p>
+            <a:r>
+              <a:rPr lang="en-US" dirty="0" smtClean="0"/>
+              <a:t>Conveying the client’s  choices to the database and updating the page accordingly by clicking the “next” button from the popup</a:t>
+            </a:r>
+          </a:p>
+          <a:p>
+            <a:r>
+              <a:rPr lang="en-US" dirty="0" smtClean="0"/>
+              <a:t>Removing the popup by clicking on the “cancel” button ,which is located on said popup</a:t>
+            </a:r>
+          </a:p>
+        </p:txBody>
+      </p:sp>
+    </p:spTree>
+    <p:extLst>
+      <p:ext uri="{BB962C8B-B14F-4D97-AF65-F5344CB8AC3E}">
+        <p14:creationId xmlns:p14="http://schemas.microsoft.com/office/powerpoint/2010/main" val="3843954407"/>
+      </p:ext>
+    </p:extLst>
+  </p:cSld>
+  <p:clrMapOvr>
+    <a:masterClrMapping/>
+  </p:clrMapOvr>
+  <p:timing>
+    <p:tnLst>
+      <p:par>
+        <p:cTn id="1" dur="indefinite" restart="never" nodeType="tmRoot"/>
+      </p:par>
+    </p:tnLst>
+  </p:timing>
+</p:sld>
+</file>
+
+<file path=ppt/slides/slide18.xml><?xml version="1.0" encoding="utf-8"?>
+<p:sld xmlns:a="http://schemas.openxmlformats.org/drawingml/2006/main" xmlns:r="http://schemas.openxmlformats.org/officeDocument/2006/relationships" xmlns:p="http://schemas.openxmlformats.org/presentationml/2006/main">
+  <p:cSld>
+    <p:spTree>
+      <p:nvGrpSpPr>
+        <p:cNvPr id="1" name=""/>
+        <p:cNvGrpSpPr/>
+        <p:nvPr/>
+      </p:nvGrpSpPr>
+      <p:grpSpPr>
+        <a:xfrm>
+          <a:off x="0" y="0"/>
+          <a:ext cx="0" cy="0"/>
+          <a:chOff x="0" y="0"/>
+          <a:chExt cx="0" cy="0"/>
+        </a:xfrm>
+      </p:grpSpPr>
+      <p:pic>
+        <p:nvPicPr>
           <p:cNvPr id="6" name="Content Placeholder 5" descr="C:\Users\Aviel\Desktop\סמסטר ב' - 2019\סדנא בהנדסת תוכנה\פרוייקט\תמונות מסך\PlugsSettings - LoggedInWithSidebar.jpg">
             <a:extLst>
               <a:ext uri="{FF2B5EF4-FFF2-40B4-BE49-F238E27FC236}">
@@ -10070,7 +10509,7 @@
 </p:sld>
 </file>
 
-<file path=ppt/slides/slide18.xml><?xml version="1.0" encoding="utf-8"?>
+<file path=ppt/slides/slide19.xml><?xml version="1.0" encoding="utf-8"?>
 <p:sld xmlns:a="http://schemas.openxmlformats.org/drawingml/2006/main" xmlns:r="http://schemas.openxmlformats.org/officeDocument/2006/relationships" xmlns:p="http://schemas.openxmlformats.org/presentationml/2006/main">
   <p:cSld>
     <p:spTree>
@@ -10497,7 +10936,179 @@
 </p:sld>
 </file>
 
-<file path=ppt/slides/slide19.xml><?xml version="1.0" encoding="utf-8"?>
+<file path=ppt/slides/slide2.xml><?xml version="1.0" encoding="utf-8"?>
+<p:sld xmlns:a="http://schemas.openxmlformats.org/drawingml/2006/main" xmlns:r="http://schemas.openxmlformats.org/officeDocument/2006/relationships" xmlns:p="http://schemas.openxmlformats.org/presentationml/2006/main">
+  <p:cSld>
+    <p:spTree>
+      <p:nvGrpSpPr>
+        <p:cNvPr id="1" name=""/>
+        <p:cNvGrpSpPr/>
+        <p:nvPr/>
+      </p:nvGrpSpPr>
+      <p:grpSpPr>
+        <a:xfrm>
+          <a:off x="0" y="0"/>
+          <a:ext cx="0" cy="0"/>
+          <a:chOff x="0" y="0"/>
+          <a:chExt cx="0" cy="0"/>
+        </a:xfrm>
+      </p:grpSpPr>
+      <p:sp>
+        <p:nvSpPr>
+          <p:cNvPr id="3" name="מציין מיקום תוכן 2">
+            <a:extLst>
+              <a:ext uri="{FF2B5EF4-FFF2-40B4-BE49-F238E27FC236}">
+                <a16:creationId xmlns="" xmlns:a16="http://schemas.microsoft.com/office/drawing/2014/main" id="{698DFE09-61A8-4594-BF18-0CEC6811CAC4}"/>
+              </a:ext>
+            </a:extLst>
+          </p:cNvPr>
+          <p:cNvSpPr>
+            <a:spLocks noGrp="1"/>
+          </p:cNvSpPr>
+          <p:nvPr>
+            <p:ph idx="4294967295"/>
+          </p:nvPr>
+        </p:nvSpPr>
+        <p:spPr>
+          <a:xfrm>
+            <a:off x="0" y="1825625"/>
+            <a:ext cx="7886700" cy="4351338"/>
+          </a:xfrm>
+        </p:spPr>
+        <p:txBody>
+          <a:bodyPr>
+            <a:normAutofit fontScale="92500" lnSpcReduction="20000"/>
+          </a:bodyPr>
+          <a:lstStyle/>
+          <a:p>
+            <a:pPr algn="l" rtl="0"/>
+            <a:r>
+              <a:rPr lang="en-US" sz="3200" dirty="0"/>
+              <a:t>Device and Architecture </a:t>
+            </a:r>
+          </a:p>
+          <a:p>
+            <a:pPr marL="0" indent="0" algn="l" rtl="0">
+              <a:buNone/>
+            </a:pPr>
+            <a:endParaRPr lang="en-US" sz="3200" dirty="0"/>
+          </a:p>
+          <a:p>
+            <a:pPr algn="l" rtl="0"/>
+            <a:r>
+              <a:rPr lang="en-US" sz="3200" dirty="0"/>
+              <a:t>Server side, API and Security</a:t>
+            </a:r>
+          </a:p>
+          <a:p>
+            <a:pPr marL="0" indent="0" algn="l" rtl="0">
+              <a:buNone/>
+            </a:pPr>
+            <a:endParaRPr lang="en-US" sz="3200" dirty="0"/>
+          </a:p>
+          <a:p>
+            <a:pPr algn="l" rtl="0"/>
+            <a:r>
+              <a:rPr lang="en-US" sz="3200" dirty="0"/>
+              <a:t>Client side and Web Site</a:t>
+            </a:r>
+          </a:p>
+          <a:p>
+            <a:pPr marL="0" indent="0" algn="l" rtl="0">
+              <a:buNone/>
+            </a:pPr>
+            <a:endParaRPr lang="en-US" sz="3200" dirty="0"/>
+          </a:p>
+          <a:p>
+            <a:pPr algn="l" rtl="0"/>
+            <a:r>
+              <a:rPr lang="en-US" sz="3200" dirty="0"/>
+              <a:t>System Demo view</a:t>
+            </a:r>
+          </a:p>
+          <a:p>
+            <a:pPr algn="l" rtl="0"/>
+            <a:endParaRPr lang="he-IL" dirty="0"/>
+          </a:p>
+        </p:txBody>
+      </p:sp>
+      <p:sp>
+        <p:nvSpPr>
+          <p:cNvPr id="4" name="Title 1">
+            <a:extLst>
+              <a:ext uri="{FF2B5EF4-FFF2-40B4-BE49-F238E27FC236}">
+                <a16:creationId xmlns="" xmlns:a16="http://schemas.microsoft.com/office/drawing/2014/main" id="{3340FA19-5350-4C8D-8473-7DB94F143C43}"/>
+              </a:ext>
+            </a:extLst>
+          </p:cNvPr>
+          <p:cNvSpPr txBox="1">
+            <a:spLocks/>
+          </p:cNvSpPr>
+          <p:nvPr/>
+        </p:nvSpPr>
+        <p:spPr>
+          <a:xfrm>
+            <a:off x="1143000" y="-304800"/>
+            <a:ext cx="6858000" cy="2387600"/>
+          </a:xfrm>
+          <a:prstGeom prst="rect">
+            <a:avLst/>
+          </a:prstGeom>
+        </p:spPr>
+        <p:txBody>
+          <a:bodyPr vert="horz" lIns="91440" tIns="45720" rIns="91440" bIns="45720" rtlCol="0" anchor="ctr">
+            <a:normAutofit/>
+          </a:bodyPr>
+          <a:lstStyle>
+            <a:lvl1pPr algn="ctr" defTabSz="914400" rtl="0" eaLnBrk="1" latinLnBrk="0" hangingPunct="1">
+              <a:lnSpc>
+                <a:spcPct val="90000"/>
+              </a:lnSpc>
+              <a:spcBef>
+                <a:spcPct val="0"/>
+              </a:spcBef>
+              <a:buNone/>
+              <a:defRPr sz="3200" b="0" i="0" kern="1200" cap="all">
+                <a:solidFill>
+                  <a:schemeClr val="accent1"/>
+                </a:solidFill>
+                <a:effectLst/>
+                <a:latin typeface="+mj-lt"/>
+                <a:ea typeface="+mj-ea"/>
+                <a:cs typeface="+mj-cs"/>
+              </a:defRPr>
+            </a:lvl1pPr>
+          </a:lstStyle>
+          <a:p>
+            <a:r>
+              <a:rPr lang="en-US" dirty="0" smtClean="0"/>
+              <a:t>Today we will show you</a:t>
+            </a:r>
+            <a:endParaRPr lang="en-US" dirty="0"/>
+          </a:p>
+        </p:txBody>
+      </p:sp>
+    </p:spTree>
+    <p:extLst>
+      <p:ext uri="{BB962C8B-B14F-4D97-AF65-F5344CB8AC3E}">
+        <p14:creationId xmlns:p14="http://schemas.microsoft.com/office/powerpoint/2010/main" val="1408359820"/>
+      </p:ext>
+    </p:extLst>
+  </p:cSld>
+  <p:clrMapOvr>
+    <a:masterClrMapping/>
+  </p:clrMapOvr>
+  <p:timing>
+    <p:tnLst>
+      <p:par>
+        <p:cTn id="1" dur="indefinite" restart="never" nodeType="tmRoot"/>
+      </p:par>
+    </p:tnLst>
+  </p:timing>
+</p:sld>
+</file>
+
+<file path=ppt/slides/slide20.xml><?xml version="1.0" encoding="utf-8"?>
 <p:sld xmlns:a="http://schemas.openxmlformats.org/drawingml/2006/main" xmlns:r="http://schemas.openxmlformats.org/officeDocument/2006/relationships" xmlns:p="http://schemas.openxmlformats.org/presentationml/2006/main">
   <p:cSld>
     <p:spTree>
@@ -10898,179 +11509,7 @@
 </p:sld>
 </file>
 
-<file path=ppt/slides/slide2.xml><?xml version="1.0" encoding="utf-8"?>
-<p:sld xmlns:a="http://schemas.openxmlformats.org/drawingml/2006/main" xmlns:r="http://schemas.openxmlformats.org/officeDocument/2006/relationships" xmlns:p="http://schemas.openxmlformats.org/presentationml/2006/main">
-  <p:cSld>
-    <p:spTree>
-      <p:nvGrpSpPr>
-        <p:cNvPr id="1" name=""/>
-        <p:cNvGrpSpPr/>
-        <p:nvPr/>
-      </p:nvGrpSpPr>
-      <p:grpSpPr>
-        <a:xfrm>
-          <a:off x="0" y="0"/>
-          <a:ext cx="0" cy="0"/>
-          <a:chOff x="0" y="0"/>
-          <a:chExt cx="0" cy="0"/>
-        </a:xfrm>
-      </p:grpSpPr>
-      <p:sp>
-        <p:nvSpPr>
-          <p:cNvPr id="3" name="מציין מיקום תוכן 2">
-            <a:extLst>
-              <a:ext uri="{FF2B5EF4-FFF2-40B4-BE49-F238E27FC236}">
-                <a16:creationId xmlns="" xmlns:a16="http://schemas.microsoft.com/office/drawing/2014/main" id="{698DFE09-61A8-4594-BF18-0CEC6811CAC4}"/>
-              </a:ext>
-            </a:extLst>
-          </p:cNvPr>
-          <p:cNvSpPr>
-            <a:spLocks noGrp="1"/>
-          </p:cNvSpPr>
-          <p:nvPr>
-            <p:ph idx="4294967295"/>
-          </p:nvPr>
-        </p:nvSpPr>
-        <p:spPr>
-          <a:xfrm>
-            <a:off x="0" y="1825625"/>
-            <a:ext cx="7886700" cy="4351338"/>
-          </a:xfrm>
-        </p:spPr>
-        <p:txBody>
-          <a:bodyPr>
-            <a:normAutofit fontScale="92500" lnSpcReduction="20000"/>
-          </a:bodyPr>
-          <a:lstStyle/>
-          <a:p>
-            <a:pPr algn="l" rtl="0"/>
-            <a:r>
-              <a:rPr lang="en-US" sz="3200" dirty="0"/>
-              <a:t>Device and Architecture </a:t>
-            </a:r>
-          </a:p>
-          <a:p>
-            <a:pPr marL="0" indent="0" algn="l" rtl="0">
-              <a:buNone/>
-            </a:pPr>
-            <a:endParaRPr lang="en-US" sz="3200" dirty="0"/>
-          </a:p>
-          <a:p>
-            <a:pPr algn="l" rtl="0"/>
-            <a:r>
-              <a:rPr lang="en-US" sz="3200" dirty="0"/>
-              <a:t>Server side, API and Security</a:t>
-            </a:r>
-          </a:p>
-          <a:p>
-            <a:pPr marL="0" indent="0" algn="l" rtl="0">
-              <a:buNone/>
-            </a:pPr>
-            <a:endParaRPr lang="en-US" sz="3200" dirty="0"/>
-          </a:p>
-          <a:p>
-            <a:pPr algn="l" rtl="0"/>
-            <a:r>
-              <a:rPr lang="en-US" sz="3200" dirty="0"/>
-              <a:t>Client side and Web Site</a:t>
-            </a:r>
-          </a:p>
-          <a:p>
-            <a:pPr marL="0" indent="0" algn="l" rtl="0">
-              <a:buNone/>
-            </a:pPr>
-            <a:endParaRPr lang="en-US" sz="3200" dirty="0"/>
-          </a:p>
-          <a:p>
-            <a:pPr algn="l" rtl="0"/>
-            <a:r>
-              <a:rPr lang="en-US" sz="3200" dirty="0"/>
-              <a:t>System Demo view</a:t>
-            </a:r>
-          </a:p>
-          <a:p>
-            <a:pPr algn="l" rtl="0"/>
-            <a:endParaRPr lang="he-IL" dirty="0"/>
-          </a:p>
-        </p:txBody>
-      </p:sp>
-      <p:sp>
-        <p:nvSpPr>
-          <p:cNvPr id="4" name="Title 1">
-            <a:extLst>
-              <a:ext uri="{FF2B5EF4-FFF2-40B4-BE49-F238E27FC236}">
-                <a16:creationId xmlns="" xmlns:a16="http://schemas.microsoft.com/office/drawing/2014/main" id="{3340FA19-5350-4C8D-8473-7DB94F143C43}"/>
-              </a:ext>
-            </a:extLst>
-          </p:cNvPr>
-          <p:cNvSpPr txBox="1">
-            <a:spLocks/>
-          </p:cNvSpPr>
-          <p:nvPr/>
-        </p:nvSpPr>
-        <p:spPr>
-          <a:xfrm>
-            <a:off x="1143000" y="-304800"/>
-            <a:ext cx="6858000" cy="2387600"/>
-          </a:xfrm>
-          <a:prstGeom prst="rect">
-            <a:avLst/>
-          </a:prstGeom>
-        </p:spPr>
-        <p:txBody>
-          <a:bodyPr vert="horz" lIns="91440" tIns="45720" rIns="91440" bIns="45720" rtlCol="0" anchor="ctr">
-            <a:normAutofit/>
-          </a:bodyPr>
-          <a:lstStyle>
-            <a:lvl1pPr algn="ctr" defTabSz="914400" rtl="0" eaLnBrk="1" latinLnBrk="0" hangingPunct="1">
-              <a:lnSpc>
-                <a:spcPct val="90000"/>
-              </a:lnSpc>
-              <a:spcBef>
-                <a:spcPct val="0"/>
-              </a:spcBef>
-              <a:buNone/>
-              <a:defRPr sz="3200" b="0" i="0" kern="1200" cap="all">
-                <a:solidFill>
-                  <a:schemeClr val="accent1"/>
-                </a:solidFill>
-                <a:effectLst/>
-                <a:latin typeface="+mj-lt"/>
-                <a:ea typeface="+mj-ea"/>
-                <a:cs typeface="+mj-cs"/>
-              </a:defRPr>
-            </a:lvl1pPr>
-          </a:lstStyle>
-          <a:p>
-            <a:r>
-              <a:rPr lang="en-US" dirty="0" smtClean="0"/>
-              <a:t>Today we will show you</a:t>
-            </a:r>
-            <a:endParaRPr lang="en-US" dirty="0"/>
-          </a:p>
-        </p:txBody>
-      </p:sp>
-    </p:spTree>
-    <p:extLst>
-      <p:ext uri="{BB962C8B-B14F-4D97-AF65-F5344CB8AC3E}">
-        <p14:creationId xmlns:p14="http://schemas.microsoft.com/office/powerpoint/2010/main" val="1408359820"/>
-      </p:ext>
-    </p:extLst>
-  </p:cSld>
-  <p:clrMapOvr>
-    <a:masterClrMapping/>
-  </p:clrMapOvr>
-  <p:timing>
-    <p:tnLst>
-      <p:par>
-        <p:cTn id="1" dur="indefinite" restart="never" nodeType="tmRoot"/>
-      </p:par>
-    </p:tnLst>
-  </p:timing>
-</p:sld>
-</file>
-
-<file path=ppt/slides/slide20.xml><?xml version="1.0" encoding="utf-8"?>
+<file path=ppt/slides/slide21.xml><?xml version="1.0" encoding="utf-8"?>
 <p:sld xmlns:a="http://schemas.openxmlformats.org/drawingml/2006/main" xmlns:r="http://schemas.openxmlformats.org/officeDocument/2006/relationships" xmlns:p="http://schemas.openxmlformats.org/presentationml/2006/main">
   <p:cSld>
     <p:spTree>
@@ -11214,164 +11653,6 @@
     <p:extLst>
       <p:ext uri="{BB962C8B-B14F-4D97-AF65-F5344CB8AC3E}">
         <p14:creationId xmlns:p14="http://schemas.microsoft.com/office/powerpoint/2010/main" val="2410576803"/>
-      </p:ext>
-    </p:extLst>
-  </p:cSld>
-  <p:clrMapOvr>
-    <a:masterClrMapping/>
-  </p:clrMapOvr>
-  <p:timing>
-    <p:tnLst>
-      <p:par>
-        <p:cTn id="1" dur="indefinite" restart="never" nodeType="tmRoot"/>
-      </p:par>
-    </p:tnLst>
-  </p:timing>
-</p:sld>
-</file>
-
-<file path=ppt/slides/slide21.xml><?xml version="1.0" encoding="utf-8"?>
-<p:sld xmlns:a="http://schemas.openxmlformats.org/drawingml/2006/main" xmlns:r="http://schemas.openxmlformats.org/officeDocument/2006/relationships" xmlns:p="http://schemas.openxmlformats.org/presentationml/2006/main">
-  <p:cSld>
-    <p:spTree>
-      <p:nvGrpSpPr>
-        <p:cNvPr id="1" name=""/>
-        <p:cNvGrpSpPr/>
-        <p:nvPr/>
-      </p:nvGrpSpPr>
-      <p:grpSpPr>
-        <a:xfrm>
-          <a:off x="0" y="0"/>
-          <a:ext cx="0" cy="0"/>
-          <a:chOff x="0" y="0"/>
-          <a:chExt cx="0" cy="0"/>
-        </a:xfrm>
-      </p:grpSpPr>
-      <p:pic>
-        <p:nvPicPr>
-          <p:cNvPr id="7" name="מציין מיקום תוכן 6">
-            <a:extLst>
-              <a:ext uri="{FF2B5EF4-FFF2-40B4-BE49-F238E27FC236}">
-                <a16:creationId xmlns="" xmlns:a16="http://schemas.microsoft.com/office/drawing/2014/main" id="{3A2740AC-634A-43F2-8283-D8CE53037153}"/>
-              </a:ext>
-            </a:extLst>
-          </p:cNvPr>
-          <p:cNvPicPr>
-            <a:picLocks noGrp="1" noChangeAspect="1"/>
-          </p:cNvPicPr>
-          <p:nvPr>
-            <p:ph idx="4294967295"/>
-          </p:nvPr>
-        </p:nvPicPr>
-        <p:blipFill rotWithShape="1">
-          <a:blip r:embed="rId2"/>
-          <a:srcRect t="11065" r="1988" b="5525"/>
-          <a:stretch/>
-        </p:blipFill>
-        <p:spPr>
-          <a:xfrm>
-            <a:off x="914400" y="2057400"/>
-            <a:ext cx="7099300" cy="4528476"/>
-          </a:xfrm>
-          <a:prstGeom prst="rect">
-            <a:avLst/>
-          </a:prstGeom>
-        </p:spPr>
-      </p:pic>
-      <p:sp>
-        <p:nvSpPr>
-          <p:cNvPr id="6" name="תיבת טקסט 5">
-            <a:extLst>
-              <a:ext uri="{FF2B5EF4-FFF2-40B4-BE49-F238E27FC236}">
-                <a16:creationId xmlns="" xmlns:a16="http://schemas.microsoft.com/office/drawing/2014/main" id="{6F53886E-BACB-40EC-804C-B4E03AA9CC9B}"/>
-              </a:ext>
-            </a:extLst>
-          </p:cNvPr>
-          <p:cNvSpPr txBox="1"/>
-          <p:nvPr/>
-        </p:nvSpPr>
-        <p:spPr>
-          <a:xfrm>
-            <a:off x="467140" y="1219202"/>
-            <a:ext cx="8140148" cy="646331"/>
-          </a:xfrm>
-          <a:prstGeom prst="rect">
-            <a:avLst/>
-          </a:prstGeom>
-          <a:noFill/>
-        </p:spPr>
-        <p:txBody>
-          <a:bodyPr wrap="square" rtlCol="1">
-            <a:spAutoFit/>
-          </a:bodyPr>
-          <a:lstStyle/>
-          <a:p>
-            <a:pPr rtl="1"/>
-            <a:r>
-              <a:rPr lang="en-US" dirty="0"/>
-              <a:t>In this page we can see how much did it cost using this device according to the power and the cost of one KW</a:t>
-            </a:r>
-            <a:r>
-              <a:rPr lang="he-IL" dirty="0"/>
-              <a:t> </a:t>
-            </a:r>
-          </a:p>
-        </p:txBody>
-      </p:sp>
-      <p:sp>
-        <p:nvSpPr>
-          <p:cNvPr id="5" name="Title 1"/>
-          <p:cNvSpPr txBox="1">
-            <a:spLocks/>
-          </p:cNvSpPr>
-          <p:nvPr/>
-        </p:nvSpPr>
-        <p:spPr>
-          <a:xfrm>
-            <a:off x="609600" y="381000"/>
-            <a:ext cx="7886700" cy="1325563"/>
-          </a:xfrm>
-          <a:prstGeom prst="rect">
-            <a:avLst/>
-          </a:prstGeom>
-        </p:spPr>
-        <p:txBody>
-          <a:bodyPr vert="horz" lIns="91440" tIns="45720" rIns="91440" bIns="45720" rtlCol="0" anchor="ctr">
-            <a:normAutofit/>
-          </a:bodyPr>
-          <a:lstStyle>
-            <a:lvl1pPr algn="ctr" defTabSz="914400" rtl="0" eaLnBrk="1" latinLnBrk="0" hangingPunct="1">
-              <a:lnSpc>
-                <a:spcPct val="90000"/>
-              </a:lnSpc>
-              <a:spcBef>
-                <a:spcPct val="0"/>
-              </a:spcBef>
-              <a:buNone/>
-              <a:defRPr sz="3200" b="0" i="0" kern="1200" cap="all">
-                <a:solidFill>
-                  <a:schemeClr val="accent1"/>
-                </a:solidFill>
-                <a:effectLst/>
-                <a:latin typeface="+mj-lt"/>
-                <a:ea typeface="+mj-ea"/>
-                <a:cs typeface="+mj-cs"/>
-              </a:defRPr>
-            </a:lvl1pPr>
-          </a:lstStyle>
-          <a:p>
-            <a:r>
-              <a:rPr lang="en-US" dirty="0" smtClean="0"/>
-              <a:t>Power consumption</a:t>
-            </a:r>
-            <a:endParaRPr lang="he-IL" dirty="0"/>
-          </a:p>
-        </p:txBody>
-      </p:sp>
-    </p:spTree>
-    <p:extLst>
-      <p:ext uri="{BB962C8B-B14F-4D97-AF65-F5344CB8AC3E}">
-        <p14:creationId xmlns:p14="http://schemas.microsoft.com/office/powerpoint/2010/main" val="1027595518"/>
       </p:ext>
     </p:extLst>
   </p:cSld>
@@ -11405,6 +11686,164 @@
           <a:chExt cx="0" cy="0"/>
         </a:xfrm>
       </p:grpSpPr>
+      <p:pic>
+        <p:nvPicPr>
+          <p:cNvPr id="7" name="מציין מיקום תוכן 6">
+            <a:extLst>
+              <a:ext uri="{FF2B5EF4-FFF2-40B4-BE49-F238E27FC236}">
+                <a16:creationId xmlns="" xmlns:a16="http://schemas.microsoft.com/office/drawing/2014/main" id="{3A2740AC-634A-43F2-8283-D8CE53037153}"/>
+              </a:ext>
+            </a:extLst>
+          </p:cNvPr>
+          <p:cNvPicPr>
+            <a:picLocks noGrp="1" noChangeAspect="1"/>
+          </p:cNvPicPr>
+          <p:nvPr>
+            <p:ph idx="4294967295"/>
+          </p:nvPr>
+        </p:nvPicPr>
+        <p:blipFill rotWithShape="1">
+          <a:blip r:embed="rId2"/>
+          <a:srcRect t="11065" r="1988" b="5525"/>
+          <a:stretch/>
+        </p:blipFill>
+        <p:spPr>
+          <a:xfrm>
+            <a:off x="914400" y="2057400"/>
+            <a:ext cx="7099300" cy="4528476"/>
+          </a:xfrm>
+          <a:prstGeom prst="rect">
+            <a:avLst/>
+          </a:prstGeom>
+        </p:spPr>
+      </p:pic>
+      <p:sp>
+        <p:nvSpPr>
+          <p:cNvPr id="6" name="תיבת טקסט 5">
+            <a:extLst>
+              <a:ext uri="{FF2B5EF4-FFF2-40B4-BE49-F238E27FC236}">
+                <a16:creationId xmlns="" xmlns:a16="http://schemas.microsoft.com/office/drawing/2014/main" id="{6F53886E-BACB-40EC-804C-B4E03AA9CC9B}"/>
+              </a:ext>
+            </a:extLst>
+          </p:cNvPr>
+          <p:cNvSpPr txBox="1"/>
+          <p:nvPr/>
+        </p:nvSpPr>
+        <p:spPr>
+          <a:xfrm>
+            <a:off x="467140" y="1219202"/>
+            <a:ext cx="8140148" cy="646331"/>
+          </a:xfrm>
+          <a:prstGeom prst="rect">
+            <a:avLst/>
+          </a:prstGeom>
+          <a:noFill/>
+        </p:spPr>
+        <p:txBody>
+          <a:bodyPr wrap="square" rtlCol="1">
+            <a:spAutoFit/>
+          </a:bodyPr>
+          <a:lstStyle/>
+          <a:p>
+            <a:pPr rtl="1"/>
+            <a:r>
+              <a:rPr lang="en-US" dirty="0"/>
+              <a:t>In this page we can see how much did it cost using this device according to the power and the cost of one KW</a:t>
+            </a:r>
+            <a:r>
+              <a:rPr lang="he-IL" dirty="0"/>
+              <a:t> </a:t>
+            </a:r>
+          </a:p>
+        </p:txBody>
+      </p:sp>
+      <p:sp>
+        <p:nvSpPr>
+          <p:cNvPr id="5" name="Title 1"/>
+          <p:cNvSpPr txBox="1">
+            <a:spLocks/>
+          </p:cNvSpPr>
+          <p:nvPr/>
+        </p:nvSpPr>
+        <p:spPr>
+          <a:xfrm>
+            <a:off x="609600" y="381000"/>
+            <a:ext cx="7886700" cy="1325563"/>
+          </a:xfrm>
+          <a:prstGeom prst="rect">
+            <a:avLst/>
+          </a:prstGeom>
+        </p:spPr>
+        <p:txBody>
+          <a:bodyPr vert="horz" lIns="91440" tIns="45720" rIns="91440" bIns="45720" rtlCol="0" anchor="ctr">
+            <a:normAutofit/>
+          </a:bodyPr>
+          <a:lstStyle>
+            <a:lvl1pPr algn="ctr" defTabSz="914400" rtl="0" eaLnBrk="1" latinLnBrk="0" hangingPunct="1">
+              <a:lnSpc>
+                <a:spcPct val="90000"/>
+              </a:lnSpc>
+              <a:spcBef>
+                <a:spcPct val="0"/>
+              </a:spcBef>
+              <a:buNone/>
+              <a:defRPr sz="3200" b="0" i="0" kern="1200" cap="all">
+                <a:solidFill>
+                  <a:schemeClr val="accent1"/>
+                </a:solidFill>
+                <a:effectLst/>
+                <a:latin typeface="+mj-lt"/>
+                <a:ea typeface="+mj-ea"/>
+                <a:cs typeface="+mj-cs"/>
+              </a:defRPr>
+            </a:lvl1pPr>
+          </a:lstStyle>
+          <a:p>
+            <a:r>
+              <a:rPr lang="en-US" dirty="0" smtClean="0"/>
+              <a:t>Power consumption</a:t>
+            </a:r>
+            <a:endParaRPr lang="he-IL" dirty="0"/>
+          </a:p>
+        </p:txBody>
+      </p:sp>
+    </p:spTree>
+    <p:extLst>
+      <p:ext uri="{BB962C8B-B14F-4D97-AF65-F5344CB8AC3E}">
+        <p14:creationId xmlns:p14="http://schemas.microsoft.com/office/powerpoint/2010/main" val="1027595518"/>
+      </p:ext>
+    </p:extLst>
+  </p:cSld>
+  <p:clrMapOvr>
+    <a:masterClrMapping/>
+  </p:clrMapOvr>
+  <p:timing>
+    <p:tnLst>
+      <p:par>
+        <p:cTn id="1" dur="indefinite" restart="never" nodeType="tmRoot"/>
+      </p:par>
+    </p:tnLst>
+  </p:timing>
+</p:sld>
+</file>
+
+<file path=ppt/slides/slide23.xml><?xml version="1.0" encoding="utf-8"?>
+<p:sld xmlns:a="http://schemas.openxmlformats.org/drawingml/2006/main" xmlns:r="http://schemas.openxmlformats.org/officeDocument/2006/relationships" xmlns:p="http://schemas.openxmlformats.org/presentationml/2006/main">
+  <p:cSld>
+    <p:spTree>
+      <p:nvGrpSpPr>
+        <p:cNvPr id="1" name=""/>
+        <p:cNvGrpSpPr/>
+        <p:nvPr/>
+      </p:nvGrpSpPr>
+      <p:grpSpPr>
+        <a:xfrm>
+          <a:off x="0" y="0"/>
+          <a:ext cx="0" cy="0"/>
+          <a:chOff x="0" y="0"/>
+          <a:chExt cx="0" cy="0"/>
+        </a:xfrm>
+      </p:grpSpPr>
       <p:sp>
         <p:nvSpPr>
           <p:cNvPr id="2" name="Title 1"/>
@@ -11453,7 +11892,7 @@
 </p:sld>
 </file>
 
-<file path=ppt/slides/slide23.xml><?xml version="1.0" encoding="utf-8"?>
+<file path=ppt/slides/slide24.xml><?xml version="1.0" encoding="utf-8"?>
 <p:sld xmlns:a="http://schemas.openxmlformats.org/drawingml/2006/main" xmlns:r="http://schemas.openxmlformats.org/officeDocument/2006/relationships" xmlns:p="http://schemas.openxmlformats.org/presentationml/2006/main">
   <p:cSld>
     <p:spTree>
@@ -11874,6 +12313,13 @@
   <p:clrMapOvr>
     <a:masterClrMapping/>
   </p:clrMapOvr>
+  <p:timing>
+    <p:tnLst>
+      <p:par>
+        <p:cTn id="1" dur="indefinite" restart="never" nodeType="tmRoot"/>
+      </p:par>
+    </p:tnLst>
+  </p:timing>
 </p:sld>
 </file>
 

--- a/Project Submission/Presentation/Full Presentation.pptx
+++ b/Project Submission/Presentation/Full Presentation.pptx
@@ -13143,18 +13143,10 @@
           <a:lstStyle/>
           <a:p>
             <a:r>
-              <a:rPr lang="en-US" dirty="0" err="1">
-                <a:solidFill>
-                  <a:prstClr val="black"/>
-                </a:solidFill>
-              </a:rPr>
+              <a:rPr lang="en-US" dirty="0" err="1"/>
               <a:t>Websockets</a:t>
             </a:r>
-            <a:endParaRPr lang="he-IL" dirty="0">
-              <a:solidFill>
-                <a:prstClr val="black"/>
-              </a:solidFill>
-            </a:endParaRPr>
+            <a:endParaRPr lang="he-IL" dirty="0"/>
           </a:p>
         </p:txBody>
       </p:sp>
@@ -13348,6 +13340,13 @@
   <p:clrMapOvr>
     <a:masterClrMapping/>
   </p:clrMapOvr>
+  <p:timing>
+    <p:tnLst>
+      <p:par>
+        <p:cTn id="1" dur="indefinite" restart="never" nodeType="tmRoot"/>
+      </p:par>
+    </p:tnLst>
+  </p:timing>
 </p:sld>
 </file>
 

--- a/Project Submission/Presentation/Full Presentation.pptx
+++ b/Project Submission/Presentation/Full Presentation.pptx
@@ -128,6 +128,22 @@
       </a:defRPr>
     </a:lvl9pPr>
   </p:defaultTextStyle>
+  <p:extLst>
+    <p:ext uri="{EFAFB233-063F-42B5-8137-9DF3F51BA10A}">
+      <p15:sldGuideLst xmlns:p15="http://schemas.microsoft.com/office/powerpoint/2012/main">
+        <p15:guide id="1" orient="horz" pos="2160">
+          <p15:clr>
+            <a:srgbClr val="A4A3A4"/>
+          </p15:clr>
+        </p15:guide>
+        <p15:guide id="2" pos="2880">
+          <p15:clr>
+            <a:srgbClr val="A4A3A4"/>
+          </p15:clr>
+        </p15:guide>
+      </p15:sldGuideLst>
+    </p:ext>
+  </p:extLst>
 </p:presentation>
 </file>
 
@@ -277,7 +293,7 @@
                 </a:solidFill>
               </a:rPr>
               <a:pPr/>
-              <a:t>7/29/2019</a:t>
+              <a:t>30/07/19</a:t>
             </a:fld>
             <a:endParaRPr lang="en-US" dirty="0">
               <a:solidFill>
@@ -485,7 +501,7 @@
                 </a:solidFill>
               </a:rPr>
               <a:pPr/>
-              <a:t>7/29/2019</a:t>
+              <a:t>30/07/19</a:t>
             </a:fld>
             <a:endParaRPr lang="en-US" dirty="0">
               <a:solidFill>
@@ -697,7 +713,7 @@
                 </a:solidFill>
               </a:rPr>
               <a:pPr/>
-              <a:t>7/29/2019</a:t>
+              <a:t>30/07/19</a:t>
             </a:fld>
             <a:endParaRPr lang="en-US" dirty="0">
               <a:solidFill>
@@ -925,7 +941,7 @@
                 </a:solidFill>
               </a:rPr>
               <a:pPr/>
-              <a:t>7/29/2019</a:t>
+              <a:t>30/07/19</a:t>
             </a:fld>
             <a:endParaRPr lang="en-US" dirty="0">
               <a:solidFill>
@@ -1133,7 +1149,7 @@
                 </a:solidFill>
               </a:rPr>
               <a:pPr/>
-              <a:t>7/29/2019</a:t>
+              <a:t>30/07/19</a:t>
             </a:fld>
             <a:endParaRPr lang="en-US" dirty="0">
               <a:solidFill>
@@ -1409,7 +1425,7 @@
                 </a:solidFill>
               </a:rPr>
               <a:pPr/>
-              <a:t>7/29/2019</a:t>
+              <a:t>30/07/19</a:t>
             </a:fld>
             <a:endParaRPr lang="en-US" dirty="0">
               <a:solidFill>
@@ -1674,7 +1690,7 @@
                 </a:solidFill>
               </a:rPr>
               <a:pPr/>
-              <a:t>7/29/2019</a:t>
+              <a:t>30/07/19</a:t>
             </a:fld>
             <a:endParaRPr lang="en-US" dirty="0">
               <a:solidFill>
@@ -2087,7 +2103,7 @@
                 </a:solidFill>
               </a:rPr>
               <a:pPr/>
-              <a:t>7/29/2019</a:t>
+              <a:t>30/07/19</a:t>
             </a:fld>
             <a:endParaRPr lang="en-US" dirty="0">
               <a:solidFill>
@@ -2233,7 +2249,7 @@
                 </a:solidFill>
               </a:rPr>
               <a:pPr/>
-              <a:t>7/29/2019</a:t>
+              <a:t>30/07/19</a:t>
             </a:fld>
             <a:endParaRPr lang="en-US" dirty="0">
               <a:solidFill>
@@ -2356,7 +2372,7 @@
                 </a:solidFill>
               </a:rPr>
               <a:pPr/>
-              <a:t>7/29/2019</a:t>
+              <a:t>30/07/19</a:t>
             </a:fld>
             <a:endParaRPr lang="en-US" dirty="0">
               <a:solidFill>
@@ -2635,7 +2651,7 @@
                 </a:solidFill>
               </a:rPr>
               <a:pPr/>
-              <a:t>7/29/2019</a:t>
+              <a:t>30/07/19</a:t>
             </a:fld>
             <a:endParaRPr lang="en-US" dirty="0">
               <a:solidFill>
@@ -2833,7 +2849,7 @@
                 </a:solidFill>
               </a:rPr>
               <a:pPr/>
-              <a:t>7/29/2019</a:t>
+              <a:t>30/07/19</a:t>
             </a:fld>
             <a:endParaRPr lang="en-US" dirty="0">
               <a:solidFill>
@@ -3252,7 +3268,7 @@
                 </a:solidFill>
               </a:rPr>
               <a:pPr/>
-              <a:t>7/29/2019</a:t>
+              <a:t>30/07/19</a:t>
             </a:fld>
             <a:endParaRPr lang="en-US" dirty="0">
               <a:solidFill>
@@ -3455,7 +3471,7 @@
                 </a:solidFill>
               </a:rPr>
               <a:pPr/>
-              <a:t>7/29/2019</a:t>
+              <a:t>30/07/19</a:t>
             </a:fld>
             <a:endParaRPr lang="en-US" dirty="0">
               <a:solidFill>
@@ -3667,7 +3683,7 @@
                 </a:solidFill>
               </a:rPr>
               <a:pPr/>
-              <a:t>7/29/2019</a:t>
+              <a:t>30/07/19</a:t>
             </a:fld>
             <a:endParaRPr lang="en-US" dirty="0">
               <a:solidFill>
@@ -3943,7 +3959,7 @@
                 </a:solidFill>
               </a:rPr>
               <a:pPr/>
-              <a:t>7/29/2019</a:t>
+              <a:t>30/07/19</a:t>
             </a:fld>
             <a:endParaRPr lang="en-US" dirty="0">
               <a:solidFill>
@@ -4208,7 +4224,7 @@
                 </a:solidFill>
               </a:rPr>
               <a:pPr/>
-              <a:t>7/29/2019</a:t>
+              <a:t>30/07/19</a:t>
             </a:fld>
             <a:endParaRPr lang="en-US" dirty="0">
               <a:solidFill>
@@ -4621,7 +4637,7 @@
                 </a:solidFill>
               </a:rPr>
               <a:pPr/>
-              <a:t>7/29/2019</a:t>
+              <a:t>30/07/19</a:t>
             </a:fld>
             <a:endParaRPr lang="en-US" dirty="0">
               <a:solidFill>
@@ -4767,7 +4783,7 @@
                 </a:solidFill>
               </a:rPr>
               <a:pPr/>
-              <a:t>7/29/2019</a:t>
+              <a:t>30/07/19</a:t>
             </a:fld>
             <a:endParaRPr lang="en-US" dirty="0">
               <a:solidFill>
@@ -4890,7 +4906,7 @@
                 </a:solidFill>
               </a:rPr>
               <a:pPr/>
-              <a:t>7/29/2019</a:t>
+              <a:t>30/07/19</a:t>
             </a:fld>
             <a:endParaRPr lang="en-US" dirty="0">
               <a:solidFill>
@@ -5169,7 +5185,7 @@
                 </a:solidFill>
               </a:rPr>
               <a:pPr/>
-              <a:t>7/29/2019</a:t>
+              <a:t>30/07/19</a:t>
             </a:fld>
             <a:endParaRPr lang="en-US" dirty="0">
               <a:solidFill>
@@ -5588,7 +5604,7 @@
                 </a:solidFill>
               </a:rPr>
               <a:pPr/>
-              <a:t>7/29/2019</a:t>
+              <a:t>30/07/19</a:t>
             </a:fld>
             <a:endParaRPr lang="en-US" dirty="0">
               <a:solidFill>
@@ -5855,7 +5871,7 @@
                 </a:solidFill>
               </a:rPr>
               <a:pPr defTabSz="457200"/>
-              <a:t>7/29/2019</a:t>
+              <a:t>30/07/19</a:t>
             </a:fld>
             <a:endParaRPr lang="en-US" dirty="0">
               <a:solidFill>
@@ -6587,7 +6603,7 @@
                 </a:solidFill>
               </a:rPr>
               <a:pPr defTabSz="457200"/>
-              <a:t>7/29/2019</a:t>
+              <a:t>30/07/19</a:t>
             </a:fld>
             <a:endParaRPr lang="en-US" dirty="0">
               <a:solidFill>
@@ -7181,7 +7197,7 @@
           <p:cNvPr id="3" name="כותרת משנה 2">
             <a:extLst>
               <a:ext uri="{FF2B5EF4-FFF2-40B4-BE49-F238E27FC236}">
-                <a16:creationId xmlns="" xmlns:a16="http://schemas.microsoft.com/office/drawing/2014/main" id="{15C9C9AF-C145-4969-898B-C22A96B6E227}"/>
+                <a16:creationId xmlns:a16="http://schemas.microsoft.com/office/drawing/2014/main" id="{15C9C9AF-C145-4969-898B-C22A96B6E227}"/>
               </a:ext>
             </a:extLst>
           </p:cNvPr>
@@ -7257,7 +7273,7 @@
           <p:cNvPr id="4" name="Title 1">
             <a:extLst>
               <a:ext uri="{FF2B5EF4-FFF2-40B4-BE49-F238E27FC236}">
-                <a16:creationId xmlns="" xmlns:a16="http://schemas.microsoft.com/office/drawing/2014/main" id="{3340FA19-5350-4C8D-8473-7DB94F143C43}"/>
+                <a16:creationId xmlns:a16="http://schemas.microsoft.com/office/drawing/2014/main" id="{3340FA19-5350-4C8D-8473-7DB94F143C43}"/>
               </a:ext>
             </a:extLst>
           </p:cNvPr>
@@ -7301,10 +7317,9 @@
           </a:lstStyle>
           <a:p>
             <a:r>
-              <a:rPr lang="en-US" dirty="0" smtClean="0"/>
+              <a:rPr lang="en-US" dirty="0"/>
               <a:t>Smart Switch</a:t>
             </a:r>
-            <a:endParaRPr lang="en-US" dirty="0"/>
           </a:p>
         </p:txBody>
       </p:sp>
@@ -7318,13 +7333,6 @@
   <p:clrMapOvr>
     <a:masterClrMapping/>
   </p:clrMapOvr>
-  <p:timing>
-    <p:tnLst>
-      <p:par>
-        <p:cTn id="1" dur="indefinite" restart="never" nodeType="tmRoot"/>
-      </p:par>
-    </p:tnLst>
-  </p:timing>
 </p:sld>
 </file>
 
@@ -7374,7 +7382,7 @@
           <p:cNvPr id="2" name="כותרת 1">
             <a:extLst>
               <a:ext uri="{FF2B5EF4-FFF2-40B4-BE49-F238E27FC236}">
-                <a16:creationId xmlns:a16="http://schemas.microsoft.com/office/drawing/2014/main" xmlns="" id="{00914A14-C61F-4A0D-8FE7-83DE258FFE63}"/>
+                <a16:creationId xmlns:a16="http://schemas.microsoft.com/office/drawing/2014/main" id="{00914A14-C61F-4A0D-8FE7-83DE258FFE63}"/>
               </a:ext>
             </a:extLst>
           </p:cNvPr>
@@ -7409,7 +7417,7 @@
           <p:cNvPr id="9" name="Content Placeholder 8">
             <a:extLst>
               <a:ext uri="{FF2B5EF4-FFF2-40B4-BE49-F238E27FC236}">
-                <a16:creationId xmlns:a16="http://schemas.microsoft.com/office/drawing/2014/main" xmlns="" id="{A59406EA-FD41-4275-B5DD-0C346F5F97FF}"/>
+                <a16:creationId xmlns:a16="http://schemas.microsoft.com/office/drawing/2014/main" id="{A59406EA-FD41-4275-B5DD-0C346F5F97FF}"/>
               </a:ext>
             </a:extLst>
           </p:cNvPr>
@@ -7466,7 +7474,7 @@
           <p:cNvPr id="5" name="תמונה 4" descr="תמונה שמכילה צילום מסך&#10;&#10;התיאור נוצר באופן אוטומטי">
             <a:extLst>
               <a:ext uri="{FF2B5EF4-FFF2-40B4-BE49-F238E27FC236}">
-                <a16:creationId xmlns:a16="http://schemas.microsoft.com/office/drawing/2014/main" xmlns="" id="{9C1C45F3-A4DD-416D-B302-B998C48CE258}"/>
+                <a16:creationId xmlns:a16="http://schemas.microsoft.com/office/drawing/2014/main" id="{9C1C45F3-A4DD-416D-B302-B998C48CE258}"/>
               </a:ext>
             </a:extLst>
           </p:cNvPr>
@@ -7503,13 +7511,6 @@
   <p:clrMapOvr>
     <a:masterClrMapping/>
   </p:clrMapOvr>
-  <p:timing>
-    <p:tnLst>
-      <p:par>
-        <p:cTn id="1" dur="indefinite" restart="never" nodeType="tmRoot"/>
-      </p:par>
-    </p:tnLst>
-  </p:timing>
 </p:sld>
 </file>
 
@@ -7535,10 +7536,10 @@
           <p:cNvPr id="131" name="Rectangle 107">
             <a:extLst>
               <a:ext uri="{FF2B5EF4-FFF2-40B4-BE49-F238E27FC236}">
-                <a16:creationId xmlns="" xmlns:a16="http://schemas.microsoft.com/office/drawing/2014/main" id="{71C0D3FB-08E2-4647-9033-B55AA6C38165}"/>
+                <a16:creationId xmlns:a16="http://schemas.microsoft.com/office/drawing/2014/main" id="{71C0D3FB-08E2-4647-9033-B55AA6C38165}"/>
               </a:ext>
               <a:ext uri="{C183D7F6-B498-43B3-948B-1728B52AA6E4}">
-                <adec:decorative xmlns="" xmlns:adec="http://schemas.microsoft.com/office/drawing/2017/decorative" val="1"/>
+                <adec:decorative xmlns:adec="http://schemas.microsoft.com/office/drawing/2017/decorative" val="1"/>
               </a:ext>
             </a:extLst>
           </p:cNvPr>
@@ -7548,7 +7549,7 @@
           <p:nvPr>
             <p:extLst>
               <p:ext uri="{386F3935-93C4-4BCD-93E2-E3B085C9AB24}">
-                <p16:designElem xmlns="" xmlns:p16="http://schemas.microsoft.com/office/powerpoint/2015/main" val="1"/>
+                <p16:designElem xmlns:p16="http://schemas.microsoft.com/office/powerpoint/2015/main" val="1"/>
               </p:ext>
             </p:extLst>
           </p:nvPr>
@@ -7603,10 +7604,10 @@
           <p:cNvPr id="132" name="Picture 109">
             <a:extLst>
               <a:ext uri="{FF2B5EF4-FFF2-40B4-BE49-F238E27FC236}">
-                <a16:creationId xmlns="" xmlns:a16="http://schemas.microsoft.com/office/drawing/2014/main" id="{5BB4D40C-33A3-4AC1-8A93-4DCFBCABF7F9}"/>
+                <a16:creationId xmlns:a16="http://schemas.microsoft.com/office/drawing/2014/main" id="{5BB4D40C-33A3-4AC1-8A93-4DCFBCABF7F9}"/>
               </a:ext>
               <a:ext uri="{C183D7F6-B498-43B3-948B-1728B52AA6E4}">
-                <adec:decorative xmlns="" xmlns:adec="http://schemas.microsoft.com/office/drawing/2017/decorative" val="1"/>
+                <adec:decorative xmlns:adec="http://schemas.microsoft.com/office/drawing/2017/decorative" val="1"/>
               </a:ext>
             </a:extLst>
           </p:cNvPr>
@@ -7616,7 +7617,7 @@
           <p:nvPr>
             <p:extLst>
               <p:ext uri="{386F3935-93C4-4BCD-93E2-E3B085C9AB24}">
-                <p16:designElem xmlns="" xmlns:p16="http://schemas.microsoft.com/office/powerpoint/2015/main" val="1"/>
+                <p16:designElem xmlns:p16="http://schemas.microsoft.com/office/powerpoint/2015/main" val="1"/>
               </p:ext>
             </p:extLst>
           </p:nvPr>
@@ -7647,10 +7648,10 @@
           <p:cNvPr id="133" name="Straight Connector 111">
             <a:extLst>
               <a:ext uri="{FF2B5EF4-FFF2-40B4-BE49-F238E27FC236}">
-                <a16:creationId xmlns="" xmlns:a16="http://schemas.microsoft.com/office/drawing/2014/main" id="{DFB9D73C-B9F2-42DB-B291-2286108EEBC7}"/>
+                <a16:creationId xmlns:a16="http://schemas.microsoft.com/office/drawing/2014/main" id="{DFB9D73C-B9F2-42DB-B291-2286108EEBC7}"/>
               </a:ext>
               <a:ext uri="{C183D7F6-B498-43B3-948B-1728B52AA6E4}">
-                <adec:decorative xmlns="" xmlns:adec="http://schemas.microsoft.com/office/drawing/2017/decorative" val="1"/>
+                <adec:decorative xmlns:adec="http://schemas.microsoft.com/office/drawing/2017/decorative" val="1"/>
               </a:ext>
             </a:extLst>
           </p:cNvPr>
@@ -7660,7 +7661,7 @@
           <p:nvPr>
             <p:extLst>
               <p:ext uri="{386F3935-93C4-4BCD-93E2-E3B085C9AB24}">
-                <p16:designElem xmlns="" xmlns:p16="http://schemas.microsoft.com/office/powerpoint/2015/main" val="1"/>
+                <p16:designElem xmlns:p16="http://schemas.microsoft.com/office/powerpoint/2015/main" val="1"/>
               </p:ext>
             </p:extLst>
           </p:nvPr>
@@ -7701,7 +7702,7 @@
           <p:cNvPr id="2" name="כותרת 1">
             <a:extLst>
               <a:ext uri="{FF2B5EF4-FFF2-40B4-BE49-F238E27FC236}">
-                <a16:creationId xmlns="" xmlns:a16="http://schemas.microsoft.com/office/drawing/2014/main" id="{00914A14-C61F-4A0D-8FE7-83DE258FFE63}"/>
+                <a16:creationId xmlns:a16="http://schemas.microsoft.com/office/drawing/2014/main" id="{00914A14-C61F-4A0D-8FE7-83DE258FFE63}"/>
               </a:ext>
             </a:extLst>
           </p:cNvPr>
@@ -7736,7 +7737,7 @@
           <p:cNvPr id="4" name="תמונה 3">
             <a:extLst>
               <a:ext uri="{FF2B5EF4-FFF2-40B4-BE49-F238E27FC236}">
-                <a16:creationId xmlns="" xmlns:a16="http://schemas.microsoft.com/office/drawing/2014/main" id="{C6D36F9A-D461-4CDB-AE26-991D98225D75}"/>
+                <a16:creationId xmlns:a16="http://schemas.microsoft.com/office/drawing/2014/main" id="{C6D36F9A-D461-4CDB-AE26-991D98225D75}"/>
               </a:ext>
             </a:extLst>
           </p:cNvPr>
@@ -7765,7 +7766,7 @@
           <p:cNvPr id="5" name="תמונה 4">
             <a:extLst>
               <a:ext uri="{FF2B5EF4-FFF2-40B4-BE49-F238E27FC236}">
-                <a16:creationId xmlns="" xmlns:a16="http://schemas.microsoft.com/office/drawing/2014/main" id="{35917DB2-9738-4B48-9D92-179E0D9195B3}"/>
+                <a16:creationId xmlns:a16="http://schemas.microsoft.com/office/drawing/2014/main" id="{35917DB2-9738-4B48-9D92-179E0D9195B3}"/>
               </a:ext>
             </a:extLst>
           </p:cNvPr>
@@ -7794,7 +7795,7 @@
           <p:cNvPr id="6" name="תמונה 5">
             <a:extLst>
               <a:ext uri="{FF2B5EF4-FFF2-40B4-BE49-F238E27FC236}">
-                <a16:creationId xmlns="" xmlns:a16="http://schemas.microsoft.com/office/drawing/2014/main" id="{0FC353A1-F3DE-4A49-AC4F-1DB855ED6EB2}"/>
+                <a16:creationId xmlns:a16="http://schemas.microsoft.com/office/drawing/2014/main" id="{0FC353A1-F3DE-4A49-AC4F-1DB855ED6EB2}"/>
               </a:ext>
             </a:extLst>
           </p:cNvPr>
@@ -7823,7 +7824,7 @@
           <p:cNvPr id="3" name="תמונה 2">
             <a:extLst>
               <a:ext uri="{FF2B5EF4-FFF2-40B4-BE49-F238E27FC236}">
-                <a16:creationId xmlns="" xmlns:a16="http://schemas.microsoft.com/office/drawing/2014/main" id="{9C2B3CFF-FFA4-4D6A-BBDA-40B19C3BB0E5}"/>
+                <a16:creationId xmlns:a16="http://schemas.microsoft.com/office/drawing/2014/main" id="{9C2B3CFF-FFA4-4D6A-BBDA-40B19C3BB0E5}"/>
               </a:ext>
             </a:extLst>
           </p:cNvPr>
@@ -7857,13 +7858,6 @@
   <p:clrMapOvr>
     <a:masterClrMapping/>
   </p:clrMapOvr>
-  <p:timing>
-    <p:tnLst>
-      <p:par>
-        <p:cTn id="1" dur="indefinite" restart="never" nodeType="tmRoot"/>
-      </p:par>
-    </p:tnLst>
-  </p:timing>
 </p:sld>
 </file>
 
@@ -7905,7 +7899,7 @@
           <a:lstStyle/>
           <a:p>
             <a:r>
-              <a:rPr lang="en-US" dirty="0" smtClean="0"/>
+              <a:rPr lang="en-US" dirty="0"/>
               <a:t>Front-end</a:t>
             </a:r>
             <a:endParaRPr lang="he-IL" dirty="0"/>
@@ -7917,7 +7911,7 @@
           <p:cNvPr id="4" name="Content Placeholder 3">
             <a:extLst>
               <a:ext uri="{FF2B5EF4-FFF2-40B4-BE49-F238E27FC236}">
-                <a16:creationId xmlns="" xmlns:a16="http://schemas.microsoft.com/office/drawing/2014/main" id="{1367783C-5032-4F97-BB0B-E92FF3AB3579}"/>
+                <a16:creationId xmlns:a16="http://schemas.microsoft.com/office/drawing/2014/main" id="{1367783C-5032-4F97-BB0B-E92FF3AB3579}"/>
               </a:ext>
             </a:extLst>
           </p:cNvPr>
@@ -8153,56 +8147,56 @@
               <a:buFont typeface="Arial" panose="020B0604020202020204" pitchFamily="34" charset="0"/>
               <a:buNone/>
             </a:pPr>
-            <a:endParaRPr lang="en-US" dirty="0" smtClean="0"/>
-          </a:p>
-          <a:p>
-            <a:r>
-              <a:rPr lang="en-US" dirty="0" smtClean="0"/>
+            <a:endParaRPr lang="en-US" dirty="0"/>
+          </a:p>
+          <a:p>
+            <a:r>
+              <a:rPr lang="en-US" dirty="0"/>
               <a:t>How we implemented moving between pages</a:t>
             </a:r>
           </a:p>
           <a:p>
             <a:pPr lvl="1"/>
             <a:r>
-              <a:rPr lang="en-US" dirty="0" smtClean="0"/>
+              <a:rPr lang="en-US" dirty="0"/>
               <a:t>Using an </a:t>
             </a:r>
             <a:r>
-              <a:rPr lang="en-US" dirty="0" err="1" smtClean="0"/>
+              <a:rPr lang="en-US" dirty="0" err="1"/>
               <a:t>iframe</a:t>
             </a:r>
             <a:r>
-              <a:rPr lang="en-US" dirty="0" smtClean="0"/>
+              <a:rPr lang="en-US" dirty="0"/>
               <a:t> object</a:t>
             </a:r>
           </a:p>
           <a:p>
             <a:r>
-              <a:rPr lang="en-US" dirty="0" smtClean="0"/>
+              <a:rPr lang="en-US" dirty="0"/>
               <a:t>How we transfer data from one page to another</a:t>
             </a:r>
           </a:p>
           <a:p>
             <a:pPr lvl="1"/>
             <a:r>
-              <a:rPr lang="en-US" dirty="0" err="1" smtClean="0"/>
-              <a:t>Serssion</a:t>
-            </a:r>
-            <a:r>
-              <a:rPr lang="en-US" dirty="0" smtClean="0"/>
-              <a:t> storage</a:t>
-            </a:r>
-          </a:p>
-          <a:p>
-            <a:r>
-              <a:rPr lang="en-US" dirty="0" smtClean="0"/>
+              <a:rPr lang="en-US"/>
+              <a:t>Session </a:t>
+            </a:r>
+            <a:r>
+              <a:rPr lang="en-US" dirty="0"/>
+              <a:t>storage</a:t>
+            </a:r>
+          </a:p>
+          <a:p>
+            <a:r>
+              <a:rPr lang="en-US" dirty="0"/>
               <a:t>Using sidebar as a logged in account</a:t>
             </a:r>
           </a:p>
           <a:p>
             <a:pPr lvl="1"/>
             <a:r>
-              <a:rPr lang="en-US" dirty="0" smtClean="0"/>
+              <a:rPr lang="en-US" dirty="0"/>
               <a:t>The Sidebar is changing after logging</a:t>
             </a:r>
           </a:p>
@@ -8251,7 +8245,7 @@
           </a:lstStyle>
           <a:p>
             <a:r>
-              <a:rPr lang="en-US" sz="2400" dirty="0" smtClean="0"/>
+              <a:rPr lang="en-US" sz="2400" dirty="0"/>
               <a:t>The big picture</a:t>
             </a:r>
             <a:endParaRPr lang="he-IL" dirty="0"/>
@@ -8268,13 +8262,6 @@
   <p:clrMapOvr>
     <a:masterClrMapping/>
   </p:clrMapOvr>
-  <p:timing>
-    <p:tnLst>
-      <p:par>
-        <p:cTn id="1" dur="indefinite" restart="never" nodeType="tmRoot"/>
-      </p:par>
-    </p:tnLst>
-  </p:timing>
 </p:sld>
 </file>
 
@@ -8316,7 +8303,7 @@
           <a:lstStyle/>
           <a:p>
             <a:r>
-              <a:rPr lang="en-US" dirty="0" smtClean="0"/>
+              <a:rPr lang="en-US" dirty="0"/>
               <a:t>Front-end</a:t>
             </a:r>
             <a:endParaRPr lang="he-IL" dirty="0"/>
@@ -8328,7 +8315,7 @@
           <p:cNvPr id="4" name="Content Placeholder 3">
             <a:extLst>
               <a:ext uri="{FF2B5EF4-FFF2-40B4-BE49-F238E27FC236}">
-                <a16:creationId xmlns="" xmlns:a16="http://schemas.microsoft.com/office/drawing/2014/main" id="{1367783C-5032-4F97-BB0B-E92FF3AB3579}"/>
+                <a16:creationId xmlns:a16="http://schemas.microsoft.com/office/drawing/2014/main" id="{1367783C-5032-4F97-BB0B-E92FF3AB3579}"/>
               </a:ext>
             </a:extLst>
           </p:cNvPr>
@@ -8567,7 +8554,7 @@
               <a:buFont typeface="Arial" panose="020B0604020202020204" pitchFamily="34" charset="0"/>
               <a:buNone/>
             </a:pPr>
-            <a:endParaRPr lang="en-US" dirty="0" smtClean="0">
+            <a:endParaRPr lang="en-US" dirty="0">
               <a:solidFill>
                 <a:prstClr val="white"/>
               </a:solidFill>
@@ -8580,7 +8567,7 @@
               </a:buClr>
             </a:pPr>
             <a:r>
-              <a:rPr lang="en-US" dirty="0" smtClean="0">
+              <a:rPr lang="en-US" dirty="0">
                 <a:solidFill>
                   <a:prstClr val="white"/>
                 </a:solidFill>
@@ -8595,7 +8582,7 @@
               </a:buClr>
             </a:pPr>
             <a:r>
-              <a:rPr lang="en-US" dirty="0" smtClean="0">
+              <a:rPr lang="en-US" dirty="0">
                 <a:solidFill>
                   <a:prstClr val="white"/>
                 </a:solidFill>
@@ -8603,7 +8590,7 @@
               <a:t>The surroundings of the main </a:t>
             </a:r>
             <a:r>
-              <a:rPr lang="en-US" dirty="0" err="1" smtClean="0">
+              <a:rPr lang="en-US" dirty="0" err="1">
                 <a:solidFill>
                   <a:prstClr val="white"/>
                 </a:solidFill>
@@ -8611,7 +8598,7 @@
               <a:t>Div</a:t>
             </a:r>
             <a:r>
-              <a:rPr lang="en-US" dirty="0" smtClean="0">
+              <a:rPr lang="en-US" dirty="0">
                 <a:solidFill>
                   <a:prstClr val="white"/>
                 </a:solidFill>
@@ -8626,7 +8613,7 @@
               </a:buClr>
             </a:pPr>
             <a:r>
-              <a:rPr lang="en-US" dirty="0" smtClean="0">
+              <a:rPr lang="en-US" dirty="0">
                 <a:solidFill>
                   <a:prstClr val="white"/>
                 </a:solidFill>
@@ -8641,7 +8628,7 @@
               </a:buClr>
             </a:pPr>
             <a:r>
-              <a:rPr lang="en-US" dirty="0" smtClean="0">
+              <a:rPr lang="en-US" dirty="0">
                 <a:solidFill>
                   <a:prstClr val="white"/>
                 </a:solidFill>
@@ -8694,7 +8681,7 @@
           </a:lstStyle>
           <a:p>
             <a:r>
-              <a:rPr lang="en-US" sz="2400" dirty="0" smtClean="0">
+              <a:rPr lang="en-US" sz="2400" dirty="0">
                 <a:solidFill>
                   <a:srgbClr val="FB8C29"/>
                 </a:solidFill>
@@ -8719,13 +8706,6 @@
   <p:clrMapOvr>
     <a:masterClrMapping/>
   </p:clrMapOvr>
-  <p:timing>
-    <p:tnLst>
-      <p:par>
-        <p:cTn id="1" dur="indefinite" restart="never" nodeType="tmRoot"/>
-      </p:par>
-    </p:tnLst>
-  </p:timing>
 </p:sld>
 </file>
 
@@ -8833,7 +8813,7 @@
           <a:lstStyle/>
           <a:p>
             <a:r>
-              <a:rPr lang="en-US" dirty="0" smtClean="0"/>
+              <a:rPr lang="en-US" dirty="0"/>
               <a:t>Home Page when logging in</a:t>
             </a:r>
             <a:endParaRPr lang="he-IL" dirty="0"/>
@@ -8863,7 +8843,7 @@
           <a:lstStyle/>
           <a:p>
             <a:r>
-              <a:rPr lang="en-US" dirty="0" smtClean="0"/>
+              <a:rPr lang="en-US" dirty="0"/>
               <a:t>Each row matches one specific plug that the client owns and approved</a:t>
             </a:r>
             <a:endParaRPr lang="he-IL" dirty="0"/>
@@ -9181,7 +9161,7 @@
           <a:lstStyle/>
           <a:p>
             <a:r>
-              <a:rPr lang="en-US" dirty="0" smtClean="0"/>
+              <a:rPr lang="en-US" dirty="0"/>
               <a:t>The 3 buttons menu…</a:t>
             </a:r>
             <a:endParaRPr lang="he-IL" dirty="0"/>
@@ -9309,7 +9289,7 @@
           <p:cNvPr id="4" name="Content Placeholder 3" descr="C:\Users\Aviel\Desktop\סמסטר ב' - 2019\סדנא בהנדסת תוכנה\פרוייקט\תמונות מסך\addNewDevice - LoggedInWithSidebar.jpg">
             <a:extLst>
               <a:ext uri="{FF2B5EF4-FFF2-40B4-BE49-F238E27FC236}">
-                <a16:creationId xmlns="" xmlns:a16="http://schemas.microsoft.com/office/drawing/2014/main" id="{6AE996D9-CE9B-4EA2-8100-24DF65977C8E}"/>
+                <a16:creationId xmlns:a16="http://schemas.microsoft.com/office/drawing/2014/main" id="{6AE996D9-CE9B-4EA2-8100-24DF65977C8E}"/>
               </a:ext>
             </a:extLst>
           </p:cNvPr>
@@ -9385,7 +9365,7 @@
           </a:lstStyle>
           <a:p>
             <a:r>
-              <a:rPr lang="en-US" dirty="0" smtClean="0"/>
+              <a:rPr lang="en-US" dirty="0"/>
               <a:t>Add new device</a:t>
             </a:r>
             <a:endParaRPr lang="he-IL" dirty="0"/>
@@ -9397,7 +9377,7 @@
           <p:cNvPr id="5" name="Content Placeholder 3">
             <a:extLst>
               <a:ext uri="{FF2B5EF4-FFF2-40B4-BE49-F238E27FC236}">
-                <a16:creationId xmlns="" xmlns:a16="http://schemas.microsoft.com/office/drawing/2014/main" id="{1367783C-5032-4F97-BB0B-E92FF3AB3579}"/>
+                <a16:creationId xmlns:a16="http://schemas.microsoft.com/office/drawing/2014/main" id="{1367783C-5032-4F97-BB0B-E92FF3AB3579}"/>
               </a:ext>
             </a:extLst>
           </p:cNvPr>
@@ -9633,7 +9613,7 @@
               <a:buFont typeface="Arial" panose="020B0604020202020204" pitchFamily="34" charset="0"/>
               <a:buNone/>
             </a:pPr>
-            <a:endParaRPr lang="en-US" dirty="0" smtClean="0"/>
+            <a:endParaRPr lang="en-US" dirty="0"/>
           </a:p>
           <a:p>
             <a:pPr marL="0" indent="0">
@@ -9641,28 +9621,27 @@
               <a:buNone/>
             </a:pPr>
             <a:r>
-              <a:rPr lang="en-US" dirty="0" smtClean="0"/>
+              <a:rPr lang="en-US" dirty="0"/>
               <a:t>Page elements and functionalities:</a:t>
             </a:r>
           </a:p>
           <a:p>
             <a:r>
-              <a:rPr lang="en-US" dirty="0" smtClean="0"/>
+              <a:rPr lang="en-US" dirty="0"/>
               <a:t>Present all unapproved plugs for the client as viable options</a:t>
             </a:r>
           </a:p>
           <a:p>
             <a:r>
-              <a:rPr lang="en-US" dirty="0" smtClean="0"/>
+              <a:rPr lang="en-US" dirty="0"/>
               <a:t>An “reject” button, which removes the unapproved plug as viable option for the client</a:t>
             </a:r>
           </a:p>
           <a:p>
             <a:r>
-              <a:rPr lang="en-US" dirty="0" smtClean="0"/>
+              <a:rPr lang="en-US" dirty="0"/>
               <a:t>A “refresh” button, which loads the page on click</a:t>
             </a:r>
-            <a:endParaRPr lang="en-US" dirty="0"/>
           </a:p>
         </p:txBody>
       </p:sp>
@@ -9676,13 +9655,6 @@
   <p:clrMapOvr>
     <a:masterClrMapping/>
   </p:clrMapOvr>
-  <p:timing>
-    <p:tnLst>
-      <p:par>
-        <p:cTn id="1" dur="indefinite" restart="never" nodeType="tmRoot"/>
-      </p:par>
-    </p:tnLst>
-  </p:timing>
 </p:sld>
 </file>
 
@@ -9708,7 +9680,7 @@
           <p:cNvPr id="15" name="Content Placeholder 10" descr="C:\Users\Aviel\Desktop\סמסטר ב' - 2019\סדנא בהנדסת תוכנה\פרוייקט\תמונות מסך\addNewDeviceWin - LoggedInWithSidebar.jpg">
             <a:extLst>
               <a:ext uri="{FF2B5EF4-FFF2-40B4-BE49-F238E27FC236}">
-                <a16:creationId xmlns="" xmlns:a16="http://schemas.microsoft.com/office/drawing/2014/main" id="{C2359224-90A0-4E34-8042-FD8FB786FD20}"/>
+                <a16:creationId xmlns:a16="http://schemas.microsoft.com/office/drawing/2014/main" id="{C2359224-90A0-4E34-8042-FD8FB786FD20}"/>
               </a:ext>
             </a:extLst>
           </p:cNvPr>
@@ -9784,7 +9756,7 @@
           </a:lstStyle>
           <a:p>
             <a:r>
-              <a:rPr lang="en-US" smtClean="0"/>
+              <a:rPr lang="en-US"/>
               <a:t>Add new device</a:t>
             </a:r>
             <a:endParaRPr lang="he-IL" dirty="0"/>
@@ -9796,7 +9768,7 @@
           <p:cNvPr id="4" name="Content Placeholder 3">
             <a:extLst>
               <a:ext uri="{FF2B5EF4-FFF2-40B4-BE49-F238E27FC236}">
-                <a16:creationId xmlns="" xmlns:a16="http://schemas.microsoft.com/office/drawing/2014/main" id="{1367783C-5032-4F97-BB0B-E92FF3AB3579}"/>
+                <a16:creationId xmlns:a16="http://schemas.microsoft.com/office/drawing/2014/main" id="{1367783C-5032-4F97-BB0B-E92FF3AB3579}"/>
               </a:ext>
             </a:extLst>
           </p:cNvPr>
@@ -10032,7 +10004,7 @@
               <a:buFont typeface="Arial" panose="020B0604020202020204" pitchFamily="34" charset="0"/>
               <a:buNone/>
             </a:pPr>
-            <a:endParaRPr lang="en-US" dirty="0" smtClean="0"/>
+            <a:endParaRPr lang="en-US" dirty="0"/>
           </a:p>
           <a:p>
             <a:pPr marL="0" indent="0">
@@ -10040,31 +10012,31 @@
               <a:buNone/>
             </a:pPr>
             <a:r>
-              <a:rPr lang="en-US" dirty="0" smtClean="0"/>
+              <a:rPr lang="en-US" dirty="0"/>
               <a:t>Page elements and functionalities:</a:t>
             </a:r>
           </a:p>
           <a:p>
             <a:r>
-              <a:rPr lang="en-US" dirty="0" smtClean="0"/>
+              <a:rPr lang="en-US" dirty="0"/>
               <a:t>Present a popup by choosing a certain unapproved plug, by clicking the “accept” button</a:t>
             </a:r>
           </a:p>
           <a:p>
             <a:r>
-              <a:rPr lang="en-US" dirty="0" smtClean="0"/>
+              <a:rPr lang="en-US" dirty="0"/>
               <a:t>Using said popup, the client determines the settings of the chosen plug</a:t>
             </a:r>
           </a:p>
           <a:p>
             <a:r>
-              <a:rPr lang="en-US" dirty="0" smtClean="0"/>
+              <a:rPr lang="en-US" dirty="0"/>
               <a:t>Conveying the client’s  choices to the database and updating the page accordingly by clicking the “next” button from the popup</a:t>
             </a:r>
           </a:p>
           <a:p>
             <a:r>
-              <a:rPr lang="en-US" dirty="0" smtClean="0"/>
+              <a:rPr lang="en-US" dirty="0"/>
               <a:t>Removing the popup by clicking on the “cancel” button ,which is located on said popup</a:t>
             </a:r>
           </a:p>
@@ -10080,13 +10052,6 @@
   <p:clrMapOvr>
     <a:masterClrMapping/>
   </p:clrMapOvr>
-  <p:timing>
-    <p:tnLst>
-      <p:par>
-        <p:cTn id="1" dur="indefinite" restart="never" nodeType="tmRoot"/>
-      </p:par>
-    </p:tnLst>
-  </p:timing>
 </p:sld>
 </file>
 
@@ -10112,7 +10077,7 @@
           <p:cNvPr id="6" name="Content Placeholder 5" descr="C:\Users\Aviel\Desktop\סמסטר ב' - 2019\סדנא בהנדסת תוכנה\פרוייקט\תמונות מסך\PlugsSettings - LoggedInWithSidebar.jpg">
             <a:extLst>
               <a:ext uri="{FF2B5EF4-FFF2-40B4-BE49-F238E27FC236}">
-                <a16:creationId xmlns="" xmlns:a16="http://schemas.microsoft.com/office/drawing/2014/main" id="{A5122BF7-AC4E-46AC-8C23-F596DB1B854E}"/>
+                <a16:creationId xmlns:a16="http://schemas.microsoft.com/office/drawing/2014/main" id="{A5122BF7-AC4E-46AC-8C23-F596DB1B854E}"/>
               </a:ext>
             </a:extLst>
           </p:cNvPr>
@@ -10188,7 +10153,7 @@
           </a:lstStyle>
           <a:p>
             <a:r>
-              <a:rPr lang="en-US" smtClean="0"/>
+              <a:rPr lang="en-US"/>
               <a:t>Device Settings</a:t>
             </a:r>
             <a:endParaRPr lang="he-IL" dirty="0"/>
@@ -10200,7 +10165,7 @@
           <p:cNvPr id="4" name="Content Placeholder 3">
             <a:extLst>
               <a:ext uri="{FF2B5EF4-FFF2-40B4-BE49-F238E27FC236}">
-                <a16:creationId xmlns="" xmlns:a16="http://schemas.microsoft.com/office/drawing/2014/main" id="{1CA7F210-D8FC-4CAC-B85D-95AAADF01FFC}"/>
+                <a16:creationId xmlns:a16="http://schemas.microsoft.com/office/drawing/2014/main" id="{1CA7F210-D8FC-4CAC-B85D-95AAADF01FFC}"/>
               </a:ext>
             </a:extLst>
           </p:cNvPr>
@@ -10436,7 +10401,7 @@
               <a:buFont typeface="Arial" panose="020B0604020202020204" pitchFamily="34" charset="0"/>
               <a:buNone/>
             </a:pPr>
-            <a:endParaRPr lang="en-US" smtClean="0"/>
+            <a:endParaRPr lang="en-US"/>
           </a:p>
           <a:p>
             <a:pPr marL="0" indent="0">
@@ -10444,45 +10409,45 @@
               <a:buNone/>
             </a:pPr>
             <a:r>
-              <a:rPr lang="en-US" smtClean="0"/>
+              <a:rPr lang="en-US"/>
               <a:t>Page elements and functionalities:</a:t>
             </a:r>
           </a:p>
           <a:p>
             <a:r>
-              <a:rPr lang="en-US" smtClean="0"/>
+              <a:rPr lang="en-US"/>
               <a:t>Present the current settings of the chosen plug, including the date of its arrival to the database and it’s mac address (which are unchangeable)</a:t>
             </a:r>
           </a:p>
           <a:p>
             <a:r>
-              <a:rPr lang="en-US" smtClean="0"/>
+              <a:rPr lang="en-US"/>
               <a:t>An option to change the current nickname of the chosen plug</a:t>
             </a:r>
           </a:p>
           <a:p>
             <a:r>
-              <a:rPr lang="en-US" smtClean="0"/>
+              <a:rPr lang="en-US"/>
               <a:t>An option to change the current plug’s priority</a:t>
             </a:r>
           </a:p>
           <a:p>
             <a:r>
-              <a:rPr lang="en-US" smtClean="0"/>
+              <a:rPr lang="en-US"/>
               <a:t>An “approve” button, which conveys the client changes to the database</a:t>
             </a:r>
           </a:p>
           <a:p>
             <a:r>
-              <a:rPr lang="en-US" smtClean="0"/>
+              <a:rPr lang="en-US"/>
               <a:t>An “remove-device” button, which removes the chosen plug from the client’s approved plugs, removes the plug from the database and updates the page accordingly by returning to the plugs Main Viewer page</a:t>
             </a:r>
           </a:p>
           <a:p>
-            <a:endParaRPr lang="en-US" smtClean="0"/>
-          </a:p>
-          <a:p>
-            <a:endParaRPr lang="en-US" smtClean="0"/>
+            <a:endParaRPr lang="en-US"/>
+          </a:p>
+          <a:p>
+            <a:endParaRPr lang="en-US"/>
           </a:p>
           <a:p>
             <a:endParaRPr lang="en-US" dirty="0"/>
@@ -10499,13 +10464,6 @@
   <p:clrMapOvr>
     <a:masterClrMapping/>
   </p:clrMapOvr>
-  <p:timing>
-    <p:tnLst>
-      <p:par>
-        <p:cTn id="1" dur="indefinite" restart="never" nodeType="tmRoot"/>
-      </p:par>
-    </p:tnLst>
-  </p:timing>
 </p:sld>
 </file>
 
@@ -10531,7 +10489,7 @@
           <p:cNvPr id="4" name="Content Placeholder 3" descr="C:\Users\Aviel\Desktop\סמסטר ב' - 2019\סדנא בהנדסת תוכנה\פרוייקט\תמונות מסך\timingSettings - LoggedInWithSidebar.jpg">
             <a:extLst>
               <a:ext uri="{FF2B5EF4-FFF2-40B4-BE49-F238E27FC236}">
-                <a16:creationId xmlns="" xmlns:a16="http://schemas.microsoft.com/office/drawing/2014/main" id="{B100C326-2252-41DC-8A46-BFFBA79A7F69}"/>
+                <a16:creationId xmlns:a16="http://schemas.microsoft.com/office/drawing/2014/main" id="{B100C326-2252-41DC-8A46-BFFBA79A7F69}"/>
               </a:ext>
             </a:extLst>
           </p:cNvPr>
@@ -10608,7 +10566,7 @@
           </a:lstStyle>
           <a:p>
             <a:r>
-              <a:rPr lang="en-US" dirty="0" smtClean="0"/>
+              <a:rPr lang="en-US" dirty="0"/>
               <a:t>Timing settings</a:t>
             </a:r>
             <a:endParaRPr lang="he-IL" dirty="0"/>
@@ -10958,7 +10916,7 @@
           <p:cNvPr id="3" name="מציין מיקום תוכן 2">
             <a:extLst>
               <a:ext uri="{FF2B5EF4-FFF2-40B4-BE49-F238E27FC236}">
-                <a16:creationId xmlns="" xmlns:a16="http://schemas.microsoft.com/office/drawing/2014/main" id="{698DFE09-61A8-4594-BF18-0CEC6811CAC4}"/>
+                <a16:creationId xmlns:a16="http://schemas.microsoft.com/office/drawing/2014/main" id="{698DFE09-61A8-4594-BF18-0CEC6811CAC4}"/>
               </a:ext>
             </a:extLst>
           </p:cNvPr>
@@ -11037,7 +10995,7 @@
           <p:cNvPr id="4" name="Title 1">
             <a:extLst>
               <a:ext uri="{FF2B5EF4-FFF2-40B4-BE49-F238E27FC236}">
-                <a16:creationId xmlns="" xmlns:a16="http://schemas.microsoft.com/office/drawing/2014/main" id="{3340FA19-5350-4C8D-8473-7DB94F143C43}"/>
+                <a16:creationId xmlns:a16="http://schemas.microsoft.com/office/drawing/2014/main" id="{3340FA19-5350-4C8D-8473-7DB94F143C43}"/>
               </a:ext>
             </a:extLst>
           </p:cNvPr>
@@ -11081,10 +11039,9 @@
           </a:lstStyle>
           <a:p>
             <a:r>
-              <a:rPr lang="en-US" dirty="0" smtClean="0"/>
+              <a:rPr lang="en-US" dirty="0"/>
               <a:t>Today we will show you</a:t>
             </a:r>
-            <a:endParaRPr lang="en-US" dirty="0"/>
           </a:p>
         </p:txBody>
       </p:sp>
@@ -11098,13 +11055,6 @@
   <p:clrMapOvr>
     <a:masterClrMapping/>
   </p:clrMapOvr>
-  <p:timing>
-    <p:tnLst>
-      <p:par>
-        <p:cTn id="1" dur="indefinite" restart="never" nodeType="tmRoot"/>
-      </p:par>
-    </p:tnLst>
-  </p:timing>
 </p:sld>
 </file>
 
@@ -11130,7 +11080,7 @@
           <p:cNvPr id="14" name="Content Placeholder 7" descr="C:\Users\Aviel\Desktop\סמסטר ב' - 2019\סדנא בהנדסת תוכנה\פרוייקט\תמונות מסך\timingSettings - LoggedInWithSidebar - addNewTimingSettings.jpg">
             <a:extLst>
               <a:ext uri="{FF2B5EF4-FFF2-40B4-BE49-F238E27FC236}">
-                <a16:creationId xmlns="" xmlns:a16="http://schemas.microsoft.com/office/drawing/2014/main" id="{D0A1B798-45AF-4B10-9841-A99DB784B8FD}"/>
+                <a16:creationId xmlns:a16="http://schemas.microsoft.com/office/drawing/2014/main" id="{D0A1B798-45AF-4B10-9841-A99DB784B8FD}"/>
               </a:ext>
             </a:extLst>
           </p:cNvPr>
@@ -11207,7 +11157,7 @@
           </a:lstStyle>
           <a:p>
             <a:r>
-              <a:rPr lang="en-US" dirty="0" smtClean="0"/>
+              <a:rPr lang="en-US" dirty="0"/>
               <a:t>Timing settings</a:t>
             </a:r>
             <a:endParaRPr lang="he-IL" dirty="0"/>
@@ -11237,12 +11187,8 @@
           <a:lstStyle/>
           <a:p>
             <a:r>
-              <a:rPr lang="en-US" dirty="0" smtClean="0"/>
-              <a:t>The </a:t>
-            </a:r>
-            <a:r>
               <a:rPr lang="en-US" dirty="0"/>
-              <a:t>client determines the settings of the new task</a:t>
+              <a:t>The client determines the settings of the new task</a:t>
             </a:r>
             <a:endParaRPr lang="he-IL" dirty="0"/>
           </a:p>
@@ -11271,32 +11217,8 @@
           <a:lstStyle/>
           <a:p>
             <a:r>
-              <a:rPr lang="en-US" dirty="0" smtClean="0"/>
-              <a:t>The </a:t>
-            </a:r>
-            <a:r>
               <a:rPr lang="en-US" dirty="0"/>
-              <a:t>database </a:t>
-            </a:r>
-            <a:r>
-              <a:rPr lang="en-US" dirty="0" smtClean="0"/>
-              <a:t>and the </a:t>
-            </a:r>
-            <a:r>
-              <a:rPr lang="en-US" dirty="0"/>
-              <a:t>page accordingly </a:t>
-            </a:r>
-            <a:r>
-              <a:rPr lang="en-US" dirty="0" smtClean="0"/>
-              <a:t>updates by </a:t>
-            </a:r>
-            <a:r>
-              <a:rPr lang="en-US" dirty="0"/>
-              <a:t>clicking the “ok” </a:t>
-            </a:r>
-            <a:r>
-              <a:rPr lang="en-US" dirty="0" smtClean="0"/>
-              <a:t>button</a:t>
+              <a:t>The database and the page accordingly updates by clicking the “ok” button</a:t>
             </a:r>
             <a:endParaRPr lang="he-IL" dirty="0"/>
           </a:p>
@@ -11531,7 +11453,7 @@
           <p:cNvPr id="6" name="תיבת טקסט 5">
             <a:extLst>
               <a:ext uri="{FF2B5EF4-FFF2-40B4-BE49-F238E27FC236}">
-                <a16:creationId xmlns="" xmlns:a16="http://schemas.microsoft.com/office/drawing/2014/main" id="{84E6CBDC-B54D-4526-B475-6D785E16D1E6}"/>
+                <a16:creationId xmlns:a16="http://schemas.microsoft.com/office/drawing/2014/main" id="{84E6CBDC-B54D-4526-B475-6D785E16D1E6}"/>
               </a:ext>
             </a:extLst>
           </p:cNvPr>
@@ -11575,7 +11497,7 @@
           <p:cNvPr id="3" name="תמונה 2">
             <a:extLst>
               <a:ext uri="{FF2B5EF4-FFF2-40B4-BE49-F238E27FC236}">
-                <a16:creationId xmlns="" xmlns:a16="http://schemas.microsoft.com/office/drawing/2014/main" id="{13CC64D7-1652-4C58-83C8-836B7A70B0A8}"/>
+                <a16:creationId xmlns:a16="http://schemas.microsoft.com/office/drawing/2014/main" id="{13CC64D7-1652-4C58-83C8-836B7A70B0A8}"/>
               </a:ext>
             </a:extLst>
           </p:cNvPr>
@@ -11642,7 +11564,7 @@
           </a:lstStyle>
           <a:p>
             <a:r>
-              <a:rPr lang="en-US" dirty="0" smtClean="0"/>
+              <a:rPr lang="en-US" dirty="0"/>
               <a:t>Power consumption</a:t>
             </a:r>
             <a:endParaRPr lang="he-IL" dirty="0"/>
@@ -11659,13 +11581,6 @@
   <p:clrMapOvr>
     <a:masterClrMapping/>
   </p:clrMapOvr>
-  <p:timing>
-    <p:tnLst>
-      <p:par>
-        <p:cTn id="1" dur="indefinite" restart="never" nodeType="tmRoot"/>
-      </p:par>
-    </p:tnLst>
-  </p:timing>
 </p:sld>
 </file>
 
@@ -11691,7 +11606,7 @@
           <p:cNvPr id="7" name="מציין מיקום תוכן 6">
             <a:extLst>
               <a:ext uri="{FF2B5EF4-FFF2-40B4-BE49-F238E27FC236}">
-                <a16:creationId xmlns="" xmlns:a16="http://schemas.microsoft.com/office/drawing/2014/main" id="{3A2740AC-634A-43F2-8283-D8CE53037153}"/>
+                <a16:creationId xmlns:a16="http://schemas.microsoft.com/office/drawing/2014/main" id="{3A2740AC-634A-43F2-8283-D8CE53037153}"/>
               </a:ext>
             </a:extLst>
           </p:cNvPr>
@@ -11722,7 +11637,7 @@
           <p:cNvPr id="6" name="תיבת טקסט 5">
             <a:extLst>
               <a:ext uri="{FF2B5EF4-FFF2-40B4-BE49-F238E27FC236}">
-                <a16:creationId xmlns="" xmlns:a16="http://schemas.microsoft.com/office/drawing/2014/main" id="{6F53886E-BACB-40EC-804C-B4E03AA9CC9B}"/>
+                <a16:creationId xmlns:a16="http://schemas.microsoft.com/office/drawing/2014/main" id="{6F53886E-BACB-40EC-804C-B4E03AA9CC9B}"/>
               </a:ext>
             </a:extLst>
           </p:cNvPr>
@@ -11800,7 +11715,7 @@
           </a:lstStyle>
           <a:p>
             <a:r>
-              <a:rPr lang="en-US" dirty="0" smtClean="0"/>
+              <a:rPr lang="en-US" dirty="0"/>
               <a:t>Power consumption</a:t>
             </a:r>
             <a:endParaRPr lang="he-IL" dirty="0"/>
@@ -11817,13 +11732,6 @@
   <p:clrMapOvr>
     <a:masterClrMapping/>
   </p:clrMapOvr>
-  <p:timing>
-    <p:tnLst>
-      <p:par>
-        <p:cTn id="1" dur="indefinite" restart="never" nodeType="tmRoot"/>
-      </p:par>
-    </p:tnLst>
-  </p:timing>
 </p:sld>
 </file>
 
@@ -11865,7 +11773,7 @@
           <a:lstStyle/>
           <a:p>
             <a:r>
-              <a:rPr lang="en-US" dirty="0" smtClean="0"/>
+              <a:rPr lang="en-US" dirty="0"/>
               <a:t>Live demo</a:t>
             </a:r>
             <a:endParaRPr lang="he-IL" dirty="0"/>
@@ -11882,13 +11790,6 @@
   <p:clrMapOvr>
     <a:masterClrMapping/>
   </p:clrMapOvr>
-  <p:timing>
-    <p:tnLst>
-      <p:par>
-        <p:cTn id="1" dur="indefinite" restart="never" nodeType="tmRoot"/>
-      </p:par>
-    </p:tnLst>
-  </p:timing>
 </p:sld>
 </file>
 
@@ -11925,7 +11826,7 @@
           <a:lstStyle/>
           <a:p>
             <a:r>
-              <a:rPr lang="en-US" dirty="0" smtClean="0"/>
+              <a:rPr lang="en-US" dirty="0"/>
               <a:t>summary</a:t>
             </a:r>
             <a:endParaRPr lang="he-IL" dirty="0"/>
@@ -11955,7 +11856,7 @@
           <a:lstStyle/>
           <a:p>
             <a:r>
-              <a:rPr lang="en-US" sz="2800" dirty="0" smtClean="0"/>
+              <a:rPr lang="en-US" sz="2800" dirty="0"/>
               <a:t>Thank you for listening……</a:t>
             </a:r>
             <a:endParaRPr lang="he-IL" sz="2800" dirty="0"/>
@@ -12274,7 +12175,7 @@
           <p:cNvPr id="2" name="Title 1">
             <a:extLst>
               <a:ext uri="{FF2B5EF4-FFF2-40B4-BE49-F238E27FC236}">
-                <a16:creationId xmlns:a16="http://schemas.microsoft.com/office/drawing/2014/main" xmlns="" id="{7BF9262E-02C3-441A-ADCA-F84C6C866168}"/>
+                <a16:creationId xmlns:a16="http://schemas.microsoft.com/office/drawing/2014/main" id="{7BF9262E-02C3-441A-ADCA-F84C6C866168}"/>
               </a:ext>
             </a:extLst>
           </p:cNvPr>
@@ -12313,13 +12214,6 @@
   <p:clrMapOvr>
     <a:masterClrMapping/>
   </p:clrMapOvr>
-  <p:timing>
-    <p:tnLst>
-      <p:par>
-        <p:cTn id="1" dur="indefinite" restart="never" nodeType="tmRoot"/>
-      </p:par>
-    </p:tnLst>
-  </p:timing>
 </p:sld>
 </file>
 
@@ -12345,7 +12239,7 @@
           <p:cNvPr id="8" name="Straight Arrow Connector 7">
             <a:extLst>
               <a:ext uri="{FF2B5EF4-FFF2-40B4-BE49-F238E27FC236}">
-                <a16:creationId xmlns="" xmlns:a16="http://schemas.microsoft.com/office/drawing/2014/main" id="{98798C05-A773-4B77-B289-E22F838D73B0}"/>
+                <a16:creationId xmlns:a16="http://schemas.microsoft.com/office/drawing/2014/main" id="{98798C05-A773-4B77-B289-E22F838D73B0}"/>
               </a:ext>
             </a:extLst>
           </p:cNvPr>
@@ -12384,7 +12278,7 @@
           <p:cNvPr id="10" name="Straight Arrow Connector 9">
             <a:extLst>
               <a:ext uri="{FF2B5EF4-FFF2-40B4-BE49-F238E27FC236}">
-                <a16:creationId xmlns="" xmlns:a16="http://schemas.microsoft.com/office/drawing/2014/main" id="{59F7B663-228F-4717-9AFD-A0AC69F5D67E}"/>
+                <a16:creationId xmlns:a16="http://schemas.microsoft.com/office/drawing/2014/main" id="{59F7B663-228F-4717-9AFD-A0AC69F5D67E}"/>
               </a:ext>
             </a:extLst>
           </p:cNvPr>
@@ -12423,7 +12317,7 @@
           <p:cNvPr id="12" name="Straight Arrow Connector 11">
             <a:extLst>
               <a:ext uri="{FF2B5EF4-FFF2-40B4-BE49-F238E27FC236}">
-                <a16:creationId xmlns="" xmlns:a16="http://schemas.microsoft.com/office/drawing/2014/main" id="{FCCE5193-B6A1-420E-9F01-E5C78DDB878B}"/>
+                <a16:creationId xmlns:a16="http://schemas.microsoft.com/office/drawing/2014/main" id="{FCCE5193-B6A1-420E-9F01-E5C78DDB878B}"/>
               </a:ext>
             </a:extLst>
           </p:cNvPr>
@@ -12462,7 +12356,7 @@
           <p:cNvPr id="9" name="Title 1">
             <a:extLst>
               <a:ext uri="{FF2B5EF4-FFF2-40B4-BE49-F238E27FC236}">
-                <a16:creationId xmlns="" xmlns:a16="http://schemas.microsoft.com/office/drawing/2014/main" id="{3340FA19-5350-4C8D-8473-7DB94F143C43}"/>
+                <a16:creationId xmlns:a16="http://schemas.microsoft.com/office/drawing/2014/main" id="{3340FA19-5350-4C8D-8473-7DB94F143C43}"/>
               </a:ext>
             </a:extLst>
           </p:cNvPr>
@@ -12506,10 +12400,9 @@
           </a:lstStyle>
           <a:p>
             <a:r>
-              <a:rPr lang="en-US" dirty="0" smtClean="0"/>
+              <a:rPr lang="en-US" dirty="0"/>
               <a:t>Design</a:t>
             </a:r>
-            <a:endParaRPr lang="en-US" dirty="0"/>
           </a:p>
         </p:txBody>
       </p:sp>
@@ -12559,7 +12452,7 @@
           <p:cNvPr id="14" name="Straight Arrow Connector 13">
             <a:extLst>
               <a:ext uri="{FF2B5EF4-FFF2-40B4-BE49-F238E27FC236}">
-                <a16:creationId xmlns="" xmlns:a16="http://schemas.microsoft.com/office/drawing/2014/main" id="{2A9DC3CA-2CCE-4BBF-B0F4-CFBC7B198946}"/>
+                <a16:creationId xmlns:a16="http://schemas.microsoft.com/office/drawing/2014/main" id="{2A9DC3CA-2CCE-4BBF-B0F4-CFBC7B198946}"/>
               </a:ext>
             </a:extLst>
           </p:cNvPr>
@@ -12598,7 +12491,7 @@
           <p:cNvPr id="6" name="Straight Arrow Connector 5">
             <a:extLst>
               <a:ext uri="{FF2B5EF4-FFF2-40B4-BE49-F238E27FC236}">
-                <a16:creationId xmlns="" xmlns:a16="http://schemas.microsoft.com/office/drawing/2014/main" id="{CCD8E858-CA69-4FE8-AAEF-955EC9F8CE8E}"/>
+                <a16:creationId xmlns:a16="http://schemas.microsoft.com/office/drawing/2014/main" id="{CCD8E858-CA69-4FE8-AAEF-955EC9F8CE8E}"/>
               </a:ext>
             </a:extLst>
           </p:cNvPr>
@@ -13030,7 +12923,7 @@
           <p:cNvPr id="1028" name="Picture 4" descr="http://pngimg.com/uploads/server/server_PNG18.png">
             <a:extLst>
               <a:ext uri="{FF2B5EF4-FFF2-40B4-BE49-F238E27FC236}">
-                <a16:creationId xmlns="" xmlns:a16="http://schemas.microsoft.com/office/drawing/2014/main" id="{2A985C3B-BE77-4C8B-97F0-667EC0ACD0F6}"/>
+                <a16:creationId xmlns:a16="http://schemas.microsoft.com/office/drawing/2014/main" id="{2A985C3B-BE77-4C8B-97F0-667EC0ACD0F6}"/>
               </a:ext>
             </a:extLst>
           </p:cNvPr>
@@ -13079,7 +12972,7 @@
           <p:cNvPr id="6" name="Straight Arrow Connector 5">
             <a:extLst>
               <a:ext uri="{FF2B5EF4-FFF2-40B4-BE49-F238E27FC236}">
-                <a16:creationId xmlns="" xmlns:a16="http://schemas.microsoft.com/office/drawing/2014/main" id="{BAC0B28F-8F22-4F06-86B0-347667D38B30}"/>
+                <a16:creationId xmlns:a16="http://schemas.microsoft.com/office/drawing/2014/main" id="{BAC0B28F-8F22-4F06-86B0-347667D38B30}"/>
               </a:ext>
             </a:extLst>
           </p:cNvPr>
@@ -13119,7 +13012,7 @@
           <p:cNvPr id="7" name="TextBox 6">
             <a:extLst>
               <a:ext uri="{FF2B5EF4-FFF2-40B4-BE49-F238E27FC236}">
-                <a16:creationId xmlns="" xmlns:a16="http://schemas.microsoft.com/office/drawing/2014/main" id="{50635481-1944-4B50-AB4D-F6F035346621}"/>
+                <a16:creationId xmlns:a16="http://schemas.microsoft.com/office/drawing/2014/main" id="{50635481-1944-4B50-AB4D-F6F035346621}"/>
               </a:ext>
             </a:extLst>
           </p:cNvPr>
@@ -13155,7 +13048,7 @@
           <p:cNvPr id="9" name="Picture 8" descr="A circuit board&#10;&#10;Description automatically generated">
             <a:extLst>
               <a:ext uri="{FF2B5EF4-FFF2-40B4-BE49-F238E27FC236}">
-                <a16:creationId xmlns="" xmlns:a16="http://schemas.microsoft.com/office/drawing/2014/main" id="{3723A63B-D7AF-4E80-B2C8-511CD07BEE90}"/>
+                <a16:creationId xmlns:a16="http://schemas.microsoft.com/office/drawing/2014/main" id="{3723A63B-D7AF-4E80-B2C8-511CD07BEE90}"/>
               </a:ext>
             </a:extLst>
           </p:cNvPr>
@@ -13206,7 +13099,7 @@
           <p:cNvPr id="8" name="Title 1">
             <a:extLst>
               <a:ext uri="{FF2B5EF4-FFF2-40B4-BE49-F238E27FC236}">
-                <a16:creationId xmlns="" xmlns:a16="http://schemas.microsoft.com/office/drawing/2014/main" id="{3340FA19-5350-4C8D-8473-7DB94F143C43}"/>
+                <a16:creationId xmlns:a16="http://schemas.microsoft.com/office/drawing/2014/main" id="{3340FA19-5350-4C8D-8473-7DB94F143C43}"/>
               </a:ext>
             </a:extLst>
           </p:cNvPr>
@@ -13250,10 +13143,9 @@
           </a:lstStyle>
           <a:p>
             <a:r>
-              <a:rPr lang="en-US" dirty="0" smtClean="0"/>
+              <a:rPr lang="en-US" dirty="0"/>
               <a:t>Server communication</a:t>
             </a:r>
-            <a:endParaRPr lang="en-US" dirty="0"/>
           </a:p>
         </p:txBody>
       </p:sp>
@@ -13267,13 +13159,6 @@
   <p:clrMapOvr>
     <a:masterClrMapping/>
   </p:clrMapOvr>
-  <p:timing>
-    <p:tnLst>
-      <p:par>
-        <p:cTn id="1" dur="indefinite" restart="never" nodeType="tmRoot"/>
-      </p:par>
-    </p:tnLst>
-  </p:timing>
 </p:sld>
 </file>
 
@@ -13299,7 +13184,7 @@
           <p:cNvPr id="2" name="Title 1">
             <a:extLst>
               <a:ext uri="{FF2B5EF4-FFF2-40B4-BE49-F238E27FC236}">
-                <a16:creationId xmlns:a16="http://schemas.microsoft.com/office/drawing/2014/main" xmlns="" id="{7BF9262E-02C3-441A-ADCA-F84C6C866168}"/>
+                <a16:creationId xmlns:a16="http://schemas.microsoft.com/office/drawing/2014/main" id="{7BF9262E-02C3-441A-ADCA-F84C6C866168}"/>
               </a:ext>
             </a:extLst>
           </p:cNvPr>
@@ -13340,13 +13225,6 @@
   <p:clrMapOvr>
     <a:masterClrMapping/>
   </p:clrMapOvr>
-  <p:timing>
-    <p:tnLst>
-      <p:par>
-        <p:cTn id="1" dur="indefinite" restart="never" nodeType="tmRoot"/>
-      </p:par>
-    </p:tnLst>
-  </p:timing>
 </p:sld>
 </file>
 
@@ -13372,7 +13250,7 @@
           <p:cNvPr id="3" name="Content Placeholder 2">
             <a:extLst>
               <a:ext uri="{FF2B5EF4-FFF2-40B4-BE49-F238E27FC236}">
-                <a16:creationId xmlns="" xmlns:a16="http://schemas.microsoft.com/office/drawing/2014/main" id="{D6E617BB-33CF-419C-9CFE-F73555A4FF43}"/>
+                <a16:creationId xmlns:a16="http://schemas.microsoft.com/office/drawing/2014/main" id="{D6E617BB-33CF-419C-9CFE-F73555A4FF43}"/>
               </a:ext>
             </a:extLst>
           </p:cNvPr>
@@ -13474,7 +13352,7 @@
           <p:cNvPr id="4" name="Title 1">
             <a:extLst>
               <a:ext uri="{FF2B5EF4-FFF2-40B4-BE49-F238E27FC236}">
-                <a16:creationId xmlns="" xmlns:a16="http://schemas.microsoft.com/office/drawing/2014/main" id="{3340FA19-5350-4C8D-8473-7DB94F143C43}"/>
+                <a16:creationId xmlns:a16="http://schemas.microsoft.com/office/drawing/2014/main" id="{3340FA19-5350-4C8D-8473-7DB94F143C43}"/>
               </a:ext>
             </a:extLst>
           </p:cNvPr>
@@ -13522,16 +13400,12 @@
               <a:t>ASP.NET Core </a:t>
             </a:r>
             <a:r>
-              <a:rPr lang="en-US" dirty="0" err="1" smtClean="0"/>
+              <a:rPr lang="en-US" dirty="0" err="1"/>
               <a:t>RESTful</a:t>
             </a:r>
             <a:r>
-              <a:rPr lang="en-US" dirty="0" smtClean="0"/>
-              <a:t> </a:t>
-            </a:r>
-            <a:r>
               <a:rPr lang="en-US" dirty="0"/>
-              <a:t>API</a:t>
+              <a:t> API</a:t>
             </a:r>
           </a:p>
         </p:txBody>
@@ -13628,13 +13502,6 @@
   <p:clrMapOvr>
     <a:masterClrMapping/>
   </p:clrMapOvr>
-  <p:timing>
-    <p:tnLst>
-      <p:par>
-        <p:cTn id="1" dur="indefinite" restart="never" nodeType="tmRoot"/>
-      </p:par>
-    </p:tnLst>
-  </p:timing>
 </p:sld>
 </file>
 
@@ -13660,7 +13527,7 @@
           <p:cNvPr id="2" name="כותרת 1">
             <a:extLst>
               <a:ext uri="{FF2B5EF4-FFF2-40B4-BE49-F238E27FC236}">
-                <a16:creationId xmlns="" xmlns:a16="http://schemas.microsoft.com/office/drawing/2014/main" id="{3D8AD451-5692-42B0-A5A8-BA8BC4374B65}"/>
+                <a16:creationId xmlns:a16="http://schemas.microsoft.com/office/drawing/2014/main" id="{3D8AD451-5692-42B0-A5A8-BA8BC4374B65}"/>
               </a:ext>
             </a:extLst>
           </p:cNvPr>
@@ -13695,7 +13562,7 @@
           <p:cNvPr id="3" name="כותרת משנה 2">
             <a:extLst>
               <a:ext uri="{FF2B5EF4-FFF2-40B4-BE49-F238E27FC236}">
-                <a16:creationId xmlns="" xmlns:a16="http://schemas.microsoft.com/office/drawing/2014/main" id="{F88CB65D-6FB6-4D98-BB74-C1536F58C9E4}"/>
+                <a16:creationId xmlns:a16="http://schemas.microsoft.com/office/drawing/2014/main" id="{F88CB65D-6FB6-4D98-BB74-C1536F58C9E4}"/>
               </a:ext>
             </a:extLst>
           </p:cNvPr>
@@ -13761,7 +13628,7 @@
           <p:cNvPr id="7" name="Graphic 6">
             <a:extLst>
               <a:ext uri="{FF2B5EF4-FFF2-40B4-BE49-F238E27FC236}">
-                <a16:creationId xmlns="" xmlns:a16="http://schemas.microsoft.com/office/drawing/2014/main" id="{33A1A73D-05C9-4525-B0C4-AD4E210D19CE}"/>
+                <a16:creationId xmlns:a16="http://schemas.microsoft.com/office/drawing/2014/main" id="{33A1A73D-05C9-4525-B0C4-AD4E210D19CE}"/>
               </a:ext>
             </a:extLst>
           </p:cNvPr>
@@ -13777,7 +13644,7 @@
                 <a14:useLocalDpi xmlns:a14="http://schemas.microsoft.com/office/drawing/2010/main" val="0"/>
               </a:ext>
               <a:ext uri="{96DAC541-7B7A-43D3-8B79-37D633B846F1}">
-                <asvg:svgBlip xmlns="" xmlns:asvg="http://schemas.microsoft.com/office/drawing/2016/SVG/main" r:embed="rId3"/>
+                <asvg:svgBlip xmlns:asvg="http://schemas.microsoft.com/office/drawing/2016/SVG/main" r:embed="rId3"/>
               </a:ext>
             </a:extLst>
           </a:blip>
@@ -13805,13 +13672,6 @@
   <p:clrMapOvr>
     <a:masterClrMapping/>
   </p:clrMapOvr>
-  <p:timing>
-    <p:tnLst>
-      <p:par>
-        <p:cTn id="1" dur="indefinite" restart="never" nodeType="tmRoot"/>
-      </p:par>
-    </p:tnLst>
-  </p:timing>
 </p:sld>
 </file>
 
@@ -13861,7 +13721,7 @@
           <p:cNvPr id="2" name="כותרת 1">
             <a:extLst>
               <a:ext uri="{FF2B5EF4-FFF2-40B4-BE49-F238E27FC236}">
-                <a16:creationId xmlns:a16="http://schemas.microsoft.com/office/drawing/2014/main" xmlns="" id="{00914A14-C61F-4A0D-8FE7-83DE258FFE63}"/>
+                <a16:creationId xmlns:a16="http://schemas.microsoft.com/office/drawing/2014/main" id="{00914A14-C61F-4A0D-8FE7-83DE258FFE63}"/>
               </a:ext>
             </a:extLst>
           </p:cNvPr>
@@ -13896,7 +13756,7 @@
           <p:cNvPr id="9" name="Content Placeholder 8">
             <a:extLst>
               <a:ext uri="{FF2B5EF4-FFF2-40B4-BE49-F238E27FC236}">
-                <a16:creationId xmlns:a16="http://schemas.microsoft.com/office/drawing/2014/main" xmlns="" id="{A59406EA-FD41-4275-B5DD-0C346F5F97FF}"/>
+                <a16:creationId xmlns:a16="http://schemas.microsoft.com/office/drawing/2014/main" id="{A59406EA-FD41-4275-B5DD-0C346F5F97FF}"/>
               </a:ext>
             </a:extLst>
           </p:cNvPr>
@@ -13943,7 +13803,7 @@
           <p:cNvPr id="7" name="מציין מיקום תוכן 3">
             <a:extLst>
               <a:ext uri="{FF2B5EF4-FFF2-40B4-BE49-F238E27FC236}">
-                <a16:creationId xmlns:a16="http://schemas.microsoft.com/office/drawing/2014/main" xmlns="" id="{29BF1ABF-91E1-456F-8CA6-FF867EE464A0}"/>
+                <a16:creationId xmlns:a16="http://schemas.microsoft.com/office/drawing/2014/main" id="{29BF1ABF-91E1-456F-8CA6-FF867EE464A0}"/>
               </a:ext>
             </a:extLst>
           </p:cNvPr>
@@ -13982,13 +13842,6 @@
   <p:clrMapOvr>
     <a:masterClrMapping/>
   </p:clrMapOvr>
-  <p:timing>
-    <p:tnLst>
-      <p:par>
-        <p:cTn id="1" dur="indefinite" restart="never" nodeType="tmRoot"/>
-      </p:par>
-    </p:tnLst>
-  </p:timing>
 </p:sld>
 </file>
 
@@ -14239,7 +14092,7 @@
   <a:extraClrSchemeLst/>
   <a:extLst>
     <a:ext uri="{05A4C25C-085E-4340-85A3-A5531E510DB2}">
-      <thm15:themeFamily xmlns="" xmlns:thm15="http://schemas.microsoft.com/office/thememl/2012/main" name="Gallery" id="{BBFCD31E-59A1-489D-B089-A3EAD7CAE12E}" vid="{BB5F5D82-B5E9-469E-A815-C655ED4AF243}"/>
+      <thm15:themeFamily xmlns:thm15="http://schemas.microsoft.com/office/thememl/2012/main" name="Gallery" id="{BBFCD31E-59A1-489D-B089-A3EAD7CAE12E}" vid="{BB5F5D82-B5E9-469E-A815-C655ED4AF243}"/>
     </a:ext>
   </a:extLst>
 </a:theme>
@@ -14492,7 +14345,7 @@
   <a:extraClrSchemeLst/>
   <a:extLst>
     <a:ext uri="{05A4C25C-085E-4340-85A3-A5531E510DB2}">
-      <thm15:themeFamily xmlns:thm15="http://schemas.microsoft.com/office/thememl/2012/main" xmlns="" name="Gallery" id="{BBFCD31E-59A1-489D-B089-A3EAD7CAE12E}" vid="{BB5F5D82-B5E9-469E-A815-C655ED4AF243}"/>
+      <thm15:themeFamily xmlns:thm15="http://schemas.microsoft.com/office/thememl/2012/main" name="Gallery" id="{BBFCD31E-59A1-489D-B089-A3EAD7CAE12E}" vid="{BB5F5D82-B5E9-469E-A815-C655ED4AF243}"/>
     </a:ext>
   </a:extLst>
 </a:theme>
